--- a/project3.pptx
+++ b/project3.pptx
@@ -62,7 +62,7 @@
       </p:grpSpPr>
       <p:sp>
         <p:nvSpPr>
-          <p:cNvPr id="26" name="PlaceHolder 1"/>
+          <p:cNvPr id="23" name="PlaceHolder 1"/>
           <p:cNvSpPr>
             <a:spLocks noGrp="1"/>
           </p:cNvSpPr>
@@ -73,7 +73,7 @@
         <p:spPr>
           <a:xfrm>
             <a:off x="685800" y="2130480"/>
-            <a:ext cx="7772040" cy="1469520"/>
+            <a:ext cx="7771680" cy="1469160"/>
           </a:xfrm>
           <a:prstGeom prst="rect">
             <a:avLst/>
@@ -82,23 +82,24 @@
         <p:txBody>
           <a:bodyPr lIns="0" rIns="0" tIns="0" bIns="0" anchor="ctr"/>
           <a:p>
-            <a:endParaRPr b="0" lang="en-US" sz="1800" spc="-1" strike="noStrike">
-              <a:solidFill>
-                <a:srgbClr val="000000"/>
-              </a:solidFill>
-              <a:uFill>
-                <a:solidFill>
-                  <a:srgbClr val="ffffff"/>
-                </a:solidFill>
-              </a:uFill>
-              <a:latin typeface="Calibri"/>
+            <a:pPr algn="ctr"/>
+            <a:endParaRPr b="0" lang="en-US" sz="4400" spc="-1" strike="noStrike">
+              <a:solidFill>
+                <a:srgbClr val="000000"/>
+              </a:solidFill>
+              <a:uFill>
+                <a:solidFill>
+                  <a:srgbClr val="ffffff"/>
+                </a:solidFill>
+              </a:uFill>
+              <a:latin typeface="Arial"/>
             </a:endParaRPr>
           </a:p>
         </p:txBody>
       </p:sp>
       <p:sp>
         <p:nvSpPr>
-          <p:cNvPr id="27" name="PlaceHolder 2"/>
+          <p:cNvPr id="24" name="PlaceHolder 2"/>
           <p:cNvSpPr>
             <a:spLocks noGrp="1"/>
           </p:cNvSpPr>
@@ -127,14 +128,14 @@
                   <a:srgbClr val="ffffff"/>
                 </a:solidFill>
               </a:uFill>
-              <a:latin typeface="Calibri"/>
+              <a:latin typeface="Arial"/>
             </a:endParaRPr>
           </a:p>
         </p:txBody>
       </p:sp>
       <p:sp>
         <p:nvSpPr>
-          <p:cNvPr id="28" name="PlaceHolder 3"/>
+          <p:cNvPr id="25" name="PlaceHolder 3"/>
           <p:cNvSpPr>
             <a:spLocks noGrp="1"/>
           </p:cNvSpPr>
@@ -163,7 +164,7 @@
                   <a:srgbClr val="ffffff"/>
                 </a:solidFill>
               </a:uFill>
-              <a:latin typeface="Calibri"/>
+              <a:latin typeface="Arial"/>
             </a:endParaRPr>
           </a:p>
         </p:txBody>
@@ -192,7 +193,7 @@
       </p:grpSpPr>
       <p:sp>
         <p:nvSpPr>
-          <p:cNvPr id="29" name="PlaceHolder 1"/>
+          <p:cNvPr id="26" name="PlaceHolder 1"/>
           <p:cNvSpPr>
             <a:spLocks noGrp="1"/>
           </p:cNvSpPr>
@@ -203,7 +204,7 @@
         <p:spPr>
           <a:xfrm>
             <a:off x="685800" y="2130480"/>
-            <a:ext cx="7772040" cy="1469520"/>
+            <a:ext cx="7771680" cy="1469160"/>
           </a:xfrm>
           <a:prstGeom prst="rect">
             <a:avLst/>
@@ -212,23 +213,24 @@
         <p:txBody>
           <a:bodyPr lIns="0" rIns="0" tIns="0" bIns="0" anchor="ctr"/>
           <a:p>
-            <a:endParaRPr b="0" lang="en-US" sz="1800" spc="-1" strike="noStrike">
-              <a:solidFill>
-                <a:srgbClr val="000000"/>
-              </a:solidFill>
-              <a:uFill>
-                <a:solidFill>
-                  <a:srgbClr val="ffffff"/>
-                </a:solidFill>
-              </a:uFill>
-              <a:latin typeface="Calibri"/>
+            <a:pPr algn="ctr"/>
+            <a:endParaRPr b="0" lang="en-US" sz="4400" spc="-1" strike="noStrike">
+              <a:solidFill>
+                <a:srgbClr val="000000"/>
+              </a:solidFill>
+              <a:uFill>
+                <a:solidFill>
+                  <a:srgbClr val="ffffff"/>
+                </a:solidFill>
+              </a:uFill>
+              <a:latin typeface="Arial"/>
             </a:endParaRPr>
           </a:p>
         </p:txBody>
       </p:sp>
       <p:sp>
         <p:nvSpPr>
-          <p:cNvPr id="30" name="PlaceHolder 2"/>
+          <p:cNvPr id="27" name="PlaceHolder 2"/>
           <p:cNvSpPr>
             <a:spLocks noGrp="1"/>
           </p:cNvSpPr>
@@ -257,14 +259,14 @@
                   <a:srgbClr val="ffffff"/>
                 </a:solidFill>
               </a:uFill>
-              <a:latin typeface="Calibri"/>
+              <a:latin typeface="Arial"/>
             </a:endParaRPr>
           </a:p>
         </p:txBody>
       </p:sp>
       <p:sp>
         <p:nvSpPr>
-          <p:cNvPr id="31" name="PlaceHolder 3"/>
+          <p:cNvPr id="28" name="PlaceHolder 3"/>
           <p:cNvSpPr>
             <a:spLocks noGrp="1"/>
           </p:cNvSpPr>
@@ -293,14 +295,14 @@
                   <a:srgbClr val="ffffff"/>
                 </a:solidFill>
               </a:uFill>
-              <a:latin typeface="Calibri"/>
+              <a:latin typeface="Arial"/>
             </a:endParaRPr>
           </a:p>
         </p:txBody>
       </p:sp>
       <p:sp>
         <p:nvSpPr>
-          <p:cNvPr id="32" name="PlaceHolder 4"/>
+          <p:cNvPr id="29" name="PlaceHolder 4"/>
           <p:cNvSpPr>
             <a:spLocks noGrp="1"/>
           </p:cNvSpPr>
@@ -329,14 +331,14 @@
                   <a:srgbClr val="ffffff"/>
                 </a:solidFill>
               </a:uFill>
-              <a:latin typeface="Calibri"/>
+              <a:latin typeface="Arial"/>
             </a:endParaRPr>
           </a:p>
         </p:txBody>
       </p:sp>
       <p:sp>
         <p:nvSpPr>
-          <p:cNvPr id="33" name="PlaceHolder 5"/>
+          <p:cNvPr id="30" name="PlaceHolder 5"/>
           <p:cNvSpPr>
             <a:spLocks noGrp="1"/>
           </p:cNvSpPr>
@@ -365,7 +367,7 @@
                   <a:srgbClr val="ffffff"/>
                 </a:solidFill>
               </a:uFill>
-              <a:latin typeface="Calibri"/>
+              <a:latin typeface="Arial"/>
             </a:endParaRPr>
           </a:p>
         </p:txBody>
@@ -394,7 +396,7 @@
       </p:grpSpPr>
       <p:sp>
         <p:nvSpPr>
-          <p:cNvPr id="34" name="PlaceHolder 1"/>
+          <p:cNvPr id="31" name="PlaceHolder 1"/>
           <p:cNvSpPr>
             <a:spLocks noGrp="1"/>
           </p:cNvSpPr>
@@ -405,7 +407,7 @@
         <p:spPr>
           <a:xfrm>
             <a:off x="685800" y="2130480"/>
-            <a:ext cx="7772040" cy="1469520"/>
+            <a:ext cx="7771680" cy="1469160"/>
           </a:xfrm>
           <a:prstGeom prst="rect">
             <a:avLst/>
@@ -414,23 +416,24 @@
         <p:txBody>
           <a:bodyPr lIns="0" rIns="0" tIns="0" bIns="0" anchor="ctr"/>
           <a:p>
-            <a:endParaRPr b="0" lang="en-US" sz="1800" spc="-1" strike="noStrike">
-              <a:solidFill>
-                <a:srgbClr val="000000"/>
-              </a:solidFill>
-              <a:uFill>
-                <a:solidFill>
-                  <a:srgbClr val="ffffff"/>
-                </a:solidFill>
-              </a:uFill>
-              <a:latin typeface="Calibri"/>
+            <a:pPr algn="ctr"/>
+            <a:endParaRPr b="0" lang="en-US" sz="4400" spc="-1" strike="noStrike">
+              <a:solidFill>
+                <a:srgbClr val="000000"/>
+              </a:solidFill>
+              <a:uFill>
+                <a:solidFill>
+                  <a:srgbClr val="ffffff"/>
+                </a:solidFill>
+              </a:uFill>
+              <a:latin typeface="Arial"/>
             </a:endParaRPr>
           </a:p>
         </p:txBody>
       </p:sp>
       <p:sp>
         <p:nvSpPr>
-          <p:cNvPr id="35" name="PlaceHolder 2"/>
+          <p:cNvPr id="32" name="PlaceHolder 2"/>
           <p:cNvSpPr>
             <a:spLocks noGrp="1"/>
           </p:cNvSpPr>
@@ -459,14 +462,14 @@
                   <a:srgbClr val="ffffff"/>
                 </a:solidFill>
               </a:uFill>
-              <a:latin typeface="Calibri"/>
+              <a:latin typeface="Arial"/>
             </a:endParaRPr>
           </a:p>
         </p:txBody>
       </p:sp>
       <p:sp>
         <p:nvSpPr>
-          <p:cNvPr id="36" name="PlaceHolder 3"/>
+          <p:cNvPr id="33" name="PlaceHolder 3"/>
           <p:cNvSpPr>
             <a:spLocks noGrp="1"/>
           </p:cNvSpPr>
@@ -495,14 +498,14 @@
                   <a:srgbClr val="ffffff"/>
                 </a:solidFill>
               </a:uFill>
-              <a:latin typeface="Calibri"/>
+              <a:latin typeface="Arial"/>
             </a:endParaRPr>
           </a:p>
         </p:txBody>
       </p:sp>
       <p:pic>
         <p:nvPicPr>
-          <p:cNvPr id="37" name="" descr=""/>
+          <p:cNvPr id="34" name="" descr=""/>
           <p:cNvPicPr/>
           <p:nvPr/>
         </p:nvPicPr>
@@ -525,7 +528,7 @@
       </p:pic>
       <p:pic>
         <p:nvPicPr>
-          <p:cNvPr id="38" name="" descr=""/>
+          <p:cNvPr id="35" name="" descr=""/>
           <p:cNvPicPr/>
           <p:nvPr/>
         </p:nvPicPr>
@@ -570,7 +573,7 @@
       </p:grpSpPr>
       <p:sp>
         <p:nvSpPr>
-          <p:cNvPr id="5" name="PlaceHolder 1"/>
+          <p:cNvPr id="2" name="PlaceHolder 1"/>
           <p:cNvSpPr>
             <a:spLocks noGrp="1"/>
           </p:cNvSpPr>
@@ -581,7 +584,7 @@
         <p:spPr>
           <a:xfrm>
             <a:off x="685800" y="2130480"/>
-            <a:ext cx="7772040" cy="1469520"/>
+            <a:ext cx="7771680" cy="1469160"/>
           </a:xfrm>
           <a:prstGeom prst="rect">
             <a:avLst/>
@@ -590,23 +593,24 @@
         <p:txBody>
           <a:bodyPr lIns="0" rIns="0" tIns="0" bIns="0" anchor="ctr"/>
           <a:p>
-            <a:endParaRPr b="0" lang="en-US" sz="1800" spc="-1" strike="noStrike">
-              <a:solidFill>
-                <a:srgbClr val="000000"/>
-              </a:solidFill>
-              <a:uFill>
-                <a:solidFill>
-                  <a:srgbClr val="ffffff"/>
-                </a:solidFill>
-              </a:uFill>
-              <a:latin typeface="Calibri"/>
+            <a:pPr algn="ctr"/>
+            <a:endParaRPr b="0" lang="en-US" sz="4400" spc="-1" strike="noStrike">
+              <a:solidFill>
+                <a:srgbClr val="000000"/>
+              </a:solidFill>
+              <a:uFill>
+                <a:solidFill>
+                  <a:srgbClr val="ffffff"/>
+                </a:solidFill>
+              </a:uFill>
+              <a:latin typeface="Arial"/>
             </a:endParaRPr>
           </a:p>
         </p:txBody>
       </p:sp>
       <p:sp>
         <p:nvSpPr>
-          <p:cNvPr id="6" name="PlaceHolder 2"/>
+          <p:cNvPr id="3" name="PlaceHolder 2"/>
           <p:cNvSpPr>
             <a:spLocks noGrp="1"/>
           </p:cNvSpPr>
@@ -665,7 +669,7 @@
       </p:grpSpPr>
       <p:sp>
         <p:nvSpPr>
-          <p:cNvPr id="7" name="PlaceHolder 1"/>
+          <p:cNvPr id="4" name="PlaceHolder 1"/>
           <p:cNvSpPr>
             <a:spLocks noGrp="1"/>
           </p:cNvSpPr>
@@ -676,7 +680,7 @@
         <p:spPr>
           <a:xfrm>
             <a:off x="685800" y="2130480"/>
-            <a:ext cx="7772040" cy="1469520"/>
+            <a:ext cx="7771680" cy="1469160"/>
           </a:xfrm>
           <a:prstGeom prst="rect">
             <a:avLst/>
@@ -685,23 +689,24 @@
         <p:txBody>
           <a:bodyPr lIns="0" rIns="0" tIns="0" bIns="0" anchor="ctr"/>
           <a:p>
-            <a:endParaRPr b="0" lang="en-US" sz="1800" spc="-1" strike="noStrike">
-              <a:solidFill>
-                <a:srgbClr val="000000"/>
-              </a:solidFill>
-              <a:uFill>
-                <a:solidFill>
-                  <a:srgbClr val="ffffff"/>
-                </a:solidFill>
-              </a:uFill>
-              <a:latin typeface="Calibri"/>
+            <a:pPr algn="ctr"/>
+            <a:endParaRPr b="0" lang="en-US" sz="4400" spc="-1" strike="noStrike">
+              <a:solidFill>
+                <a:srgbClr val="000000"/>
+              </a:solidFill>
+              <a:uFill>
+                <a:solidFill>
+                  <a:srgbClr val="ffffff"/>
+                </a:solidFill>
+              </a:uFill>
+              <a:latin typeface="Arial"/>
             </a:endParaRPr>
           </a:p>
         </p:txBody>
       </p:sp>
       <p:sp>
         <p:nvSpPr>
-          <p:cNvPr id="8" name="PlaceHolder 2"/>
+          <p:cNvPr id="5" name="PlaceHolder 2"/>
           <p:cNvSpPr>
             <a:spLocks noGrp="1"/>
           </p:cNvSpPr>
@@ -730,7 +735,7 @@
                   <a:srgbClr val="ffffff"/>
                 </a:solidFill>
               </a:uFill>
-              <a:latin typeface="Calibri"/>
+              <a:latin typeface="Arial"/>
             </a:endParaRPr>
           </a:p>
         </p:txBody>
@@ -759,7 +764,7 @@
       </p:grpSpPr>
       <p:sp>
         <p:nvSpPr>
-          <p:cNvPr id="9" name="PlaceHolder 1"/>
+          <p:cNvPr id="6" name="PlaceHolder 1"/>
           <p:cNvSpPr>
             <a:spLocks noGrp="1"/>
           </p:cNvSpPr>
@@ -770,7 +775,7 @@
         <p:spPr>
           <a:xfrm>
             <a:off x="685800" y="2130480"/>
-            <a:ext cx="7772040" cy="1469520"/>
+            <a:ext cx="7771680" cy="1469160"/>
           </a:xfrm>
           <a:prstGeom prst="rect">
             <a:avLst/>
@@ -779,23 +784,24 @@
         <p:txBody>
           <a:bodyPr lIns="0" rIns="0" tIns="0" bIns="0" anchor="ctr"/>
           <a:p>
-            <a:endParaRPr b="0" lang="en-US" sz="1800" spc="-1" strike="noStrike">
-              <a:solidFill>
-                <a:srgbClr val="000000"/>
-              </a:solidFill>
-              <a:uFill>
-                <a:solidFill>
-                  <a:srgbClr val="ffffff"/>
-                </a:solidFill>
-              </a:uFill>
-              <a:latin typeface="Calibri"/>
+            <a:pPr algn="ctr"/>
+            <a:endParaRPr b="0" lang="en-US" sz="4400" spc="-1" strike="noStrike">
+              <a:solidFill>
+                <a:srgbClr val="000000"/>
+              </a:solidFill>
+              <a:uFill>
+                <a:solidFill>
+                  <a:srgbClr val="ffffff"/>
+                </a:solidFill>
+              </a:uFill>
+              <a:latin typeface="Arial"/>
             </a:endParaRPr>
           </a:p>
         </p:txBody>
       </p:sp>
       <p:sp>
         <p:nvSpPr>
-          <p:cNvPr id="10" name="PlaceHolder 2"/>
+          <p:cNvPr id="7" name="PlaceHolder 2"/>
           <p:cNvSpPr>
             <a:spLocks noGrp="1"/>
           </p:cNvSpPr>
@@ -824,14 +830,14 @@
                   <a:srgbClr val="ffffff"/>
                 </a:solidFill>
               </a:uFill>
-              <a:latin typeface="Calibri"/>
+              <a:latin typeface="Arial"/>
             </a:endParaRPr>
           </a:p>
         </p:txBody>
       </p:sp>
       <p:sp>
         <p:nvSpPr>
-          <p:cNvPr id="11" name="PlaceHolder 3"/>
+          <p:cNvPr id="8" name="PlaceHolder 3"/>
           <p:cNvSpPr>
             <a:spLocks noGrp="1"/>
           </p:cNvSpPr>
@@ -860,7 +866,7 @@
                   <a:srgbClr val="ffffff"/>
                 </a:solidFill>
               </a:uFill>
-              <a:latin typeface="Calibri"/>
+              <a:latin typeface="Arial"/>
             </a:endParaRPr>
           </a:p>
         </p:txBody>
@@ -889,7 +895,7 @@
       </p:grpSpPr>
       <p:sp>
         <p:nvSpPr>
-          <p:cNvPr id="12" name="PlaceHolder 1"/>
+          <p:cNvPr id="9" name="PlaceHolder 1"/>
           <p:cNvSpPr>
             <a:spLocks noGrp="1"/>
           </p:cNvSpPr>
@@ -900,7 +906,7 @@
         <p:spPr>
           <a:xfrm>
             <a:off x="685800" y="2130480"/>
-            <a:ext cx="7772040" cy="1469520"/>
+            <a:ext cx="7771680" cy="1469160"/>
           </a:xfrm>
           <a:prstGeom prst="rect">
             <a:avLst/>
@@ -909,16 +915,17 @@
         <p:txBody>
           <a:bodyPr lIns="0" rIns="0" tIns="0" bIns="0" anchor="ctr"/>
           <a:p>
-            <a:endParaRPr b="0" lang="en-US" sz="1800" spc="-1" strike="noStrike">
-              <a:solidFill>
-                <a:srgbClr val="000000"/>
-              </a:solidFill>
-              <a:uFill>
-                <a:solidFill>
-                  <a:srgbClr val="ffffff"/>
-                </a:solidFill>
-              </a:uFill>
-              <a:latin typeface="Calibri"/>
+            <a:pPr algn="ctr"/>
+            <a:endParaRPr b="0" lang="en-US" sz="4400" spc="-1" strike="noStrike">
+              <a:solidFill>
+                <a:srgbClr val="000000"/>
+              </a:solidFill>
+              <a:uFill>
+                <a:solidFill>
+                  <a:srgbClr val="ffffff"/>
+                </a:solidFill>
+              </a:uFill>
+              <a:latin typeface="Arial"/>
             </a:endParaRPr>
           </a:p>
         </p:txBody>
@@ -947,7 +954,7 @@
       </p:grpSpPr>
       <p:sp>
         <p:nvSpPr>
-          <p:cNvPr id="13" name="PlaceHolder 1"/>
+          <p:cNvPr id="10" name="PlaceHolder 1"/>
           <p:cNvSpPr>
             <a:spLocks noGrp="1"/>
           </p:cNvSpPr>
@@ -958,7 +965,7 @@
         <p:spPr>
           <a:xfrm>
             <a:off x="685800" y="2130480"/>
-            <a:ext cx="7772040" cy="6813000"/>
+            <a:ext cx="7771680" cy="6811560"/>
           </a:xfrm>
           <a:prstGeom prst="rect">
             <a:avLst/>
@@ -1006,7 +1013,7 @@
       </p:grpSpPr>
       <p:sp>
         <p:nvSpPr>
-          <p:cNvPr id="14" name="PlaceHolder 1"/>
+          <p:cNvPr id="11" name="PlaceHolder 1"/>
           <p:cNvSpPr>
             <a:spLocks noGrp="1"/>
           </p:cNvSpPr>
@@ -1017,7 +1024,7 @@
         <p:spPr>
           <a:xfrm>
             <a:off x="685800" y="2130480"/>
-            <a:ext cx="7772040" cy="1469520"/>
+            <a:ext cx="7771680" cy="1469160"/>
           </a:xfrm>
           <a:prstGeom prst="rect">
             <a:avLst/>
@@ -1026,23 +1033,24 @@
         <p:txBody>
           <a:bodyPr lIns="0" rIns="0" tIns="0" bIns="0" anchor="ctr"/>
           <a:p>
-            <a:endParaRPr b="0" lang="en-US" sz="1800" spc="-1" strike="noStrike">
-              <a:solidFill>
-                <a:srgbClr val="000000"/>
-              </a:solidFill>
-              <a:uFill>
-                <a:solidFill>
-                  <a:srgbClr val="ffffff"/>
-                </a:solidFill>
-              </a:uFill>
-              <a:latin typeface="Calibri"/>
+            <a:pPr algn="ctr"/>
+            <a:endParaRPr b="0" lang="en-US" sz="4400" spc="-1" strike="noStrike">
+              <a:solidFill>
+                <a:srgbClr val="000000"/>
+              </a:solidFill>
+              <a:uFill>
+                <a:solidFill>
+                  <a:srgbClr val="ffffff"/>
+                </a:solidFill>
+              </a:uFill>
+              <a:latin typeface="Arial"/>
             </a:endParaRPr>
           </a:p>
         </p:txBody>
       </p:sp>
       <p:sp>
         <p:nvSpPr>
-          <p:cNvPr id="15" name="PlaceHolder 2"/>
+          <p:cNvPr id="12" name="PlaceHolder 2"/>
           <p:cNvSpPr>
             <a:spLocks noGrp="1"/>
           </p:cNvSpPr>
@@ -1071,14 +1079,14 @@
                   <a:srgbClr val="ffffff"/>
                 </a:solidFill>
               </a:uFill>
-              <a:latin typeface="Calibri"/>
+              <a:latin typeface="Arial"/>
             </a:endParaRPr>
           </a:p>
         </p:txBody>
       </p:sp>
       <p:sp>
         <p:nvSpPr>
-          <p:cNvPr id="16" name="PlaceHolder 3"/>
+          <p:cNvPr id="13" name="PlaceHolder 3"/>
           <p:cNvSpPr>
             <a:spLocks noGrp="1"/>
           </p:cNvSpPr>
@@ -1107,14 +1115,14 @@
                   <a:srgbClr val="ffffff"/>
                 </a:solidFill>
               </a:uFill>
-              <a:latin typeface="Calibri"/>
+              <a:latin typeface="Arial"/>
             </a:endParaRPr>
           </a:p>
         </p:txBody>
       </p:sp>
       <p:sp>
         <p:nvSpPr>
-          <p:cNvPr id="17" name="PlaceHolder 4"/>
+          <p:cNvPr id="14" name="PlaceHolder 4"/>
           <p:cNvSpPr>
             <a:spLocks noGrp="1"/>
           </p:cNvSpPr>
@@ -1143,7 +1151,7 @@
                   <a:srgbClr val="ffffff"/>
                 </a:solidFill>
               </a:uFill>
-              <a:latin typeface="Calibri"/>
+              <a:latin typeface="Arial"/>
             </a:endParaRPr>
           </a:p>
         </p:txBody>
@@ -1172,7 +1180,7 @@
       </p:grpSpPr>
       <p:sp>
         <p:nvSpPr>
-          <p:cNvPr id="18" name="PlaceHolder 1"/>
+          <p:cNvPr id="15" name="PlaceHolder 1"/>
           <p:cNvSpPr>
             <a:spLocks noGrp="1"/>
           </p:cNvSpPr>
@@ -1183,7 +1191,7 @@
         <p:spPr>
           <a:xfrm>
             <a:off x="685800" y="2130480"/>
-            <a:ext cx="7772040" cy="1469520"/>
+            <a:ext cx="7771680" cy="1469160"/>
           </a:xfrm>
           <a:prstGeom prst="rect">
             <a:avLst/>
@@ -1192,23 +1200,24 @@
         <p:txBody>
           <a:bodyPr lIns="0" rIns="0" tIns="0" bIns="0" anchor="ctr"/>
           <a:p>
-            <a:endParaRPr b="0" lang="en-US" sz="1800" spc="-1" strike="noStrike">
-              <a:solidFill>
-                <a:srgbClr val="000000"/>
-              </a:solidFill>
-              <a:uFill>
-                <a:solidFill>
-                  <a:srgbClr val="ffffff"/>
-                </a:solidFill>
-              </a:uFill>
-              <a:latin typeface="Calibri"/>
+            <a:pPr algn="ctr"/>
+            <a:endParaRPr b="0" lang="en-US" sz="4400" spc="-1" strike="noStrike">
+              <a:solidFill>
+                <a:srgbClr val="000000"/>
+              </a:solidFill>
+              <a:uFill>
+                <a:solidFill>
+                  <a:srgbClr val="ffffff"/>
+                </a:solidFill>
+              </a:uFill>
+              <a:latin typeface="Arial"/>
             </a:endParaRPr>
           </a:p>
         </p:txBody>
       </p:sp>
       <p:sp>
         <p:nvSpPr>
-          <p:cNvPr id="19" name="PlaceHolder 2"/>
+          <p:cNvPr id="16" name="PlaceHolder 2"/>
           <p:cNvSpPr>
             <a:spLocks noGrp="1"/>
           </p:cNvSpPr>
@@ -1237,14 +1246,14 @@
                   <a:srgbClr val="ffffff"/>
                 </a:solidFill>
               </a:uFill>
-              <a:latin typeface="Calibri"/>
+              <a:latin typeface="Arial"/>
             </a:endParaRPr>
           </a:p>
         </p:txBody>
       </p:sp>
       <p:sp>
         <p:nvSpPr>
-          <p:cNvPr id="20" name="PlaceHolder 3"/>
+          <p:cNvPr id="17" name="PlaceHolder 3"/>
           <p:cNvSpPr>
             <a:spLocks noGrp="1"/>
           </p:cNvSpPr>
@@ -1273,14 +1282,14 @@
                   <a:srgbClr val="ffffff"/>
                 </a:solidFill>
               </a:uFill>
-              <a:latin typeface="Calibri"/>
+              <a:latin typeface="Arial"/>
             </a:endParaRPr>
           </a:p>
         </p:txBody>
       </p:sp>
       <p:sp>
         <p:nvSpPr>
-          <p:cNvPr id="21" name="PlaceHolder 4"/>
+          <p:cNvPr id="18" name="PlaceHolder 4"/>
           <p:cNvSpPr>
             <a:spLocks noGrp="1"/>
           </p:cNvSpPr>
@@ -1309,7 +1318,7 @@
                   <a:srgbClr val="ffffff"/>
                 </a:solidFill>
               </a:uFill>
-              <a:latin typeface="Calibri"/>
+              <a:latin typeface="Arial"/>
             </a:endParaRPr>
           </a:p>
         </p:txBody>
@@ -1338,7 +1347,7 @@
       </p:grpSpPr>
       <p:sp>
         <p:nvSpPr>
-          <p:cNvPr id="22" name="PlaceHolder 1"/>
+          <p:cNvPr id="19" name="PlaceHolder 1"/>
           <p:cNvSpPr>
             <a:spLocks noGrp="1"/>
           </p:cNvSpPr>
@@ -1349,7 +1358,7 @@
         <p:spPr>
           <a:xfrm>
             <a:off x="685800" y="2130480"/>
-            <a:ext cx="7772040" cy="1469520"/>
+            <a:ext cx="7771680" cy="1469160"/>
           </a:xfrm>
           <a:prstGeom prst="rect">
             <a:avLst/>
@@ -1358,23 +1367,24 @@
         <p:txBody>
           <a:bodyPr lIns="0" rIns="0" tIns="0" bIns="0" anchor="ctr"/>
           <a:p>
-            <a:endParaRPr b="0" lang="en-US" sz="1800" spc="-1" strike="noStrike">
-              <a:solidFill>
-                <a:srgbClr val="000000"/>
-              </a:solidFill>
-              <a:uFill>
-                <a:solidFill>
-                  <a:srgbClr val="ffffff"/>
-                </a:solidFill>
-              </a:uFill>
-              <a:latin typeface="Calibri"/>
+            <a:pPr algn="ctr"/>
+            <a:endParaRPr b="0" lang="en-US" sz="4400" spc="-1" strike="noStrike">
+              <a:solidFill>
+                <a:srgbClr val="000000"/>
+              </a:solidFill>
+              <a:uFill>
+                <a:solidFill>
+                  <a:srgbClr val="ffffff"/>
+                </a:solidFill>
+              </a:uFill>
+              <a:latin typeface="Arial"/>
             </a:endParaRPr>
           </a:p>
         </p:txBody>
       </p:sp>
       <p:sp>
         <p:nvSpPr>
-          <p:cNvPr id="23" name="PlaceHolder 2"/>
+          <p:cNvPr id="20" name="PlaceHolder 2"/>
           <p:cNvSpPr>
             <a:spLocks noGrp="1"/>
           </p:cNvSpPr>
@@ -1403,14 +1413,14 @@
                   <a:srgbClr val="ffffff"/>
                 </a:solidFill>
               </a:uFill>
-              <a:latin typeface="Calibri"/>
+              <a:latin typeface="Arial"/>
             </a:endParaRPr>
           </a:p>
         </p:txBody>
       </p:sp>
       <p:sp>
         <p:nvSpPr>
-          <p:cNvPr id="24" name="PlaceHolder 3"/>
+          <p:cNvPr id="21" name="PlaceHolder 3"/>
           <p:cNvSpPr>
             <a:spLocks noGrp="1"/>
           </p:cNvSpPr>
@@ -1439,14 +1449,14 @@
                   <a:srgbClr val="ffffff"/>
                 </a:solidFill>
               </a:uFill>
-              <a:latin typeface="Calibri"/>
+              <a:latin typeface="Arial"/>
             </a:endParaRPr>
           </a:p>
         </p:txBody>
       </p:sp>
       <p:sp>
         <p:nvSpPr>
-          <p:cNvPr id="25" name="PlaceHolder 4"/>
+          <p:cNvPr id="22" name="PlaceHolder 4"/>
           <p:cNvSpPr>
             <a:spLocks noGrp="1"/>
           </p:cNvSpPr>
@@ -1475,7 +1485,7 @@
                   <a:srgbClr val="ffffff"/>
                 </a:solidFill>
               </a:uFill>
-              <a:latin typeface="Calibri"/>
+              <a:latin typeface="Arial"/>
             </a:endParaRPr>
           </a:p>
         </p:txBody>
@@ -1490,955 +1500,8 @@
   <p:cSld>
     <p:bg>
       <p:bgPr>
-        <a:solidFill>
-          <a:srgbClr val="ffffff"/>
-        </a:solidFill>
-      </p:bgPr>
-    </p:bg>
-    <p:spTree>
-      <p:nvGrpSpPr>
-        <p:cNvPr id="1" name=""/>
-        <p:cNvGrpSpPr/>
-        <p:nvPr/>
-      </p:nvGrpSpPr>
-      <p:grpSpPr>
-        <a:xfrm>
-          <a:off x="0" y="0"/>
-          <a:ext cx="0" cy="0"/>
-          <a:chOff x="0" y="0"/>
-          <a:chExt cx="0" cy="0"/>
-        </a:xfrm>
-      </p:grpSpPr>
-      <p:sp>
-        <p:nvSpPr>
-          <p:cNvPr id="0" name="PlaceHolder 1"/>
-          <p:cNvSpPr>
-            <a:spLocks noGrp="1"/>
-          </p:cNvSpPr>
-          <p:nvPr>
-            <p:ph type="title"/>
-          </p:nvPr>
-        </p:nvSpPr>
-        <p:spPr>
-          <a:xfrm>
-            <a:off x="685800" y="2130480"/>
-            <a:ext cx="7772040" cy="1469520"/>
-          </a:xfrm>
-          <a:prstGeom prst="rect">
-            <a:avLst/>
-          </a:prstGeom>
-        </p:spPr>
-        <p:txBody>
-          <a:bodyPr anchor="ctr"/>
-          <a:p>
-            <a:pPr algn="ctr">
-              <a:lnSpc>
-                <a:spcPct val="100000"/>
-              </a:lnSpc>
-            </a:pPr>
-            <a:r>
-              <a:rPr b="0" lang="en-US" sz="4400" spc="-1" strike="noStrike">
-                <a:solidFill>
-                  <a:srgbClr val="000000"/>
-                </a:solidFill>
-                <a:uFill>
-                  <a:solidFill>
-                    <a:srgbClr val="ffffff"/>
-                  </a:solidFill>
-                </a:uFill>
-                <a:latin typeface="Calibri"/>
-              </a:rPr>
-              <a:t>C</a:t>
-            </a:r>
-            <a:r>
-              <a:rPr b="0" lang="en-US" sz="4400" spc="-1" strike="noStrike">
-                <a:solidFill>
-                  <a:srgbClr val="000000"/>
-                </a:solidFill>
-                <a:uFill>
-                  <a:solidFill>
-                    <a:srgbClr val="ffffff"/>
-                  </a:solidFill>
-                </a:uFill>
-                <a:latin typeface="Calibri"/>
-              </a:rPr>
-              <a:t>l</a:t>
-            </a:r>
-            <a:r>
-              <a:rPr b="0" lang="en-US" sz="4400" spc="-1" strike="noStrike">
-                <a:solidFill>
-                  <a:srgbClr val="000000"/>
-                </a:solidFill>
-                <a:uFill>
-                  <a:solidFill>
-                    <a:srgbClr val="ffffff"/>
-                  </a:solidFill>
-                </a:uFill>
-                <a:latin typeface="Calibri"/>
-              </a:rPr>
-              <a:t>i</a:t>
-            </a:r>
-            <a:r>
-              <a:rPr b="0" lang="en-US" sz="4400" spc="-1" strike="noStrike">
-                <a:solidFill>
-                  <a:srgbClr val="000000"/>
-                </a:solidFill>
-                <a:uFill>
-                  <a:solidFill>
-                    <a:srgbClr val="ffffff"/>
-                  </a:solidFill>
-                </a:uFill>
-                <a:latin typeface="Calibri"/>
-              </a:rPr>
-              <a:t>c</a:t>
-            </a:r>
-            <a:r>
-              <a:rPr b="0" lang="en-US" sz="4400" spc="-1" strike="noStrike">
-                <a:solidFill>
-                  <a:srgbClr val="000000"/>
-                </a:solidFill>
-                <a:uFill>
-                  <a:solidFill>
-                    <a:srgbClr val="ffffff"/>
-                  </a:solidFill>
-                </a:uFill>
-                <a:latin typeface="Calibri"/>
-              </a:rPr>
-              <a:t>k</a:t>
-            </a:r>
-            <a:r>
-              <a:rPr b="0" lang="en-US" sz="4400" spc="-1" strike="noStrike">
-                <a:solidFill>
-                  <a:srgbClr val="000000"/>
-                </a:solidFill>
-                <a:uFill>
-                  <a:solidFill>
-                    <a:srgbClr val="ffffff"/>
-                  </a:solidFill>
-                </a:uFill>
-                <a:latin typeface="Calibri"/>
-              </a:rPr>
-              <a:t> </a:t>
-            </a:r>
-            <a:r>
-              <a:rPr b="0" lang="en-US" sz="4400" spc="-1" strike="noStrike">
-                <a:solidFill>
-                  <a:srgbClr val="000000"/>
-                </a:solidFill>
-                <a:uFill>
-                  <a:solidFill>
-                    <a:srgbClr val="ffffff"/>
-                  </a:solidFill>
-                </a:uFill>
-                <a:latin typeface="Calibri"/>
-              </a:rPr>
-              <a:t>t</a:t>
-            </a:r>
-            <a:r>
-              <a:rPr b="0" lang="en-US" sz="4400" spc="-1" strike="noStrike">
-                <a:solidFill>
-                  <a:srgbClr val="000000"/>
-                </a:solidFill>
-                <a:uFill>
-                  <a:solidFill>
-                    <a:srgbClr val="ffffff"/>
-                  </a:solidFill>
-                </a:uFill>
-                <a:latin typeface="Calibri"/>
-              </a:rPr>
-              <a:t>o</a:t>
-            </a:r>
-            <a:r>
-              <a:rPr b="0" lang="en-US" sz="4400" spc="-1" strike="noStrike">
-                <a:solidFill>
-                  <a:srgbClr val="000000"/>
-                </a:solidFill>
-                <a:uFill>
-                  <a:solidFill>
-                    <a:srgbClr val="ffffff"/>
-                  </a:solidFill>
-                </a:uFill>
-                <a:latin typeface="Calibri"/>
-              </a:rPr>
-              <a:t> </a:t>
-            </a:r>
-            <a:r>
-              <a:rPr b="0" lang="en-US" sz="4400" spc="-1" strike="noStrike">
-                <a:solidFill>
-                  <a:srgbClr val="000000"/>
-                </a:solidFill>
-                <a:uFill>
-                  <a:solidFill>
-                    <a:srgbClr val="ffffff"/>
-                  </a:solidFill>
-                </a:uFill>
-                <a:latin typeface="Calibri"/>
-              </a:rPr>
-              <a:t>e</a:t>
-            </a:r>
-            <a:r>
-              <a:rPr b="0" lang="en-US" sz="4400" spc="-1" strike="noStrike">
-                <a:solidFill>
-                  <a:srgbClr val="000000"/>
-                </a:solidFill>
-                <a:uFill>
-                  <a:solidFill>
-                    <a:srgbClr val="ffffff"/>
-                  </a:solidFill>
-                </a:uFill>
-                <a:latin typeface="Calibri"/>
-              </a:rPr>
-              <a:t>d</a:t>
-            </a:r>
-            <a:r>
-              <a:rPr b="0" lang="en-US" sz="4400" spc="-1" strike="noStrike">
-                <a:solidFill>
-                  <a:srgbClr val="000000"/>
-                </a:solidFill>
-                <a:uFill>
-                  <a:solidFill>
-                    <a:srgbClr val="ffffff"/>
-                  </a:solidFill>
-                </a:uFill>
-                <a:latin typeface="Calibri"/>
-              </a:rPr>
-              <a:t>i</a:t>
-            </a:r>
-            <a:r>
-              <a:rPr b="0" lang="en-US" sz="4400" spc="-1" strike="noStrike">
-                <a:solidFill>
-                  <a:srgbClr val="000000"/>
-                </a:solidFill>
-                <a:uFill>
-                  <a:solidFill>
-                    <a:srgbClr val="ffffff"/>
-                  </a:solidFill>
-                </a:uFill>
-                <a:latin typeface="Calibri"/>
-              </a:rPr>
-              <a:t>t</a:t>
-            </a:r>
-            <a:r>
-              <a:rPr b="0" lang="en-US" sz="4400" spc="-1" strike="noStrike">
-                <a:solidFill>
-                  <a:srgbClr val="000000"/>
-                </a:solidFill>
-                <a:uFill>
-                  <a:solidFill>
-                    <a:srgbClr val="ffffff"/>
-                  </a:solidFill>
-                </a:uFill>
-                <a:latin typeface="Calibri"/>
-              </a:rPr>
-              <a:t> </a:t>
-            </a:r>
-            <a:r>
-              <a:rPr b="0" lang="en-US" sz="4400" spc="-1" strike="noStrike">
-                <a:solidFill>
-                  <a:srgbClr val="000000"/>
-                </a:solidFill>
-                <a:uFill>
-                  <a:solidFill>
-                    <a:srgbClr val="ffffff"/>
-                  </a:solidFill>
-                </a:uFill>
-                <a:latin typeface="Calibri"/>
-              </a:rPr>
-              <a:t>M</a:t>
-            </a:r>
-            <a:r>
-              <a:rPr b="0" lang="en-US" sz="4400" spc="-1" strike="noStrike">
-                <a:solidFill>
-                  <a:srgbClr val="000000"/>
-                </a:solidFill>
-                <a:uFill>
-                  <a:solidFill>
-                    <a:srgbClr val="ffffff"/>
-                  </a:solidFill>
-                </a:uFill>
-                <a:latin typeface="Calibri"/>
-              </a:rPr>
-              <a:t>a</a:t>
-            </a:r>
-            <a:r>
-              <a:rPr b="0" lang="en-US" sz="4400" spc="-1" strike="noStrike">
-                <a:solidFill>
-                  <a:srgbClr val="000000"/>
-                </a:solidFill>
-                <a:uFill>
-                  <a:solidFill>
-                    <a:srgbClr val="ffffff"/>
-                  </a:solidFill>
-                </a:uFill>
-                <a:latin typeface="Calibri"/>
-              </a:rPr>
-              <a:t>s</a:t>
-            </a:r>
-            <a:r>
-              <a:rPr b="0" lang="en-US" sz="4400" spc="-1" strike="noStrike">
-                <a:solidFill>
-                  <a:srgbClr val="000000"/>
-                </a:solidFill>
-                <a:uFill>
-                  <a:solidFill>
-                    <a:srgbClr val="ffffff"/>
-                  </a:solidFill>
-                </a:uFill>
-                <a:latin typeface="Calibri"/>
-              </a:rPr>
-              <a:t>t</a:t>
-            </a:r>
-            <a:r>
-              <a:rPr b="0" lang="en-US" sz="4400" spc="-1" strike="noStrike">
-                <a:solidFill>
-                  <a:srgbClr val="000000"/>
-                </a:solidFill>
-                <a:uFill>
-                  <a:solidFill>
-                    <a:srgbClr val="ffffff"/>
-                  </a:solidFill>
-                </a:uFill>
-                <a:latin typeface="Calibri"/>
-              </a:rPr>
-              <a:t>e</a:t>
-            </a:r>
-            <a:r>
-              <a:rPr b="0" lang="en-US" sz="4400" spc="-1" strike="noStrike">
-                <a:solidFill>
-                  <a:srgbClr val="000000"/>
-                </a:solidFill>
-                <a:uFill>
-                  <a:solidFill>
-                    <a:srgbClr val="ffffff"/>
-                  </a:solidFill>
-                </a:uFill>
-                <a:latin typeface="Calibri"/>
-              </a:rPr>
-              <a:t>r</a:t>
-            </a:r>
-            <a:r>
-              <a:rPr b="0" lang="en-US" sz="4400" spc="-1" strike="noStrike">
-                <a:solidFill>
-                  <a:srgbClr val="000000"/>
-                </a:solidFill>
-                <a:uFill>
-                  <a:solidFill>
-                    <a:srgbClr val="ffffff"/>
-                  </a:solidFill>
-                </a:uFill>
-                <a:latin typeface="Calibri"/>
-              </a:rPr>
-              <a:t> </a:t>
-            </a:r>
-            <a:r>
-              <a:rPr b="0" lang="en-US" sz="4400" spc="-1" strike="noStrike">
-                <a:solidFill>
-                  <a:srgbClr val="000000"/>
-                </a:solidFill>
-                <a:uFill>
-                  <a:solidFill>
-                    <a:srgbClr val="ffffff"/>
-                  </a:solidFill>
-                </a:uFill>
-                <a:latin typeface="Calibri"/>
-              </a:rPr>
-              <a:t>t</a:t>
-            </a:r>
-            <a:r>
-              <a:rPr b="0" lang="en-US" sz="4400" spc="-1" strike="noStrike">
-                <a:solidFill>
-                  <a:srgbClr val="000000"/>
-                </a:solidFill>
-                <a:uFill>
-                  <a:solidFill>
-                    <a:srgbClr val="ffffff"/>
-                  </a:solidFill>
-                </a:uFill>
-                <a:latin typeface="Calibri"/>
-              </a:rPr>
-              <a:t>i</a:t>
-            </a:r>
-            <a:r>
-              <a:rPr b="0" lang="en-US" sz="4400" spc="-1" strike="noStrike">
-                <a:solidFill>
-                  <a:srgbClr val="000000"/>
-                </a:solidFill>
-                <a:uFill>
-                  <a:solidFill>
-                    <a:srgbClr val="ffffff"/>
-                  </a:solidFill>
-                </a:uFill>
-                <a:latin typeface="Calibri"/>
-              </a:rPr>
-              <a:t>t</a:t>
-            </a:r>
-            <a:r>
-              <a:rPr b="0" lang="en-US" sz="4400" spc="-1" strike="noStrike">
-                <a:solidFill>
-                  <a:srgbClr val="000000"/>
-                </a:solidFill>
-                <a:uFill>
-                  <a:solidFill>
-                    <a:srgbClr val="ffffff"/>
-                  </a:solidFill>
-                </a:uFill>
-                <a:latin typeface="Calibri"/>
-              </a:rPr>
-              <a:t>l</a:t>
-            </a:r>
-            <a:r>
-              <a:rPr b="0" lang="en-US" sz="4400" spc="-1" strike="noStrike">
-                <a:solidFill>
-                  <a:srgbClr val="000000"/>
-                </a:solidFill>
-                <a:uFill>
-                  <a:solidFill>
-                    <a:srgbClr val="ffffff"/>
-                  </a:solidFill>
-                </a:uFill>
-                <a:latin typeface="Calibri"/>
-              </a:rPr>
-              <a:t>e</a:t>
-            </a:r>
-            <a:r>
-              <a:rPr b="0" lang="en-US" sz="4400" spc="-1" strike="noStrike">
-                <a:solidFill>
-                  <a:srgbClr val="000000"/>
-                </a:solidFill>
-                <a:uFill>
-                  <a:solidFill>
-                    <a:srgbClr val="ffffff"/>
-                  </a:solidFill>
-                </a:uFill>
-                <a:latin typeface="Calibri"/>
-              </a:rPr>
-              <a:t> </a:t>
-            </a:r>
-            <a:r>
-              <a:rPr b="0" lang="en-US" sz="4400" spc="-1" strike="noStrike">
-                <a:solidFill>
-                  <a:srgbClr val="000000"/>
-                </a:solidFill>
-                <a:uFill>
-                  <a:solidFill>
-                    <a:srgbClr val="ffffff"/>
-                  </a:solidFill>
-                </a:uFill>
-                <a:latin typeface="Calibri"/>
-              </a:rPr>
-              <a:t>s</a:t>
-            </a:r>
-            <a:r>
-              <a:rPr b="0" lang="en-US" sz="4400" spc="-1" strike="noStrike">
-                <a:solidFill>
-                  <a:srgbClr val="000000"/>
-                </a:solidFill>
-                <a:uFill>
-                  <a:solidFill>
-                    <a:srgbClr val="ffffff"/>
-                  </a:solidFill>
-                </a:uFill>
-                <a:latin typeface="Calibri"/>
-              </a:rPr>
-              <a:t>t</a:t>
-            </a:r>
-            <a:r>
-              <a:rPr b="0" lang="en-US" sz="4400" spc="-1" strike="noStrike">
-                <a:solidFill>
-                  <a:srgbClr val="000000"/>
-                </a:solidFill>
-                <a:uFill>
-                  <a:solidFill>
-                    <a:srgbClr val="ffffff"/>
-                  </a:solidFill>
-                </a:uFill>
-                <a:latin typeface="Calibri"/>
-              </a:rPr>
-              <a:t>y</a:t>
-            </a:r>
-            <a:r>
-              <a:rPr b="0" lang="en-US" sz="4400" spc="-1" strike="noStrike">
-                <a:solidFill>
-                  <a:srgbClr val="000000"/>
-                </a:solidFill>
-                <a:uFill>
-                  <a:solidFill>
-                    <a:srgbClr val="ffffff"/>
-                  </a:solidFill>
-                </a:uFill>
-                <a:latin typeface="Calibri"/>
-              </a:rPr>
-              <a:t>l</a:t>
-            </a:r>
-            <a:r>
-              <a:rPr b="0" lang="en-US" sz="4400" spc="-1" strike="noStrike">
-                <a:solidFill>
-                  <a:srgbClr val="000000"/>
-                </a:solidFill>
-                <a:uFill>
-                  <a:solidFill>
-                    <a:srgbClr val="ffffff"/>
-                  </a:solidFill>
-                </a:uFill>
-                <a:latin typeface="Calibri"/>
-              </a:rPr>
-              <a:t>e</a:t>
-            </a:r>
-            <a:endParaRPr b="0" lang="en-US" sz="1800" spc="-1" strike="noStrike">
-              <a:solidFill>
-                <a:srgbClr val="000000"/>
-              </a:solidFill>
-              <a:uFill>
-                <a:solidFill>
-                  <a:srgbClr val="ffffff"/>
-                </a:solidFill>
-              </a:uFill>
-              <a:latin typeface="Calibri"/>
-            </a:endParaRPr>
-          </a:p>
-        </p:txBody>
-      </p:sp>
-      <p:sp>
-        <p:nvSpPr>
-          <p:cNvPr id="1" name="PlaceHolder 2"/>
-          <p:cNvSpPr>
-            <a:spLocks noGrp="1"/>
-          </p:cNvSpPr>
-          <p:nvPr>
-            <p:ph type="dt"/>
-          </p:nvPr>
-        </p:nvSpPr>
-        <p:spPr>
-          <a:xfrm>
-            <a:off x="457200" y="6356520"/>
-            <a:ext cx="2133360" cy="364680"/>
-          </a:xfrm>
-          <a:prstGeom prst="rect">
-            <a:avLst/>
-          </a:prstGeom>
-        </p:spPr>
-        <p:txBody>
-          <a:bodyPr anchor="ctr"/>
-          <a:p>
-            <a:pPr>
-              <a:lnSpc>
-                <a:spcPct val="100000"/>
-              </a:lnSpc>
-            </a:pPr>
-            <a:r>
-              <a:rPr b="0" lang="en-US" sz="1200" spc="-1" strike="noStrike">
-                <a:solidFill>
-                  <a:srgbClr val="8b8b8b"/>
-                </a:solidFill>
-                <a:uFill>
-                  <a:solidFill>
-                    <a:srgbClr val="ffffff"/>
-                  </a:solidFill>
-                </a:uFill>
-                <a:latin typeface="Calibri"/>
-              </a:rPr>
-              <a:t>10/22/17</a:t>
-            </a:r>
-            <a:endParaRPr b="0" lang="en-US" sz="1400" spc="-1" strike="noStrike">
-              <a:solidFill>
-                <a:srgbClr val="000000"/>
-              </a:solidFill>
-              <a:uFill>
-                <a:solidFill>
-                  <a:srgbClr val="ffffff"/>
-                </a:solidFill>
-              </a:uFill>
-              <a:latin typeface="Times New Roman"/>
-            </a:endParaRPr>
-          </a:p>
-        </p:txBody>
-      </p:sp>
-      <p:sp>
-        <p:nvSpPr>
-          <p:cNvPr id="2" name="PlaceHolder 3"/>
-          <p:cNvSpPr>
-            <a:spLocks noGrp="1"/>
-          </p:cNvSpPr>
-          <p:nvPr>
-            <p:ph type="ftr"/>
-          </p:nvPr>
-        </p:nvSpPr>
-        <p:spPr>
-          <a:xfrm>
-            <a:off x="3124080" y="6356520"/>
-            <a:ext cx="2895120" cy="364680"/>
-          </a:xfrm>
-          <a:prstGeom prst="rect">
-            <a:avLst/>
-          </a:prstGeom>
-        </p:spPr>
-        <p:txBody>
-          <a:bodyPr anchor="ctr"/>
-          <a:p>
-            <a:endParaRPr b="0" lang="en-US" sz="2400" spc="-1" strike="noStrike">
-              <a:solidFill>
-                <a:srgbClr val="000000"/>
-              </a:solidFill>
-              <a:uFill>
-                <a:solidFill>
-                  <a:srgbClr val="ffffff"/>
-                </a:solidFill>
-              </a:uFill>
-              <a:latin typeface="Times New Roman"/>
-            </a:endParaRPr>
-          </a:p>
-        </p:txBody>
-      </p:sp>
-      <p:sp>
-        <p:nvSpPr>
-          <p:cNvPr id="3" name="PlaceHolder 4"/>
-          <p:cNvSpPr>
-            <a:spLocks noGrp="1"/>
-          </p:cNvSpPr>
-          <p:nvPr>
-            <p:ph type="sldNum"/>
-          </p:nvPr>
-        </p:nvSpPr>
-        <p:spPr>
-          <a:xfrm>
-            <a:off x="6553080" y="6356520"/>
-            <a:ext cx="2133360" cy="364680"/>
-          </a:xfrm>
-          <a:prstGeom prst="rect">
-            <a:avLst/>
-          </a:prstGeom>
-        </p:spPr>
-        <p:txBody>
-          <a:bodyPr anchor="ctr"/>
-          <a:p>
-            <a:pPr algn="r">
-              <a:lnSpc>
-                <a:spcPct val="100000"/>
-              </a:lnSpc>
-            </a:pPr>
-            <a:fld id="{F1EA26E4-E1D8-47A9-9AE4-E3472D4E67F5}" type="slidenum">
-              <a:rPr b="0" lang="en-US" sz="1200" spc="-1" strike="noStrike">
-                <a:solidFill>
-                  <a:srgbClr val="8b8b8b"/>
-                </a:solidFill>
-                <a:uFill>
-                  <a:solidFill>
-                    <a:srgbClr val="ffffff"/>
-                  </a:solidFill>
-                </a:uFill>
-                <a:latin typeface="Calibri"/>
-              </a:rPr>
-              <a:t>&lt;number&gt;</a:t>
-            </a:fld>
-            <a:endParaRPr b="0" lang="en-US" sz="1400" spc="-1" strike="noStrike">
-              <a:solidFill>
-                <a:srgbClr val="000000"/>
-              </a:solidFill>
-              <a:uFill>
-                <a:solidFill>
-                  <a:srgbClr val="ffffff"/>
-                </a:solidFill>
-              </a:uFill>
-              <a:latin typeface="Times New Roman"/>
-            </a:endParaRPr>
-          </a:p>
-        </p:txBody>
-      </p:sp>
-      <p:sp>
-        <p:nvSpPr>
-          <p:cNvPr id="4" name="PlaceHolder 5"/>
-          <p:cNvSpPr>
-            <a:spLocks noGrp="1"/>
-          </p:cNvSpPr>
-          <p:nvPr>
-            <p:ph type="body"/>
-          </p:nvPr>
-        </p:nvSpPr>
-        <p:spPr>
-          <a:xfrm>
-            <a:off x="457200" y="1604520"/>
-            <a:ext cx="8229240" cy="3977280"/>
-          </a:xfrm>
-          <a:prstGeom prst="rect">
-            <a:avLst/>
-          </a:prstGeom>
-        </p:spPr>
-        <p:txBody>
-          <a:bodyPr lIns="0" rIns="0" tIns="0" bIns="0"/>
-          <a:p>
-            <a:pPr marL="432000" indent="-324000">
-              <a:buClr>
-                <a:srgbClr val="000000"/>
-              </a:buClr>
-              <a:buSzPct val="45000"/>
-              <a:buFont typeface="Wingdings" charset="2"/>
-              <a:buChar char=""/>
-            </a:pPr>
-            <a:r>
-              <a:rPr b="0" lang="en-US" sz="3200" spc="-1" strike="noStrike">
-                <a:solidFill>
-                  <a:srgbClr val="000000"/>
-                </a:solidFill>
-                <a:uFill>
-                  <a:solidFill>
-                    <a:srgbClr val="ffffff"/>
-                  </a:solidFill>
-                </a:uFill>
-                <a:latin typeface="Calibri"/>
-              </a:rPr>
-              <a:t>Click to edit the outline text format</a:t>
-            </a:r>
-            <a:endParaRPr b="0" lang="en-US" sz="3200" spc="-1" strike="noStrike">
-              <a:solidFill>
-                <a:srgbClr val="000000"/>
-              </a:solidFill>
-              <a:uFill>
-                <a:solidFill>
-                  <a:srgbClr val="ffffff"/>
-                </a:solidFill>
-              </a:uFill>
-              <a:latin typeface="Calibri"/>
-            </a:endParaRPr>
-          </a:p>
-          <a:p>
-            <a:pPr lvl="1" marL="864000" indent="-324000">
-              <a:buClr>
-                <a:srgbClr val="000000"/>
-              </a:buClr>
-              <a:buSzPct val="75000"/>
-              <a:buFont typeface="Symbol" charset="2"/>
-              <a:buChar char=""/>
-            </a:pPr>
-            <a:r>
-              <a:rPr b="0" lang="en-US" sz="2400" spc="-1" strike="noStrike">
-                <a:solidFill>
-                  <a:srgbClr val="000000"/>
-                </a:solidFill>
-                <a:uFill>
-                  <a:solidFill>
-                    <a:srgbClr val="ffffff"/>
-                  </a:solidFill>
-                </a:uFill>
-                <a:latin typeface="Calibri"/>
-              </a:rPr>
-              <a:t>Second Outline Level</a:t>
-            </a:r>
-            <a:endParaRPr b="0" lang="en-US" sz="2400" spc="-1" strike="noStrike">
-              <a:solidFill>
-                <a:srgbClr val="000000"/>
-              </a:solidFill>
-              <a:uFill>
-                <a:solidFill>
-                  <a:srgbClr val="ffffff"/>
-                </a:solidFill>
-              </a:uFill>
-              <a:latin typeface="Calibri"/>
-            </a:endParaRPr>
-          </a:p>
-          <a:p>
-            <a:pPr lvl="2" marL="1296000" indent="-288000">
-              <a:buClr>
-                <a:srgbClr val="000000"/>
-              </a:buClr>
-              <a:buSzPct val="45000"/>
-              <a:buFont typeface="Wingdings" charset="2"/>
-              <a:buChar char=""/>
-            </a:pPr>
-            <a:r>
-              <a:rPr b="0" lang="en-US" sz="2000" spc="-1" strike="noStrike">
-                <a:solidFill>
-                  <a:srgbClr val="000000"/>
-                </a:solidFill>
-                <a:uFill>
-                  <a:solidFill>
-                    <a:srgbClr val="ffffff"/>
-                  </a:solidFill>
-                </a:uFill>
-                <a:latin typeface="Calibri"/>
-              </a:rPr>
-              <a:t>Third Outline Level</a:t>
-            </a:r>
-            <a:endParaRPr b="0" lang="en-US" sz="2000" spc="-1" strike="noStrike">
-              <a:solidFill>
-                <a:srgbClr val="000000"/>
-              </a:solidFill>
-              <a:uFill>
-                <a:solidFill>
-                  <a:srgbClr val="ffffff"/>
-                </a:solidFill>
-              </a:uFill>
-              <a:latin typeface="Calibri"/>
-            </a:endParaRPr>
-          </a:p>
-          <a:p>
-            <a:pPr lvl="3" marL="1728000" indent="-216000">
-              <a:buClr>
-                <a:srgbClr val="000000"/>
-              </a:buClr>
-              <a:buSzPct val="75000"/>
-              <a:buFont typeface="Symbol" charset="2"/>
-              <a:buChar char=""/>
-            </a:pPr>
-            <a:r>
-              <a:rPr b="0" lang="en-US" sz="2000" spc="-1" strike="noStrike">
-                <a:solidFill>
-                  <a:srgbClr val="000000"/>
-                </a:solidFill>
-                <a:uFill>
-                  <a:solidFill>
-                    <a:srgbClr val="ffffff"/>
-                  </a:solidFill>
-                </a:uFill>
-                <a:latin typeface="Calibri"/>
-              </a:rPr>
-              <a:t>Fourth Outline Level</a:t>
-            </a:r>
-            <a:endParaRPr b="0" lang="en-US" sz="2000" spc="-1" strike="noStrike">
-              <a:solidFill>
-                <a:srgbClr val="000000"/>
-              </a:solidFill>
-              <a:uFill>
-                <a:solidFill>
-                  <a:srgbClr val="ffffff"/>
-                </a:solidFill>
-              </a:uFill>
-              <a:latin typeface="Calibri"/>
-            </a:endParaRPr>
-          </a:p>
-          <a:p>
-            <a:pPr lvl="4" marL="2160000" indent="-216000">
-              <a:buClr>
-                <a:srgbClr val="000000"/>
-              </a:buClr>
-              <a:buSzPct val="45000"/>
-              <a:buFont typeface="Wingdings" charset="2"/>
-              <a:buChar char=""/>
-            </a:pPr>
-            <a:r>
-              <a:rPr b="0" lang="en-US" sz="2000" spc="-1" strike="noStrike">
-                <a:solidFill>
-                  <a:srgbClr val="000000"/>
-                </a:solidFill>
-                <a:uFill>
-                  <a:solidFill>
-                    <a:srgbClr val="ffffff"/>
-                  </a:solidFill>
-                </a:uFill>
-                <a:latin typeface="Calibri"/>
-              </a:rPr>
-              <a:t>Fifth Outline Level</a:t>
-            </a:r>
-            <a:endParaRPr b="0" lang="en-US" sz="2000" spc="-1" strike="noStrike">
-              <a:solidFill>
-                <a:srgbClr val="000000"/>
-              </a:solidFill>
-              <a:uFill>
-                <a:solidFill>
-                  <a:srgbClr val="ffffff"/>
-                </a:solidFill>
-              </a:uFill>
-              <a:latin typeface="Calibri"/>
-            </a:endParaRPr>
-          </a:p>
-          <a:p>
-            <a:pPr lvl="5" marL="2592000" indent="-216000">
-              <a:buClr>
-                <a:srgbClr val="000000"/>
-              </a:buClr>
-              <a:buSzPct val="45000"/>
-              <a:buFont typeface="Wingdings" charset="2"/>
-              <a:buChar char=""/>
-            </a:pPr>
-            <a:r>
-              <a:rPr b="0" lang="en-US" sz="2000" spc="-1" strike="noStrike">
-                <a:solidFill>
-                  <a:srgbClr val="000000"/>
-                </a:solidFill>
-                <a:uFill>
-                  <a:solidFill>
-                    <a:srgbClr val="ffffff"/>
-                  </a:solidFill>
-                </a:uFill>
-                <a:latin typeface="Calibri"/>
-              </a:rPr>
-              <a:t>Sixth Outline Level</a:t>
-            </a:r>
-            <a:endParaRPr b="0" lang="en-US" sz="2000" spc="-1" strike="noStrike">
-              <a:solidFill>
-                <a:srgbClr val="000000"/>
-              </a:solidFill>
-              <a:uFill>
-                <a:solidFill>
-                  <a:srgbClr val="ffffff"/>
-                </a:solidFill>
-              </a:uFill>
-              <a:latin typeface="Calibri"/>
-            </a:endParaRPr>
-          </a:p>
-          <a:p>
-            <a:pPr lvl="6" marL="3024000" indent="-216000">
-              <a:buClr>
-                <a:srgbClr val="000000"/>
-              </a:buClr>
-              <a:buSzPct val="45000"/>
-              <a:buFont typeface="Wingdings" charset="2"/>
-              <a:buChar char=""/>
-            </a:pPr>
-            <a:r>
-              <a:rPr b="0" lang="en-US" sz="2000" spc="-1" strike="noStrike">
-                <a:solidFill>
-                  <a:srgbClr val="000000"/>
-                </a:solidFill>
-                <a:uFill>
-                  <a:solidFill>
-                    <a:srgbClr val="ffffff"/>
-                  </a:solidFill>
-                </a:uFill>
-                <a:latin typeface="Calibri"/>
-              </a:rPr>
-              <a:t>Seventh Outline Level</a:t>
-            </a:r>
-            <a:endParaRPr b="0" lang="en-US" sz="2000" spc="-1" strike="noStrike">
-              <a:solidFill>
-                <a:srgbClr val="000000"/>
-              </a:solidFill>
-              <a:uFill>
-                <a:solidFill>
-                  <a:srgbClr val="ffffff"/>
-                </a:solidFill>
-              </a:uFill>
-              <a:latin typeface="Calibri"/>
-            </a:endParaRPr>
-          </a:p>
-        </p:txBody>
-      </p:sp>
-    </p:spTree>
-  </p:cSld>
-  <p:clrMap bg1="lt1" bg2="lt2" tx1="dk1" tx2="dk2" accent1="accent1" accent2="accent2" accent3="accent3" accent4="accent4" accent5="accent5" accent6="accent6" hlink="hlink" folHlink="folHlink"/>
-  <p:sldLayoutIdLst>
-    <p:sldLayoutId id="2147483649" r:id="rId2"/>
-    <p:sldLayoutId id="2147483650" r:id="rId3"/>
-    <p:sldLayoutId id="2147483651" r:id="rId4"/>
-    <p:sldLayoutId id="2147483652" r:id="rId5"/>
-    <p:sldLayoutId id="2147483653" r:id="rId6"/>
-    <p:sldLayoutId id="2147483654" r:id="rId7"/>
-    <p:sldLayoutId id="2147483655" r:id="rId8"/>
-    <p:sldLayoutId id="2147483656" r:id="rId9"/>
-    <p:sldLayoutId id="2147483657" r:id="rId10"/>
-    <p:sldLayoutId id="2147483658" r:id="rId11"/>
-    <p:sldLayoutId id="2147483659" r:id="rId12"/>
-    <p:sldLayoutId id="2147483660" r:id="rId13"/>
-  </p:sldLayoutIdLst>
-</p:sldMaster>
-</file>
-
-<file path=ppt/slides/slide1.xml><?xml version="1.0" encoding="utf-8"?>
-<p:sld xmlns:a="http://schemas.openxmlformats.org/drawingml/2006/main" xmlns:p="http://schemas.openxmlformats.org/presentationml/2006/main" xmlns:r="http://schemas.openxmlformats.org/officeDocument/2006/relationships" xmlns:p14="http://schemas.microsoft.com/office/powerpoint/2010/main" xmlns:p15="http://schemas.microsoft.com/office/powerpoint/2012/main" xmlns:mc="http://schemas.openxmlformats.org/markup-compatibility/2006">
-  <p:cSld>
-    <p:bg>
-      <p:bgPr>
         <a:blipFill>
-          <a:blip r:embed="rId1"/>
+          <a:blip r:embed="rId2"/>
           <a:stretch>
             <a:fillRect/>
           </a:stretch>
@@ -2461,14 +1524,356 @@
       </p:grpSpPr>
       <p:sp>
         <p:nvSpPr>
-          <p:cNvPr id="39" name="TextShape 1"/>
-          <p:cNvSpPr txBox="1"/>
+          <p:cNvPr id="0" name="PlaceHolder 1"/>
+          <p:cNvSpPr>
+            <a:spLocks noGrp="1"/>
+          </p:cNvSpPr>
+          <p:nvPr>
+            <p:ph type="title"/>
+          </p:nvPr>
+        </p:nvSpPr>
+        <p:spPr>
+          <a:xfrm>
+            <a:off x="685800" y="2130480"/>
+            <a:ext cx="7771680" cy="1469160"/>
+          </a:xfrm>
+          <a:prstGeom prst="rect">
+            <a:avLst/>
+          </a:prstGeom>
+        </p:spPr>
+        <p:txBody>
+          <a:bodyPr lIns="0" rIns="0" tIns="0" bIns="0" anchor="ctr"/>
+          <a:p>
+            <a:pPr algn="ctr"/>
+            <a:endParaRPr b="0" lang="en-US" sz="4400" spc="-1" strike="noStrike">
+              <a:solidFill>
+                <a:srgbClr val="000000"/>
+              </a:solidFill>
+              <a:uFill>
+                <a:solidFill>
+                  <a:srgbClr val="ffffff"/>
+                </a:solidFill>
+              </a:uFill>
+              <a:latin typeface="Arial"/>
+            </a:endParaRPr>
+          </a:p>
+        </p:txBody>
+      </p:sp>
+      <p:sp>
+        <p:nvSpPr>
+          <p:cNvPr id="1" name="PlaceHolder 2"/>
+          <p:cNvSpPr>
+            <a:spLocks noGrp="1"/>
+          </p:cNvSpPr>
+          <p:nvPr>
+            <p:ph type="body"/>
+          </p:nvPr>
+        </p:nvSpPr>
+        <p:spPr>
+          <a:xfrm>
+            <a:off x="457200" y="1604520"/>
+            <a:ext cx="8229240" cy="3977280"/>
+          </a:xfrm>
+          <a:prstGeom prst="rect">
+            <a:avLst/>
+          </a:prstGeom>
+        </p:spPr>
+        <p:txBody>
+          <a:bodyPr lIns="0" rIns="0" tIns="0" bIns="0"/>
+          <a:p>
+            <a:pPr marL="432000" indent="-324000">
+              <a:buClr>
+                <a:srgbClr val="000000"/>
+              </a:buClr>
+              <a:buSzPct val="45000"/>
+              <a:buFont typeface="Wingdings" charset="2"/>
+              <a:buChar char=""/>
+            </a:pPr>
+            <a:r>
+              <a:rPr b="0" lang="en-US" sz="3200" spc="-1" strike="noStrike">
+                <a:solidFill>
+                  <a:srgbClr val="000000"/>
+                </a:solidFill>
+                <a:uFill>
+                  <a:solidFill>
+                    <a:srgbClr val="ffffff"/>
+                  </a:solidFill>
+                </a:uFill>
+                <a:latin typeface="Arial"/>
+              </a:rPr>
+              <a:t>Click to edit the outline text format</a:t>
+            </a:r>
+            <a:endParaRPr b="0" lang="en-US" sz="3200" spc="-1" strike="noStrike">
+              <a:solidFill>
+                <a:srgbClr val="000000"/>
+              </a:solidFill>
+              <a:uFill>
+                <a:solidFill>
+                  <a:srgbClr val="ffffff"/>
+                </a:solidFill>
+              </a:uFill>
+              <a:latin typeface="Arial"/>
+            </a:endParaRPr>
+          </a:p>
+          <a:p>
+            <a:pPr lvl="1" marL="864000" indent="-324000">
+              <a:buClr>
+                <a:srgbClr val="000000"/>
+              </a:buClr>
+              <a:buSzPct val="75000"/>
+              <a:buFont typeface="Symbol" charset="2"/>
+              <a:buChar char=""/>
+            </a:pPr>
+            <a:r>
+              <a:rPr b="0" lang="en-US" sz="2800" spc="-1" strike="noStrike">
+                <a:solidFill>
+                  <a:srgbClr val="000000"/>
+                </a:solidFill>
+                <a:uFill>
+                  <a:solidFill>
+                    <a:srgbClr val="ffffff"/>
+                  </a:solidFill>
+                </a:uFill>
+                <a:latin typeface="Arial"/>
+              </a:rPr>
+              <a:t>Second Outline Level</a:t>
+            </a:r>
+            <a:endParaRPr b="0" lang="en-US" sz="2800" spc="-1" strike="noStrike">
+              <a:solidFill>
+                <a:srgbClr val="000000"/>
+              </a:solidFill>
+              <a:uFill>
+                <a:solidFill>
+                  <a:srgbClr val="ffffff"/>
+                </a:solidFill>
+              </a:uFill>
+              <a:latin typeface="Arial"/>
+            </a:endParaRPr>
+          </a:p>
+          <a:p>
+            <a:pPr lvl="2" marL="1296000" indent="-288000">
+              <a:buClr>
+                <a:srgbClr val="000000"/>
+              </a:buClr>
+              <a:buSzPct val="45000"/>
+              <a:buFont typeface="Wingdings" charset="2"/>
+              <a:buChar char=""/>
+            </a:pPr>
+            <a:r>
+              <a:rPr b="0" lang="en-US" sz="2400" spc="-1" strike="noStrike">
+                <a:solidFill>
+                  <a:srgbClr val="000000"/>
+                </a:solidFill>
+                <a:uFill>
+                  <a:solidFill>
+                    <a:srgbClr val="ffffff"/>
+                  </a:solidFill>
+                </a:uFill>
+                <a:latin typeface="Arial"/>
+              </a:rPr>
+              <a:t>Third Outline Level</a:t>
+            </a:r>
+            <a:endParaRPr b="0" lang="en-US" sz="2400" spc="-1" strike="noStrike">
+              <a:solidFill>
+                <a:srgbClr val="000000"/>
+              </a:solidFill>
+              <a:uFill>
+                <a:solidFill>
+                  <a:srgbClr val="ffffff"/>
+                </a:solidFill>
+              </a:uFill>
+              <a:latin typeface="Arial"/>
+            </a:endParaRPr>
+          </a:p>
+          <a:p>
+            <a:pPr lvl="3" marL="1728000" indent="-216000">
+              <a:buClr>
+                <a:srgbClr val="000000"/>
+              </a:buClr>
+              <a:buSzPct val="75000"/>
+              <a:buFont typeface="Symbol" charset="2"/>
+              <a:buChar char=""/>
+            </a:pPr>
+            <a:r>
+              <a:rPr b="0" lang="en-US" sz="2000" spc="-1" strike="noStrike">
+                <a:solidFill>
+                  <a:srgbClr val="000000"/>
+                </a:solidFill>
+                <a:uFill>
+                  <a:solidFill>
+                    <a:srgbClr val="ffffff"/>
+                  </a:solidFill>
+                </a:uFill>
+                <a:latin typeface="Arial"/>
+              </a:rPr>
+              <a:t>Fourth Outline Level</a:t>
+            </a:r>
+            <a:endParaRPr b="0" lang="en-US" sz="2000" spc="-1" strike="noStrike">
+              <a:solidFill>
+                <a:srgbClr val="000000"/>
+              </a:solidFill>
+              <a:uFill>
+                <a:solidFill>
+                  <a:srgbClr val="ffffff"/>
+                </a:solidFill>
+              </a:uFill>
+              <a:latin typeface="Arial"/>
+            </a:endParaRPr>
+          </a:p>
+          <a:p>
+            <a:pPr lvl="4" marL="2160000" indent="-216000">
+              <a:buClr>
+                <a:srgbClr val="000000"/>
+              </a:buClr>
+              <a:buSzPct val="45000"/>
+              <a:buFont typeface="Wingdings" charset="2"/>
+              <a:buChar char=""/>
+            </a:pPr>
+            <a:r>
+              <a:rPr b="0" lang="en-US" sz="2000" spc="-1" strike="noStrike">
+                <a:solidFill>
+                  <a:srgbClr val="000000"/>
+                </a:solidFill>
+                <a:uFill>
+                  <a:solidFill>
+                    <a:srgbClr val="ffffff"/>
+                  </a:solidFill>
+                </a:uFill>
+                <a:latin typeface="Arial"/>
+              </a:rPr>
+              <a:t>Fifth Outline Level</a:t>
+            </a:r>
+            <a:endParaRPr b="0" lang="en-US" sz="2000" spc="-1" strike="noStrike">
+              <a:solidFill>
+                <a:srgbClr val="000000"/>
+              </a:solidFill>
+              <a:uFill>
+                <a:solidFill>
+                  <a:srgbClr val="ffffff"/>
+                </a:solidFill>
+              </a:uFill>
+              <a:latin typeface="Arial"/>
+            </a:endParaRPr>
+          </a:p>
+          <a:p>
+            <a:pPr lvl="5" marL="2592000" indent="-216000">
+              <a:buClr>
+                <a:srgbClr val="000000"/>
+              </a:buClr>
+              <a:buSzPct val="45000"/>
+              <a:buFont typeface="Wingdings" charset="2"/>
+              <a:buChar char=""/>
+            </a:pPr>
+            <a:r>
+              <a:rPr b="0" lang="en-US" sz="2000" spc="-1" strike="noStrike">
+                <a:solidFill>
+                  <a:srgbClr val="000000"/>
+                </a:solidFill>
+                <a:uFill>
+                  <a:solidFill>
+                    <a:srgbClr val="ffffff"/>
+                  </a:solidFill>
+                </a:uFill>
+                <a:latin typeface="Arial"/>
+              </a:rPr>
+              <a:t>Sixth Outline Level</a:t>
+            </a:r>
+            <a:endParaRPr b="0" lang="en-US" sz="2000" spc="-1" strike="noStrike">
+              <a:solidFill>
+                <a:srgbClr val="000000"/>
+              </a:solidFill>
+              <a:uFill>
+                <a:solidFill>
+                  <a:srgbClr val="ffffff"/>
+                </a:solidFill>
+              </a:uFill>
+              <a:latin typeface="Arial"/>
+            </a:endParaRPr>
+          </a:p>
+          <a:p>
+            <a:pPr lvl="6" marL="3024000" indent="-216000">
+              <a:buClr>
+                <a:srgbClr val="000000"/>
+              </a:buClr>
+              <a:buSzPct val="45000"/>
+              <a:buFont typeface="Wingdings" charset="2"/>
+              <a:buChar char=""/>
+            </a:pPr>
+            <a:r>
+              <a:rPr b="0" lang="en-US" sz="2000" spc="-1" strike="noStrike">
+                <a:solidFill>
+                  <a:srgbClr val="000000"/>
+                </a:solidFill>
+                <a:uFill>
+                  <a:solidFill>
+                    <a:srgbClr val="ffffff"/>
+                  </a:solidFill>
+                </a:uFill>
+                <a:latin typeface="Arial"/>
+              </a:rPr>
+              <a:t>Seventh Outline Level</a:t>
+            </a:r>
+            <a:endParaRPr b="0" lang="en-US" sz="2000" spc="-1" strike="noStrike">
+              <a:solidFill>
+                <a:srgbClr val="000000"/>
+              </a:solidFill>
+              <a:uFill>
+                <a:solidFill>
+                  <a:srgbClr val="ffffff"/>
+                </a:solidFill>
+              </a:uFill>
+              <a:latin typeface="Arial"/>
+            </a:endParaRPr>
+          </a:p>
+        </p:txBody>
+      </p:sp>
+    </p:spTree>
+  </p:cSld>
+  <p:clrMap bg1="lt1" bg2="lt2" tx1="dk1" tx2="dk2" accent1="accent1" accent2="accent2" accent3="accent3" accent4="accent4" accent5="accent5" accent6="accent6" hlink="hlink" folHlink="folHlink"/>
+  <p:sldLayoutIdLst>
+    <p:sldLayoutId id="2147483649" r:id="rId3"/>
+    <p:sldLayoutId id="2147483650" r:id="rId4"/>
+    <p:sldLayoutId id="2147483651" r:id="rId5"/>
+    <p:sldLayoutId id="2147483652" r:id="rId6"/>
+    <p:sldLayoutId id="2147483653" r:id="rId7"/>
+    <p:sldLayoutId id="2147483654" r:id="rId8"/>
+    <p:sldLayoutId id="2147483655" r:id="rId9"/>
+    <p:sldLayoutId id="2147483656" r:id="rId10"/>
+    <p:sldLayoutId id="2147483657" r:id="rId11"/>
+    <p:sldLayoutId id="2147483658" r:id="rId12"/>
+    <p:sldLayoutId id="2147483659" r:id="rId13"/>
+    <p:sldLayoutId id="2147483660" r:id="rId14"/>
+  </p:sldLayoutIdLst>
+</p:sldMaster>
+</file>
+
+<file path=ppt/slides/slide1.xml><?xml version="1.0" encoding="utf-8"?>
+<p:sld xmlns:a="http://schemas.openxmlformats.org/drawingml/2006/main" xmlns:p="http://schemas.openxmlformats.org/presentationml/2006/main" xmlns:r="http://schemas.openxmlformats.org/officeDocument/2006/relationships" xmlns:p14="http://schemas.microsoft.com/office/powerpoint/2010/main" xmlns:p15="http://schemas.microsoft.com/office/powerpoint/2012/main" xmlns:mc="http://schemas.openxmlformats.org/markup-compatibility/2006">
+  <p:cSld>
+    <p:spTree>
+      <p:nvGrpSpPr>
+        <p:cNvPr id="1" name=""/>
+        <p:cNvGrpSpPr/>
+        <p:nvPr/>
+      </p:nvGrpSpPr>
+      <p:grpSpPr>
+        <a:xfrm>
+          <a:off x="0" y="0"/>
+          <a:ext cx="0" cy="0"/>
+          <a:chOff x="0" y="0"/>
+          <a:chExt cx="0" cy="0"/>
+        </a:xfrm>
+      </p:grpSpPr>
+      <p:sp>
+        <p:nvSpPr>
+          <p:cNvPr id="36" name="CustomShape 1"/>
+          <p:cNvSpPr/>
           <p:nvPr/>
         </p:nvSpPr>
         <p:spPr>
           <a:xfrm>
             <a:off x="685800" y="609480"/>
-            <a:ext cx="7772040" cy="1066320"/>
+            <a:ext cx="7771680" cy="1065960"/>
           </a:xfrm>
           <a:prstGeom prst="rect">
             <a:avLst/>
@@ -2478,110 +1883,112 @@
             <a:noFill/>
           </a:ln>
         </p:spPr>
+        <p:style>
+          <a:lnRef idx="0"/>
+          <a:fillRef idx="0"/>
+          <a:effectRef idx="0"/>
+          <a:fontRef idx="minor"/>
+        </p:style>
         <p:txBody>
-          <a:bodyPr anchor="ctr"/>
+          <a:bodyPr lIns="90000" rIns="90000" tIns="45000" bIns="45000" anchor="ctr"/>
+          <a:p>
+            <a:r>
+              <a:rPr b="0" lang="en-US" sz="2200" spc="-1" strike="noStrike">
+                <a:solidFill>
+                  <a:srgbClr val="000000"/>
+                </a:solidFill>
+                <a:uFill>
+                  <a:solidFill>
+                    <a:srgbClr val="ffffff"/>
+                  </a:solidFill>
+                </a:uFill>
+                <a:latin typeface="Calibri"/>
+              </a:rPr>
+              <a:t>Data 607, Fall 2017</a:t>
+            </a:r>
+            <a:endParaRPr b="0" lang="en-US" sz="1800" spc="-1" strike="noStrike">
+              <a:solidFill>
+                <a:srgbClr val="000000"/>
+              </a:solidFill>
+              <a:uFill>
+                <a:solidFill>
+                  <a:srgbClr val="ffffff"/>
+                </a:solidFill>
+              </a:uFill>
+              <a:latin typeface="Arial"/>
+            </a:endParaRPr>
+          </a:p>
+          <a:p>
+            <a:r>
+              <a:rPr b="1" lang="en-US" sz="2800" spc="-1" strike="noStrike">
+                <a:solidFill>
+                  <a:srgbClr val="c00000"/>
+                </a:solidFill>
+                <a:uFill>
+                  <a:solidFill>
+                    <a:srgbClr val="ffffff"/>
+                  </a:solidFill>
+                </a:uFill>
+                <a:latin typeface="Calibri"/>
+              </a:rPr>
+              <a:t>Project 3 - </a:t>
+            </a:r>
+            <a:r>
+              <a:rPr b="1" lang="en-US" sz="2400" spc="-1" strike="noStrike">
+                <a:solidFill>
+                  <a:srgbClr val="c00000"/>
+                </a:solidFill>
+                <a:uFill>
+                  <a:solidFill>
+                    <a:srgbClr val="ffffff"/>
+                  </a:solidFill>
+                </a:uFill>
+                <a:latin typeface="Calibri"/>
+              </a:rPr>
+              <a:t>Most Valued Data Science Skills </a:t>
+            </a:r>
+            <a:endParaRPr b="0" lang="en-US" sz="1800" spc="-1" strike="noStrike">
+              <a:solidFill>
+                <a:srgbClr val="000000"/>
+              </a:solidFill>
+              <a:uFill>
+                <a:solidFill>
+                  <a:srgbClr val="ffffff"/>
+                </a:solidFill>
+              </a:uFill>
+              <a:latin typeface="Arial"/>
+            </a:endParaRPr>
+          </a:p>
           <a:p>
             <a:pPr>
               <a:lnSpc>
                 <a:spcPct val="100000"/>
               </a:lnSpc>
             </a:pPr>
-            <a:r>
-              <a:rPr b="0" lang="en-US" sz="2200" spc="-1" strike="noStrike">
-                <a:solidFill>
-                  <a:srgbClr val="000000"/>
-                </a:solidFill>
-                <a:uFill>
-                  <a:solidFill>
-                    <a:srgbClr val="ffffff"/>
-                  </a:solidFill>
-                </a:uFill>
-                <a:latin typeface="Calibri"/>
-              </a:rPr>
-              <a:t>Data 607, Fall 2017</a:t>
-            </a:r>
-            <a:r>
-              <a:rPr b="0" lang="en-US" sz="2200" spc="-1" strike="noStrike">
-                <a:solidFill>
-                  <a:srgbClr val="000000"/>
-                </a:solidFill>
-                <a:uFill>
-                  <a:solidFill>
-                    <a:srgbClr val="ffffff"/>
-                  </a:solidFill>
-                </a:uFill>
-                <a:latin typeface="Calibri"/>
-              </a:rPr>
-              <a:t>
-</a:t>
-            </a:r>
-            <a:r>
-              <a:rPr b="1" lang="en-US" sz="2800" spc="-1" strike="noStrike">
-                <a:solidFill>
-                  <a:srgbClr val="c00000"/>
-                </a:solidFill>
-                <a:uFill>
-                  <a:solidFill>
-                    <a:srgbClr val="ffffff"/>
-                  </a:solidFill>
-                </a:uFill>
-                <a:latin typeface="Calibri"/>
-              </a:rPr>
-              <a:t>Project 3 - </a:t>
-            </a:r>
-            <a:r>
-              <a:rPr b="1" lang="en-US" sz="2400" spc="-1" strike="noStrike">
-                <a:solidFill>
-                  <a:srgbClr val="c00000"/>
-                </a:solidFill>
-                <a:uFill>
-                  <a:solidFill>
-                    <a:srgbClr val="ffffff"/>
-                  </a:solidFill>
-                </a:uFill>
-                <a:latin typeface="Calibri"/>
-              </a:rPr>
-              <a:t>Most Valued Data Science Skills </a:t>
-            </a:r>
-            <a:r>
-              <a:rPr b="1" lang="en-US" sz="2800" spc="-1" strike="noStrike">
-                <a:solidFill>
-                  <a:srgbClr val="000000"/>
-                </a:solidFill>
-                <a:uFill>
-                  <a:solidFill>
-                    <a:srgbClr val="ffffff"/>
-                  </a:solidFill>
-                </a:uFill>
-                <a:latin typeface="Calibri"/>
-              </a:rPr>
-              <a:t>
-</a:t>
-            </a:r>
-            <a:endParaRPr b="0" lang="en-US" sz="1800" spc="-1" strike="noStrike">
-              <a:solidFill>
-                <a:srgbClr val="000000"/>
-              </a:solidFill>
-              <a:uFill>
-                <a:solidFill>
-                  <a:srgbClr val="ffffff"/>
-                </a:solidFill>
-              </a:uFill>
-              <a:latin typeface="Calibri"/>
+            <a:endParaRPr b="0" lang="en-US" sz="1800" spc="-1" strike="noStrike">
+              <a:solidFill>
+                <a:srgbClr val="000000"/>
+              </a:solidFill>
+              <a:uFill>
+                <a:solidFill>
+                  <a:srgbClr val="ffffff"/>
+                </a:solidFill>
+              </a:uFill>
+              <a:latin typeface="Arial"/>
             </a:endParaRPr>
           </a:p>
         </p:txBody>
       </p:sp>
       <p:sp>
         <p:nvSpPr>
-          <p:cNvPr id="40" name="TextShape 2"/>
-          <p:cNvSpPr txBox="1"/>
+          <p:cNvPr id="37" name="CustomShape 2"/>
+          <p:cNvSpPr/>
           <p:nvPr/>
         </p:nvSpPr>
         <p:spPr>
           <a:xfrm>
             <a:off x="1371600" y="2514600"/>
-            <a:ext cx="6400440" cy="1752120"/>
+            <a:ext cx="6400080" cy="1751760"/>
           </a:xfrm>
           <a:prstGeom prst="rect">
             <a:avLst/>
@@ -2591,8 +1998,14 @@
             <a:noFill/>
           </a:ln>
         </p:spPr>
+        <p:style>
+          <a:lnRef idx="0"/>
+          <a:fillRef idx="0"/>
+          <a:effectRef idx="0"/>
+          <a:fontRef idx="minor"/>
+        </p:style>
         <p:txBody>
-          <a:bodyPr/>
+          <a:bodyPr lIns="90000" rIns="90000" tIns="45000" bIns="45000"/>
           <a:p>
             <a:pPr algn="ctr">
               <a:lnSpc>
@@ -2613,7 +2026,7 @@
               </a:rPr>
               <a:t>Group 7</a:t>
             </a:r>
-            <a:endParaRPr b="0" lang="en-US" sz="3200" spc="-1" strike="noStrike">
+            <a:endParaRPr b="0" lang="en-US" sz="1800" spc="-1" strike="noStrike">
               <a:solidFill>
                 <a:srgbClr val="000000"/>
               </a:solidFill>
@@ -2631,7 +2044,7 @@
                 <a:spcPct val="100000"/>
               </a:lnSpc>
             </a:pPr>
-            <a:endParaRPr b="0" lang="en-US" sz="3200" spc="-1" strike="noStrike">
+            <a:endParaRPr b="0" lang="en-US" sz="1800" spc="-1" strike="noStrike">
               <a:solidFill>
                 <a:srgbClr val="000000"/>
               </a:solidFill>
@@ -2647,13 +2060,13 @@
       </p:sp>
       <p:graphicFrame>
         <p:nvGraphicFramePr>
-          <p:cNvPr id="41" name="Table 3"/>
+          <p:cNvPr id="38" name="Table 3"/>
           <p:cNvGraphicFramePr/>
           <p:nvPr/>
         </p:nvGraphicFramePr>
         <p:xfrm>
           <a:off x="1219320" y="3200400"/>
-          <a:ext cx="6933960" cy="879840"/>
+          <a:ext cx="6933600" cy="2067120"/>
         </p:xfrm>
         <a:graphic>
           <a:graphicData uri="http://schemas.openxmlformats.org/drawingml/2006/table">
@@ -2665,7 +2078,7 @@
               <a:tr h="568440">
                 <a:tc>
                   <a:txBody>
-                    <a:bodyPr lIns="28440" rIns="28440" tIns="18720" bIns="18720" anchor="b"/>
+                    <a:bodyPr lIns="28440" rIns="28440"/>
                     <a:p>
                       <a:pPr algn="ctr">
                         <a:lnSpc>
@@ -2913,16 +2326,6 @@
 <file path=ppt/slides/slide10.xml><?xml version="1.0" encoding="utf-8"?>
 <p:sld xmlns:a="http://schemas.openxmlformats.org/drawingml/2006/main" xmlns:p="http://schemas.openxmlformats.org/presentationml/2006/main" xmlns:r="http://schemas.openxmlformats.org/officeDocument/2006/relationships" xmlns:p14="http://schemas.microsoft.com/office/powerpoint/2010/main" xmlns:p15="http://schemas.microsoft.com/office/powerpoint/2012/main" xmlns:mc="http://schemas.openxmlformats.org/markup-compatibility/2006">
   <p:cSld>
-    <p:bg>
-      <p:bgPr>
-        <a:blipFill>
-          <a:blip r:embed="rId1"/>
-          <a:stretch>
-            <a:fillRect/>
-          </a:stretch>
-        </a:blipFill>
-      </p:bgPr>
-    </p:bg>
     <p:spTree>
       <p:nvGrpSpPr>
         <p:cNvPr id="1" name=""/>
@@ -2939,14 +2342,14 @@
       </p:grpSpPr>
       <p:sp>
         <p:nvSpPr>
-          <p:cNvPr id="89" name="TextShape 1"/>
-          <p:cNvSpPr txBox="1"/>
+          <p:cNvPr id="86" name="CustomShape 1"/>
+          <p:cNvSpPr/>
           <p:nvPr/>
         </p:nvSpPr>
         <p:spPr>
           <a:xfrm>
             <a:off x="609480" y="380880"/>
-            <a:ext cx="7772040" cy="761760"/>
+            <a:ext cx="7771680" cy="761400"/>
           </a:xfrm>
           <a:prstGeom prst="rect">
             <a:avLst/>
@@ -2956,110 +2359,112 @@
             <a:noFill/>
           </a:ln>
         </p:spPr>
+        <p:style>
+          <a:lnRef idx="0"/>
+          <a:fillRef idx="0"/>
+          <a:effectRef idx="0"/>
+          <a:fontRef idx="minor"/>
+        </p:style>
         <p:txBody>
-          <a:bodyPr anchor="ctr"/>
+          <a:bodyPr lIns="90000" rIns="90000" tIns="45000" bIns="45000" anchor="ctr"/>
+          <a:p>
+            <a:r>
+              <a:rPr b="0" lang="en-US" sz="2200" spc="-1" strike="noStrike">
+                <a:solidFill>
+                  <a:srgbClr val="000000"/>
+                </a:solidFill>
+                <a:uFill>
+                  <a:solidFill>
+                    <a:srgbClr val="ffffff"/>
+                  </a:solidFill>
+                </a:uFill>
+                <a:latin typeface="Calibri"/>
+              </a:rPr>
+              <a:t>Data 607, Fall 2017</a:t>
+            </a:r>
+            <a:endParaRPr b="0" lang="en-US" sz="1800" spc="-1" strike="noStrike">
+              <a:solidFill>
+                <a:srgbClr val="000000"/>
+              </a:solidFill>
+              <a:uFill>
+                <a:solidFill>
+                  <a:srgbClr val="ffffff"/>
+                </a:solidFill>
+              </a:uFill>
+              <a:latin typeface="Arial"/>
+            </a:endParaRPr>
+          </a:p>
+          <a:p>
+            <a:r>
+              <a:rPr b="1" lang="en-US" sz="2800" spc="-1" strike="noStrike">
+                <a:solidFill>
+                  <a:srgbClr val="c00000"/>
+                </a:solidFill>
+                <a:uFill>
+                  <a:solidFill>
+                    <a:srgbClr val="ffffff"/>
+                  </a:solidFill>
+                </a:uFill>
+                <a:latin typeface="Calibri"/>
+              </a:rPr>
+              <a:t>Project 3 - </a:t>
+            </a:r>
+            <a:r>
+              <a:rPr b="1" lang="en-US" sz="2400" spc="-1" strike="noStrike">
+                <a:solidFill>
+                  <a:srgbClr val="c00000"/>
+                </a:solidFill>
+                <a:uFill>
+                  <a:solidFill>
+                    <a:srgbClr val="ffffff"/>
+                  </a:solidFill>
+                </a:uFill>
+                <a:latin typeface="Calibri"/>
+              </a:rPr>
+              <a:t>Most Valued Data Science Skills </a:t>
+            </a:r>
+            <a:endParaRPr b="0" lang="en-US" sz="1800" spc="-1" strike="noStrike">
+              <a:solidFill>
+                <a:srgbClr val="000000"/>
+              </a:solidFill>
+              <a:uFill>
+                <a:solidFill>
+                  <a:srgbClr val="ffffff"/>
+                </a:solidFill>
+              </a:uFill>
+              <a:latin typeface="Arial"/>
+            </a:endParaRPr>
+          </a:p>
           <a:p>
             <a:pPr>
               <a:lnSpc>
                 <a:spcPct val="100000"/>
               </a:lnSpc>
             </a:pPr>
-            <a:r>
-              <a:rPr b="0" lang="en-US" sz="2200" spc="-1" strike="noStrike">
-                <a:solidFill>
-                  <a:srgbClr val="000000"/>
-                </a:solidFill>
-                <a:uFill>
-                  <a:solidFill>
-                    <a:srgbClr val="ffffff"/>
-                  </a:solidFill>
-                </a:uFill>
-                <a:latin typeface="Calibri"/>
-              </a:rPr>
-              <a:t>Data 607, Fall 2017</a:t>
-            </a:r>
-            <a:r>
-              <a:rPr b="0" lang="en-US" sz="2200" spc="-1" strike="noStrike">
-                <a:solidFill>
-                  <a:srgbClr val="000000"/>
-                </a:solidFill>
-                <a:uFill>
-                  <a:solidFill>
-                    <a:srgbClr val="ffffff"/>
-                  </a:solidFill>
-                </a:uFill>
-                <a:latin typeface="Calibri"/>
-              </a:rPr>
-              <a:t>
-</a:t>
-            </a:r>
-            <a:r>
-              <a:rPr b="1" lang="en-US" sz="2800" spc="-1" strike="noStrike">
-                <a:solidFill>
-                  <a:srgbClr val="c00000"/>
-                </a:solidFill>
-                <a:uFill>
-                  <a:solidFill>
-                    <a:srgbClr val="ffffff"/>
-                  </a:solidFill>
-                </a:uFill>
-                <a:latin typeface="Calibri"/>
-              </a:rPr>
-              <a:t>Project 3 - </a:t>
-            </a:r>
-            <a:r>
-              <a:rPr b="1" lang="en-US" sz="2400" spc="-1" strike="noStrike">
-                <a:solidFill>
-                  <a:srgbClr val="c00000"/>
-                </a:solidFill>
-                <a:uFill>
-                  <a:solidFill>
-                    <a:srgbClr val="ffffff"/>
-                  </a:solidFill>
-                </a:uFill>
-                <a:latin typeface="Calibri"/>
-              </a:rPr>
-              <a:t>Most Valued Data Science Skills </a:t>
-            </a:r>
-            <a:r>
-              <a:rPr b="1" lang="en-US" sz="2800" spc="-1" strike="noStrike">
-                <a:solidFill>
-                  <a:srgbClr val="000000"/>
-                </a:solidFill>
-                <a:uFill>
-                  <a:solidFill>
-                    <a:srgbClr val="ffffff"/>
-                  </a:solidFill>
-                </a:uFill>
-                <a:latin typeface="Calibri"/>
-              </a:rPr>
-              <a:t>
-</a:t>
-            </a:r>
-            <a:endParaRPr b="0" lang="en-US" sz="1800" spc="-1" strike="noStrike">
-              <a:solidFill>
-                <a:srgbClr val="000000"/>
-              </a:solidFill>
-              <a:uFill>
-                <a:solidFill>
-                  <a:srgbClr val="ffffff"/>
-                </a:solidFill>
-              </a:uFill>
-              <a:latin typeface="Calibri"/>
+            <a:endParaRPr b="0" lang="en-US" sz="1800" spc="-1" strike="noStrike">
+              <a:solidFill>
+                <a:srgbClr val="000000"/>
+              </a:solidFill>
+              <a:uFill>
+                <a:solidFill>
+                  <a:srgbClr val="ffffff"/>
+                </a:solidFill>
+              </a:uFill>
+              <a:latin typeface="Arial"/>
             </a:endParaRPr>
           </a:p>
         </p:txBody>
       </p:sp>
       <p:sp>
         <p:nvSpPr>
-          <p:cNvPr id="90" name="TextShape 2"/>
-          <p:cNvSpPr txBox="1"/>
+          <p:cNvPr id="87" name="CustomShape 2"/>
+          <p:cNvSpPr/>
           <p:nvPr/>
         </p:nvSpPr>
         <p:spPr>
           <a:xfrm>
             <a:off x="2438280" y="6019920"/>
-            <a:ext cx="6400440" cy="599040"/>
+            <a:ext cx="6400080" cy="598680"/>
           </a:xfrm>
           <a:prstGeom prst="rect">
             <a:avLst/>
@@ -3069,8 +2474,14 @@
             <a:noFill/>
           </a:ln>
         </p:spPr>
+        <p:style>
+          <a:lnRef idx="0"/>
+          <a:fillRef idx="0"/>
+          <a:effectRef idx="0"/>
+          <a:fontRef idx="minor"/>
+        </p:style>
         <p:txBody>
-          <a:bodyPr/>
+          <a:bodyPr lIns="90000" rIns="90000" tIns="45000" bIns="45000"/>
           <a:p>
             <a:pPr algn="r">
               <a:lnSpc>
@@ -3091,7 +2502,7 @@
               </a:rPr>
               <a:t>Group 7</a:t>
             </a:r>
-            <a:endParaRPr b="0" lang="en-US" sz="3200" spc="-1" strike="noStrike">
+            <a:endParaRPr b="0" lang="en-US" sz="1800" spc="-1" strike="noStrike">
               <a:solidFill>
                 <a:srgbClr val="000000"/>
               </a:solidFill>
@@ -3123,7 +2534,7 @@
               </a:rPr>
               <a:t>Albina Gallyavova, John Grando, Mehdi Khan, Olga Fornicheva, Yijian Lu,</a:t>
             </a:r>
-            <a:endParaRPr b="0" lang="en-US" sz="3200" spc="-1" strike="noStrike">
+            <a:endParaRPr b="0" lang="en-US" sz="1800" spc="-1" strike="noStrike">
               <a:solidFill>
                 <a:srgbClr val="000000"/>
               </a:solidFill>
@@ -3141,7 +2552,7 @@
                 <a:spcPct val="100000"/>
               </a:lnSpc>
             </a:pPr>
-            <a:endParaRPr b="0" lang="en-US" sz="3200" spc="-1" strike="noStrike">
+            <a:endParaRPr b="0" lang="en-US" sz="1800" spc="-1" strike="noStrike">
               <a:solidFill>
                 <a:srgbClr val="000000"/>
               </a:solidFill>
@@ -3157,13 +2568,13 @@
       </p:sp>
       <p:sp>
         <p:nvSpPr>
-          <p:cNvPr id="91" name="Line 3"/>
+          <p:cNvPr id="88" name="Line 3"/>
           <p:cNvSpPr/>
           <p:nvPr/>
         </p:nvSpPr>
         <p:spPr>
           <a:xfrm>
-            <a:off x="685800" y="914400"/>
+            <a:off x="685800" y="1188360"/>
             <a:ext cx="8001000" cy="360"/>
           </a:xfrm>
           <a:prstGeom prst="line">
@@ -3191,14 +2602,14 @@
       </p:sp>
       <p:sp>
         <p:nvSpPr>
-          <p:cNvPr id="92" name="CustomShape 4"/>
+          <p:cNvPr id="89" name="CustomShape 4"/>
           <p:cNvSpPr/>
           <p:nvPr/>
         </p:nvSpPr>
         <p:spPr>
           <a:xfrm>
             <a:off x="609480" y="990720"/>
-            <a:ext cx="7238520" cy="1216440"/>
+            <a:ext cx="7238160" cy="1216080"/>
           </a:xfrm>
           <a:prstGeom prst="rect">
             <a:avLst/>
@@ -3222,6 +2633,24 @@
                 <a:spcPct val="100000"/>
               </a:lnSpc>
             </a:pPr>
+            <a:endParaRPr b="0" lang="en-US" sz="1800" spc="-1" strike="noStrike">
+              <a:solidFill>
+                <a:srgbClr val="000000"/>
+              </a:solidFill>
+              <a:uFill>
+                <a:solidFill>
+                  <a:srgbClr val="ffffff"/>
+                </a:solidFill>
+              </a:uFill>
+              <a:latin typeface="Arial"/>
+            </a:endParaRPr>
+          </a:p>
+          <a:p>
+            <a:pPr>
+              <a:lnSpc>
+                <a:spcPct val="100000"/>
+              </a:lnSpc>
+            </a:pPr>
             <a:r>
               <a:rPr b="1" lang="en-US" sz="1800" spc="-1" strike="noStrike">
                 <a:solidFill>
@@ -3233,6 +2662,7 @@
                   </a:solidFill>
                 </a:uFill>
                 <a:latin typeface="Calibri"/>
+                <a:ea typeface="DejaVu Sans"/>
               </a:rPr>
               <a:t>Visualization:</a:t>
             </a:r>
@@ -3265,6 +2695,7 @@
                   </a:solidFill>
                 </a:uFill>
                 <a:latin typeface="Calibri"/>
+                <a:ea typeface="DejaVu Sans"/>
               </a:rPr>
               <a:t>As in the general case 'machine learning', 'r' and 'python‘ are also the most desired technical skills in most cities. If we ignore "data science" as too broad - all cities sought after only those three skills except Phoenix that surprisingly did not need any of those three technical skills.</a:t>
             </a:r>
@@ -3284,14 +2715,14 @@
       </p:sp>
       <p:sp>
         <p:nvSpPr>
-          <p:cNvPr id="93" name="CustomShape 5"/>
+          <p:cNvPr id="90" name="CustomShape 5"/>
           <p:cNvSpPr/>
           <p:nvPr/>
         </p:nvSpPr>
         <p:spPr>
           <a:xfrm>
             <a:off x="155520" y="-3070080"/>
-            <a:ext cx="6400440" cy="6400440"/>
+            <a:ext cx="6400080" cy="6400080"/>
           </a:xfrm>
           <a:prstGeom prst="rect">
             <a:avLst/>
@@ -3310,14 +2741,14 @@
       </p:sp>
       <p:sp>
         <p:nvSpPr>
-          <p:cNvPr id="94" name="CustomShape 6"/>
+          <p:cNvPr id="91" name="CustomShape 6"/>
           <p:cNvSpPr/>
           <p:nvPr/>
         </p:nvSpPr>
         <p:spPr>
           <a:xfrm>
             <a:off x="307800" y="-2917800"/>
-            <a:ext cx="6400440" cy="6400440"/>
+            <a:ext cx="6400080" cy="6400080"/>
           </a:xfrm>
           <a:prstGeom prst="rect">
             <a:avLst/>
@@ -3336,14 +2767,14 @@
       </p:sp>
       <p:sp>
         <p:nvSpPr>
-          <p:cNvPr id="95" name="CustomShape 7"/>
+          <p:cNvPr id="92" name="CustomShape 7"/>
           <p:cNvSpPr/>
           <p:nvPr/>
         </p:nvSpPr>
         <p:spPr>
           <a:xfrm>
             <a:off x="460440" y="-2765520"/>
-            <a:ext cx="6400440" cy="6400440"/>
+            <a:ext cx="6400080" cy="6400080"/>
           </a:xfrm>
           <a:prstGeom prst="rect">
             <a:avLst/>
@@ -3362,18 +2793,18 @@
       </p:sp>
       <p:pic>
         <p:nvPicPr>
-          <p:cNvPr id="96" name="Picture 2" descr=""/>
+          <p:cNvPr id="93" name="Picture 2" descr=""/>
           <p:cNvPicPr/>
           <p:nvPr/>
         </p:nvPicPr>
         <p:blipFill>
-          <a:blip r:embed="rId2"/>
+          <a:blip r:embed="rId1"/>
           <a:stretch/>
         </p:blipFill>
         <p:spPr>
           <a:xfrm>
-            <a:off x="685800" y="2006280"/>
-            <a:ext cx="6031440" cy="4210560"/>
+            <a:off x="1554480" y="2483640"/>
+            <a:ext cx="5349240" cy="3734280"/>
           </a:xfrm>
           <a:prstGeom prst="rect">
             <a:avLst/>
@@ -3385,22 +2816,39 @@
       </p:pic>
     </p:spTree>
   </p:cSld>
+  <p:timing>
+    <p:tnLst>
+      <p:par>
+        <p:cTn id="19" dur="indefinite" restart="never" nodeType="tmRoot">
+          <p:childTnLst>
+            <p:seq>
+              <p:cTn id="20" nodeType="mainSeq"/>
+              <p:prevCondLst>
+                <p:cond delay="0" evt="onPrev">
+                  <p:tgtEl>
+                    <p:sldTgt/>
+                  </p:tgtEl>
+                </p:cond>
+              </p:prevCondLst>
+              <p:nextCondLst>
+                <p:cond delay="0" evt="onNext">
+                  <p:tgtEl>
+                    <p:sldTgt/>
+                  </p:tgtEl>
+                </p:cond>
+              </p:nextCondLst>
+            </p:seq>
+          </p:childTnLst>
+        </p:cTn>
+      </p:par>
+    </p:tnLst>
+  </p:timing>
 </p:sld>
 </file>
 
 <file path=ppt/slides/slide2.xml><?xml version="1.0" encoding="utf-8"?>
 <p:sld xmlns:a="http://schemas.openxmlformats.org/drawingml/2006/main" xmlns:p="http://schemas.openxmlformats.org/presentationml/2006/main" xmlns:r="http://schemas.openxmlformats.org/officeDocument/2006/relationships" xmlns:p14="http://schemas.microsoft.com/office/powerpoint/2010/main" xmlns:p15="http://schemas.microsoft.com/office/powerpoint/2012/main" xmlns:mc="http://schemas.openxmlformats.org/markup-compatibility/2006">
   <p:cSld>
-    <p:bg>
-      <p:bgPr>
-        <a:blipFill>
-          <a:blip r:embed="rId1"/>
-          <a:stretch>
-            <a:fillRect/>
-          </a:stretch>
-        </a:blipFill>
-      </p:bgPr>
-    </p:bg>
     <p:spTree>
       <p:nvGrpSpPr>
         <p:cNvPr id="1" name=""/>
@@ -3417,14 +2865,14 @@
       </p:grpSpPr>
       <p:sp>
         <p:nvSpPr>
-          <p:cNvPr id="42" name="TextShape 1"/>
-          <p:cNvSpPr txBox="1"/>
+          <p:cNvPr id="39" name="CustomShape 1"/>
+          <p:cNvSpPr/>
           <p:nvPr/>
         </p:nvSpPr>
         <p:spPr>
           <a:xfrm>
             <a:off x="609480" y="380880"/>
-            <a:ext cx="7772040" cy="761760"/>
+            <a:ext cx="7771680" cy="761400"/>
           </a:xfrm>
           <a:prstGeom prst="rect">
             <a:avLst/>
@@ -3434,215 +2882,112 @@
             <a:noFill/>
           </a:ln>
         </p:spPr>
+        <p:style>
+          <a:lnRef idx="0"/>
+          <a:fillRef idx="0"/>
+          <a:effectRef idx="0"/>
+          <a:fontRef idx="minor"/>
+        </p:style>
         <p:txBody>
-          <a:bodyPr anchor="ctr"/>
+          <a:bodyPr lIns="90000" rIns="90000" tIns="45000" bIns="45000" anchor="ctr"/>
+          <a:p>
+            <a:r>
+              <a:rPr b="0" lang="en-US" sz="2200" spc="-1" strike="noStrike">
+                <a:solidFill>
+                  <a:srgbClr val="000000"/>
+                </a:solidFill>
+                <a:uFill>
+                  <a:solidFill>
+                    <a:srgbClr val="ffffff"/>
+                  </a:solidFill>
+                </a:uFill>
+                <a:latin typeface="Calibri"/>
+              </a:rPr>
+              <a:t>Data 607, Fall 2017</a:t>
+            </a:r>
+            <a:endParaRPr b="0" lang="en-US" sz="1800" spc="-1" strike="noStrike">
+              <a:solidFill>
+                <a:srgbClr val="000000"/>
+              </a:solidFill>
+              <a:uFill>
+                <a:solidFill>
+                  <a:srgbClr val="ffffff"/>
+                </a:solidFill>
+              </a:uFill>
+              <a:latin typeface="Arial"/>
+            </a:endParaRPr>
+          </a:p>
+          <a:p>
+            <a:r>
+              <a:rPr b="1" lang="en-US" sz="2800" spc="-1" strike="noStrike">
+                <a:solidFill>
+                  <a:srgbClr val="c00000"/>
+                </a:solidFill>
+                <a:uFill>
+                  <a:solidFill>
+                    <a:srgbClr val="ffffff"/>
+                  </a:solidFill>
+                </a:uFill>
+                <a:latin typeface="Calibri"/>
+              </a:rPr>
+              <a:t>Project 3 - </a:t>
+            </a:r>
+            <a:r>
+              <a:rPr b="1" lang="en-US" sz="2400" spc="-1" strike="noStrike">
+                <a:solidFill>
+                  <a:srgbClr val="c00000"/>
+                </a:solidFill>
+                <a:uFill>
+                  <a:solidFill>
+                    <a:srgbClr val="ffffff"/>
+                  </a:solidFill>
+                </a:uFill>
+                <a:latin typeface="Calibri"/>
+              </a:rPr>
+              <a:t>Most Valued Data Science Skills </a:t>
+            </a:r>
+            <a:endParaRPr b="0" lang="en-US" sz="1800" spc="-1" strike="noStrike">
+              <a:solidFill>
+                <a:srgbClr val="000000"/>
+              </a:solidFill>
+              <a:uFill>
+                <a:solidFill>
+                  <a:srgbClr val="ffffff"/>
+                </a:solidFill>
+              </a:uFill>
+              <a:latin typeface="Arial"/>
+            </a:endParaRPr>
+          </a:p>
           <a:p>
             <a:pPr>
               <a:lnSpc>
                 <a:spcPct val="100000"/>
               </a:lnSpc>
             </a:pPr>
-            <a:r>
-              <a:rPr b="0" lang="en-US" sz="2200" spc="-1" strike="noStrike">
-                <a:solidFill>
-                  <a:srgbClr val="000000"/>
-                </a:solidFill>
-                <a:uFill>
-                  <a:solidFill>
-                    <a:srgbClr val="ffffff"/>
-                  </a:solidFill>
-                </a:uFill>
-                <a:latin typeface="Calibri"/>
-              </a:rPr>
-              <a:t>Data 607, Fall 2017</a:t>
-            </a:r>
-            <a:r>
-              <a:rPr b="0" lang="en-US" sz="2200" spc="-1" strike="noStrike">
-                <a:solidFill>
-                  <a:srgbClr val="000000"/>
-                </a:solidFill>
-                <a:uFill>
-                  <a:solidFill>
-                    <a:srgbClr val="ffffff"/>
-                  </a:solidFill>
-                </a:uFill>
-                <a:latin typeface="Calibri"/>
-              </a:rPr>
-              <a:t>
-</a:t>
-            </a:r>
-            <a:r>
-              <a:rPr b="1" lang="en-US" sz="2800" spc="-1" strike="noStrike">
-                <a:solidFill>
-                  <a:srgbClr val="c00000"/>
-                </a:solidFill>
-                <a:uFill>
-                  <a:solidFill>
-                    <a:srgbClr val="ffffff"/>
-                  </a:solidFill>
-                </a:uFill>
-                <a:latin typeface="Calibri"/>
-              </a:rPr>
-              <a:t>Project 3 - </a:t>
-            </a:r>
-            <a:r>
-              <a:rPr b="1" lang="en-US" sz="2400" spc="-1" strike="noStrike">
-                <a:solidFill>
-                  <a:srgbClr val="c00000"/>
-                </a:solidFill>
-                <a:uFill>
-                  <a:solidFill>
-                    <a:srgbClr val="ffffff"/>
-                  </a:solidFill>
-                </a:uFill>
-                <a:latin typeface="Calibri"/>
-              </a:rPr>
-              <a:t>Most Valued Data Science Skills </a:t>
-            </a:r>
-            <a:r>
-              <a:rPr b="1" lang="en-US" sz="2800" spc="-1" strike="noStrike">
-                <a:solidFill>
-                  <a:srgbClr val="000000"/>
-                </a:solidFill>
-                <a:uFill>
-                  <a:solidFill>
-                    <a:srgbClr val="ffffff"/>
-                  </a:solidFill>
-                </a:uFill>
-                <a:latin typeface="Calibri"/>
-              </a:rPr>
-              <a:t>
-</a:t>
-            </a:r>
-            <a:endParaRPr b="0" lang="en-US" sz="1800" spc="-1" strike="noStrike">
-              <a:solidFill>
-                <a:srgbClr val="000000"/>
-              </a:solidFill>
-              <a:uFill>
-                <a:solidFill>
-                  <a:srgbClr val="ffffff"/>
-                </a:solidFill>
-              </a:uFill>
-              <a:latin typeface="Calibri"/>
+            <a:endParaRPr b="0" lang="en-US" sz="1800" spc="-1" strike="noStrike">
+              <a:solidFill>
+                <a:srgbClr val="000000"/>
+              </a:solidFill>
+              <a:uFill>
+                <a:solidFill>
+                  <a:srgbClr val="ffffff"/>
+                </a:solidFill>
+              </a:uFill>
+              <a:latin typeface="Arial"/>
             </a:endParaRPr>
           </a:p>
         </p:txBody>
       </p:sp>
       <p:sp>
         <p:nvSpPr>
-          <p:cNvPr id="43" name="TextShape 2"/>
-          <p:cNvSpPr txBox="1"/>
-          <p:nvPr/>
-        </p:nvSpPr>
-        <p:spPr>
-          <a:xfrm>
-            <a:off x="2438280" y="6019920"/>
-            <a:ext cx="6400440" cy="599040"/>
-          </a:xfrm>
-          <a:prstGeom prst="rect">
-            <a:avLst/>
-          </a:prstGeom>
-          <a:noFill/>
-          <a:ln>
-            <a:noFill/>
-          </a:ln>
-        </p:spPr>
-        <p:txBody>
-          <a:bodyPr/>
-          <a:p>
-            <a:pPr algn="r">
-              <a:lnSpc>
-                <a:spcPct val="100000"/>
-              </a:lnSpc>
-            </a:pPr>
-            <a:r>
-              <a:rPr b="1" lang="en-US" sz="1400" spc="-1" strike="noStrike">
-                <a:solidFill>
-                  <a:srgbClr val="8b8b8b"/>
-                </a:solidFill>
-                <a:uFill>
-                  <a:solidFill>
-                    <a:srgbClr val="ffffff"/>
-                  </a:solidFill>
-                </a:uFill>
-                <a:latin typeface="Calibri"/>
-              </a:rPr>
-              <a:t>Group 7</a:t>
-            </a:r>
-            <a:endParaRPr b="0" lang="en-US" sz="3200" spc="-1" strike="noStrike">
-              <a:solidFill>
-                <a:srgbClr val="000000"/>
-              </a:solidFill>
-              <a:uFill>
-                <a:solidFill>
-                  <a:srgbClr val="ffffff"/>
-                </a:solidFill>
-              </a:uFill>
-              <a:latin typeface="Arial"/>
-            </a:endParaRPr>
-          </a:p>
-          <a:p>
-            <a:pPr algn="r">
-              <a:lnSpc>
-                <a:spcPct val="100000"/>
-              </a:lnSpc>
-            </a:pPr>
-            <a:r>
-              <a:rPr b="0" lang="en-US" sz="1300" spc="-1" strike="noStrike">
-                <a:solidFill>
-                  <a:srgbClr val="8b8b8b"/>
-                </a:solidFill>
-                <a:uFill>
-                  <a:solidFill>
-                    <a:srgbClr val="ffffff"/>
-                  </a:solidFill>
-                </a:uFill>
-                <a:latin typeface="Calibri"/>
-              </a:rPr>
-              <a:t>Albina Gallyavova, John Grando, Mehdi Khan, Olga Fornicheva, Yijian Lu,</a:t>
-            </a:r>
-            <a:endParaRPr b="0" lang="en-US" sz="3200" spc="-1" strike="noStrike">
-              <a:solidFill>
-                <a:srgbClr val="000000"/>
-              </a:solidFill>
-              <a:uFill>
-                <a:solidFill>
-                  <a:srgbClr val="ffffff"/>
-                </a:solidFill>
-              </a:uFill>
-              <a:latin typeface="Arial"/>
-            </a:endParaRPr>
-          </a:p>
-          <a:p>
-            <a:pPr algn="r">
-              <a:lnSpc>
-                <a:spcPct val="100000"/>
-              </a:lnSpc>
-            </a:pPr>
-            <a:endParaRPr b="0" lang="en-US" sz="3200" spc="-1" strike="noStrike">
-              <a:solidFill>
-                <a:srgbClr val="000000"/>
-              </a:solidFill>
-              <a:uFill>
-                <a:solidFill>
-                  <a:srgbClr val="ffffff"/>
-                </a:solidFill>
-              </a:uFill>
-              <a:latin typeface="Arial"/>
-            </a:endParaRPr>
-          </a:p>
-        </p:txBody>
-      </p:sp>
-      <p:sp>
-        <p:nvSpPr>
-          <p:cNvPr id="44" name="CustomShape 3"/>
+          <p:cNvPr id="40" name="CustomShape 2"/>
           <p:cNvSpPr/>
           <p:nvPr/>
         </p:nvSpPr>
         <p:spPr>
           <a:xfrm>
-            <a:off x="665640" y="1173240"/>
-            <a:ext cx="4343040" cy="364680"/>
+            <a:off x="2438280" y="6019920"/>
+            <a:ext cx="6400080" cy="598680"/>
           </a:xfrm>
           <a:prstGeom prst="rect">
             <a:avLst/>
@@ -3661,25 +3006,75 @@
         <p:txBody>
           <a:bodyPr lIns="90000" rIns="90000" tIns="45000" bIns="45000"/>
           <a:p>
-            <a:pPr>
-              <a:lnSpc>
-                <a:spcPct val="100000"/>
-              </a:lnSpc>
-            </a:pPr>
-            <a:r>
-              <a:rPr b="1" lang="en-US" sz="1800" spc="-1" strike="noStrike">
-                <a:solidFill>
-                  <a:srgbClr val="000000"/>
-                </a:solidFill>
-                <a:uFill>
-                  <a:solidFill>
-                    <a:srgbClr val="ffffff"/>
-                  </a:solidFill>
-                </a:uFill>
-                <a:latin typeface="Calibri"/>
-              </a:rPr>
-              <a:t>Introduction:</a:t>
-            </a:r>
+            <a:pPr algn="r">
+              <a:lnSpc>
+                <a:spcPct val="100000"/>
+              </a:lnSpc>
+            </a:pPr>
+            <a:r>
+              <a:rPr b="1" lang="en-US" sz="1400" spc="-1" strike="noStrike">
+                <a:solidFill>
+                  <a:srgbClr val="8b8b8b"/>
+                </a:solidFill>
+                <a:uFill>
+                  <a:solidFill>
+                    <a:srgbClr val="ffffff"/>
+                  </a:solidFill>
+                </a:uFill>
+                <a:latin typeface="Calibri"/>
+              </a:rPr>
+              <a:t>Group 7</a:t>
+            </a:r>
+            <a:endParaRPr b="0" lang="en-US" sz="1800" spc="-1" strike="noStrike">
+              <a:solidFill>
+                <a:srgbClr val="000000"/>
+              </a:solidFill>
+              <a:uFill>
+                <a:solidFill>
+                  <a:srgbClr val="ffffff"/>
+                </a:solidFill>
+              </a:uFill>
+              <a:latin typeface="Arial"/>
+            </a:endParaRPr>
+          </a:p>
+          <a:p>
+            <a:pPr algn="r">
+              <a:lnSpc>
+                <a:spcPct val="100000"/>
+              </a:lnSpc>
+            </a:pPr>
+            <a:r>
+              <a:rPr b="0" lang="en-US" sz="1300" spc="-1" strike="noStrike">
+                <a:solidFill>
+                  <a:srgbClr val="8b8b8b"/>
+                </a:solidFill>
+                <a:uFill>
+                  <a:solidFill>
+                    <a:srgbClr val="ffffff"/>
+                  </a:solidFill>
+                </a:uFill>
+                <a:latin typeface="Calibri"/>
+              </a:rPr>
+              <a:t>Albina Gallyavova, John Grando, Mehdi Khan, Olga Fornicheva, Yijian Lu,</a:t>
+            </a:r>
+            <a:endParaRPr b="0" lang="en-US" sz="1800" spc="-1" strike="noStrike">
+              <a:solidFill>
+                <a:srgbClr val="000000"/>
+              </a:solidFill>
+              <a:uFill>
+                <a:solidFill>
+                  <a:srgbClr val="ffffff"/>
+                </a:solidFill>
+              </a:uFill>
+              <a:latin typeface="Arial"/>
+            </a:endParaRPr>
+          </a:p>
+          <a:p>
+            <a:pPr algn="r">
+              <a:lnSpc>
+                <a:spcPct val="100000"/>
+              </a:lnSpc>
+            </a:pPr>
             <a:endParaRPr b="0" lang="en-US" sz="1800" spc="-1" strike="noStrike">
               <a:solidFill>
                 <a:srgbClr val="000000"/>
@@ -3696,13 +3091,75 @@
       </p:sp>
       <p:sp>
         <p:nvSpPr>
-          <p:cNvPr id="45" name="Line 4"/>
+          <p:cNvPr id="41" name="CustomShape 3"/>
           <p:cNvSpPr/>
           <p:nvPr/>
         </p:nvSpPr>
         <p:spPr>
           <a:xfrm>
-            <a:off x="685800" y="914400"/>
+            <a:off x="665640" y="1173240"/>
+            <a:ext cx="4342680" cy="364320"/>
+          </a:xfrm>
+          <a:prstGeom prst="rect">
+            <a:avLst/>
+          </a:prstGeom>
+          <a:noFill/>
+          <a:ln>
+            <a:noFill/>
+          </a:ln>
+        </p:spPr>
+        <p:style>
+          <a:lnRef idx="0"/>
+          <a:fillRef idx="0"/>
+          <a:effectRef idx="0"/>
+          <a:fontRef idx="minor"/>
+        </p:style>
+        <p:txBody>
+          <a:bodyPr lIns="90000" rIns="90000" tIns="45000" bIns="45000"/>
+          <a:p>
+            <a:pPr>
+              <a:lnSpc>
+                <a:spcPct val="100000"/>
+              </a:lnSpc>
+            </a:pPr>
+            <a:r>
+              <a:rPr b="1" lang="en-US" sz="1800" spc="-1" strike="noStrike">
+                <a:solidFill>
+                  <a:srgbClr val="000000"/>
+                </a:solidFill>
+                <a:uFill>
+                  <a:solidFill>
+                    <a:srgbClr val="ffffff"/>
+                  </a:solidFill>
+                </a:uFill>
+                <a:latin typeface="Calibri"/>
+                <a:ea typeface="DejaVu Sans"/>
+              </a:rPr>
+              <a:t>Introduction:</a:t>
+            </a:r>
+            <a:endParaRPr b="0" lang="en-US" sz="1800" spc="-1" strike="noStrike">
+              <a:solidFill>
+                <a:srgbClr val="000000"/>
+              </a:solidFill>
+              <a:uFill>
+                <a:solidFill>
+                  <a:srgbClr val="ffffff"/>
+                </a:solidFill>
+              </a:uFill>
+              <a:latin typeface="Arial"/>
+            </a:endParaRPr>
+          </a:p>
+        </p:txBody>
+      </p:sp>
+      <p:sp>
+        <p:nvSpPr>
+          <p:cNvPr id="42" name="Line 4"/>
+          <p:cNvSpPr/>
+          <p:nvPr/>
+        </p:nvSpPr>
+        <p:spPr>
+          <a:xfrm>
+            <a:off x="731520" y="1172880"/>
             <a:ext cx="8001000" cy="360"/>
           </a:xfrm>
           <a:prstGeom prst="line">
@@ -3730,14 +3187,14 @@
       </p:sp>
       <p:sp>
         <p:nvSpPr>
-          <p:cNvPr id="46" name="CustomShape 5"/>
+          <p:cNvPr id="43" name="CustomShape 5"/>
           <p:cNvSpPr/>
           <p:nvPr/>
         </p:nvSpPr>
         <p:spPr>
           <a:xfrm>
             <a:off x="668520" y="1447920"/>
-            <a:ext cx="7238520" cy="5386680"/>
+            <a:ext cx="7238160" cy="5386320"/>
           </a:xfrm>
           <a:prstGeom prst="rect">
             <a:avLst/>
@@ -3772,6 +3229,7 @@
                   </a:solidFill>
                 </a:uFill>
                 <a:latin typeface="Calibri"/>
+                <a:ea typeface="DejaVu Sans"/>
               </a:rPr>
               <a:t>The online job site Indeed.com was used for this project. Job were search within 100 miles of 10 largest cities in USA by population. </a:t>
             </a:r>
@@ -3822,6 +3280,7 @@
                   </a:solidFill>
                 </a:uFill>
                 <a:latin typeface="Calibri"/>
+                <a:ea typeface="DejaVu Sans"/>
               </a:rPr>
               <a:t>Scraping Setup: </a:t>
             </a:r>
@@ -3838,7 +3297,7 @@
             </a:endParaRPr>
           </a:p>
           <a:p>
-            <a:pPr marL="285840" indent="-285480">
+            <a:pPr marL="285840" indent="-285120">
               <a:lnSpc>
                 <a:spcPct val="100000"/>
               </a:lnSpc>
@@ -3859,6 +3318,7 @@
                   </a:solidFill>
                 </a:uFill>
                 <a:latin typeface="Calibri"/>
+                <a:ea typeface="DejaVu Sans"/>
               </a:rPr>
               <a:t>Data was collected from the following sections:</a:t>
             </a:r>
@@ -3875,7 +3335,7 @@
             </a:endParaRPr>
           </a:p>
           <a:p>
-            <a:pPr lvl="2" marL="648000" indent="-216000">
+            <a:pPr lvl="2" marL="648000" indent="-215640">
               <a:lnSpc>
                 <a:spcPct val="100000"/>
               </a:lnSpc>
@@ -3897,6 +3357,7 @@
                   </a:solidFill>
                 </a:uFill>
                 <a:latin typeface="Calibri"/>
+                <a:ea typeface="DejaVu Sans"/>
               </a:rPr>
               <a:t>Actual job posting</a:t>
             </a:r>
@@ -3913,7 +3374,7 @@
             </a:endParaRPr>
           </a:p>
           <a:p>
-            <a:pPr lvl="2" marL="648000" indent="-216000">
+            <a:pPr lvl="2" marL="648000" indent="-215640">
               <a:lnSpc>
                 <a:spcPct val="100000"/>
               </a:lnSpc>
@@ -3935,6 +3396,7 @@
                   </a:solidFill>
                 </a:uFill>
                 <a:latin typeface="Calibri"/>
+                <a:ea typeface="DejaVu Sans"/>
               </a:rPr>
               <a:t>Desired Experience section</a:t>
             </a:r>
@@ -3951,7 +3413,7 @@
             </a:endParaRPr>
           </a:p>
           <a:p>
-            <a:pPr marL="285840" indent="-285480">
+            <a:pPr marL="285840" indent="-285120">
               <a:lnSpc>
                 <a:spcPct val="100000"/>
               </a:lnSpc>
@@ -3972,6 +3434,7 @@
                   </a:solidFill>
                 </a:uFill>
                 <a:latin typeface="Calibri"/>
+                <a:ea typeface="DejaVu Sans"/>
               </a:rPr>
               <a:t>Study was set up to return job postings from the 10 largest cities by population</a:t>
             </a:r>
@@ -3988,7 +3451,7 @@
             </a:endParaRPr>
           </a:p>
           <a:p>
-            <a:pPr marL="285840" indent="-285480">
+            <a:pPr marL="285840" indent="-285120">
               <a:lnSpc>
                 <a:spcPct val="100000"/>
               </a:lnSpc>
@@ -4009,6 +3472,7 @@
                   </a:solidFill>
                 </a:uFill>
                 <a:latin typeface="Calibri"/>
+                <a:ea typeface="DejaVu Sans"/>
               </a:rPr>
               <a:t>Efforts were taken to automatically exclude duplicate postings</a:t>
             </a:r>
@@ -4025,7 +3489,7 @@
             </a:endParaRPr>
           </a:p>
           <a:p>
-            <a:pPr marL="285840" indent="-285480">
+            <a:pPr marL="285840" indent="-285120">
               <a:lnSpc>
                 <a:spcPct val="100000"/>
               </a:lnSpc>
@@ -4046,6 +3510,7 @@
                   </a:solidFill>
                 </a:uFill>
                 <a:latin typeface="Calibri"/>
+                <a:ea typeface="DejaVu Sans"/>
               </a:rPr>
               <a:t>Data was then tokenized and common words (traditional stop words and custom selection of words) were removed.</a:t>
             </a:r>
@@ -4062,7 +3527,7 @@
             </a:endParaRPr>
           </a:p>
           <a:p>
-            <a:pPr marL="285840" indent="-285480">
+            <a:pPr marL="285840" indent="-285120">
               <a:lnSpc>
                 <a:spcPct val="100000"/>
               </a:lnSpc>
@@ -4083,6 +3548,7 @@
                   </a:solidFill>
                 </a:uFill>
                 <a:latin typeface="Calibri"/>
+                <a:ea typeface="DejaVu Sans"/>
               </a:rPr>
               <a:t>Simple frequency distributions for single, bigram (two word groups), and trigrams (three word groups), were then performed and resulting data was saved to CSV files on Github.</a:t>
             </a:r>
@@ -4099,7 +3565,7 @@
             </a:endParaRPr>
           </a:p>
           <a:p>
-            <a:pPr marL="285840" indent="-285480">
+            <a:pPr marL="285840" indent="-285120">
               <a:lnSpc>
                 <a:spcPct val="100000"/>
               </a:lnSpc>
@@ -4120,6 +3586,7 @@
                   </a:solidFill>
                 </a:uFill>
                 <a:latin typeface="Calibri"/>
+                <a:ea typeface="DejaVu Sans"/>
               </a:rPr>
               <a:t>Data exists on the following levels:</a:t>
             </a:r>
@@ -4136,7 +3603,7 @@
             </a:endParaRPr>
           </a:p>
           <a:p>
-            <a:pPr lvl="2" marL="648000" indent="-216000">
+            <a:pPr lvl="2" marL="648000" indent="-215640">
               <a:lnSpc>
                 <a:spcPct val="100000"/>
               </a:lnSpc>
@@ -4158,6 +3625,7 @@
                   </a:solidFill>
                 </a:uFill>
                 <a:latin typeface="Calibri"/>
+                <a:ea typeface="DejaVu Sans"/>
               </a:rPr>
               <a:t>Individual Posting</a:t>
             </a:r>
@@ -4174,7 +3642,7 @@
             </a:endParaRPr>
           </a:p>
           <a:p>
-            <a:pPr lvl="2" marL="648000" indent="-216000">
+            <a:pPr lvl="2" marL="648000" indent="-215640">
               <a:lnSpc>
                 <a:spcPct val="100000"/>
               </a:lnSpc>
@@ -4196,6 +3664,7 @@
                   </a:solidFill>
                 </a:uFill>
                 <a:latin typeface="Calibri"/>
+                <a:ea typeface="DejaVu Sans"/>
               </a:rPr>
               <a:t>By location</a:t>
             </a:r>
@@ -4212,7 +3681,7 @@
             </a:endParaRPr>
           </a:p>
           <a:p>
-            <a:pPr lvl="3" marL="864000" indent="-216000">
+            <a:pPr lvl="3" marL="864000" indent="-215640">
               <a:lnSpc>
                 <a:spcPct val="100000"/>
               </a:lnSpc>
@@ -4234,6 +3703,7 @@
                   </a:solidFill>
                 </a:uFill>
                 <a:latin typeface="Calibri"/>
+                <a:ea typeface="DejaVu Sans"/>
               </a:rPr>
               <a:t>Full study</a:t>
             </a:r>
@@ -4304,16 +3774,6 @@
 <file path=ppt/slides/slide3.xml><?xml version="1.0" encoding="utf-8"?>
 <p:sld xmlns:a="http://schemas.openxmlformats.org/drawingml/2006/main" xmlns:p="http://schemas.openxmlformats.org/presentationml/2006/main" xmlns:r="http://schemas.openxmlformats.org/officeDocument/2006/relationships" xmlns:p14="http://schemas.microsoft.com/office/powerpoint/2010/main" xmlns:p15="http://schemas.microsoft.com/office/powerpoint/2012/main" xmlns:mc="http://schemas.openxmlformats.org/markup-compatibility/2006">
   <p:cSld>
-    <p:bg>
-      <p:bgPr>
-        <a:blipFill>
-          <a:blip r:embed="rId1"/>
-          <a:stretch>
-            <a:fillRect/>
-          </a:stretch>
-        </a:blipFill>
-      </p:bgPr>
-    </p:bg>
     <p:spTree>
       <p:nvGrpSpPr>
         <p:cNvPr id="1" name=""/>
@@ -4330,14 +3790,14 @@
       </p:grpSpPr>
       <p:sp>
         <p:nvSpPr>
-          <p:cNvPr id="47" name="TextShape 1"/>
-          <p:cNvSpPr txBox="1"/>
+          <p:cNvPr id="44" name="CustomShape 1"/>
+          <p:cNvSpPr/>
           <p:nvPr/>
         </p:nvSpPr>
         <p:spPr>
           <a:xfrm>
             <a:off x="609480" y="380880"/>
-            <a:ext cx="7772040" cy="761760"/>
+            <a:ext cx="7771680" cy="761400"/>
           </a:xfrm>
           <a:prstGeom prst="rect">
             <a:avLst/>
@@ -4347,110 +3807,112 @@
             <a:noFill/>
           </a:ln>
         </p:spPr>
+        <p:style>
+          <a:lnRef idx="0"/>
+          <a:fillRef idx="0"/>
+          <a:effectRef idx="0"/>
+          <a:fontRef idx="minor"/>
+        </p:style>
         <p:txBody>
-          <a:bodyPr anchor="ctr"/>
+          <a:bodyPr lIns="90000" rIns="90000" tIns="45000" bIns="45000" anchor="ctr"/>
+          <a:p>
+            <a:r>
+              <a:rPr b="0" lang="en-US" sz="2200" spc="-1" strike="noStrike">
+                <a:solidFill>
+                  <a:srgbClr val="000000"/>
+                </a:solidFill>
+                <a:uFill>
+                  <a:solidFill>
+                    <a:srgbClr val="ffffff"/>
+                  </a:solidFill>
+                </a:uFill>
+                <a:latin typeface="Calibri"/>
+              </a:rPr>
+              <a:t>Data 607, Fall 2017</a:t>
+            </a:r>
+            <a:endParaRPr b="0" lang="en-US" sz="1800" spc="-1" strike="noStrike">
+              <a:solidFill>
+                <a:srgbClr val="000000"/>
+              </a:solidFill>
+              <a:uFill>
+                <a:solidFill>
+                  <a:srgbClr val="ffffff"/>
+                </a:solidFill>
+              </a:uFill>
+              <a:latin typeface="Arial"/>
+            </a:endParaRPr>
+          </a:p>
+          <a:p>
+            <a:r>
+              <a:rPr b="1" lang="en-US" sz="2800" spc="-1" strike="noStrike">
+                <a:solidFill>
+                  <a:srgbClr val="c00000"/>
+                </a:solidFill>
+                <a:uFill>
+                  <a:solidFill>
+                    <a:srgbClr val="ffffff"/>
+                  </a:solidFill>
+                </a:uFill>
+                <a:latin typeface="Calibri"/>
+              </a:rPr>
+              <a:t>Project 3 - </a:t>
+            </a:r>
+            <a:r>
+              <a:rPr b="1" lang="en-US" sz="2400" spc="-1" strike="noStrike">
+                <a:solidFill>
+                  <a:srgbClr val="c00000"/>
+                </a:solidFill>
+                <a:uFill>
+                  <a:solidFill>
+                    <a:srgbClr val="ffffff"/>
+                  </a:solidFill>
+                </a:uFill>
+                <a:latin typeface="Calibri"/>
+              </a:rPr>
+              <a:t>Most Valued Data Science Skills </a:t>
+            </a:r>
+            <a:endParaRPr b="0" lang="en-US" sz="1800" spc="-1" strike="noStrike">
+              <a:solidFill>
+                <a:srgbClr val="000000"/>
+              </a:solidFill>
+              <a:uFill>
+                <a:solidFill>
+                  <a:srgbClr val="ffffff"/>
+                </a:solidFill>
+              </a:uFill>
+              <a:latin typeface="Arial"/>
+            </a:endParaRPr>
+          </a:p>
           <a:p>
             <a:pPr>
               <a:lnSpc>
                 <a:spcPct val="100000"/>
               </a:lnSpc>
             </a:pPr>
-            <a:r>
-              <a:rPr b="0" lang="en-US" sz="2200" spc="-1" strike="noStrike">
-                <a:solidFill>
-                  <a:srgbClr val="000000"/>
-                </a:solidFill>
-                <a:uFill>
-                  <a:solidFill>
-                    <a:srgbClr val="ffffff"/>
-                  </a:solidFill>
-                </a:uFill>
-                <a:latin typeface="Calibri"/>
-              </a:rPr>
-              <a:t>Data 607, Fall 2017</a:t>
-            </a:r>
-            <a:r>
-              <a:rPr b="0" lang="en-US" sz="2200" spc="-1" strike="noStrike">
-                <a:solidFill>
-                  <a:srgbClr val="000000"/>
-                </a:solidFill>
-                <a:uFill>
-                  <a:solidFill>
-                    <a:srgbClr val="ffffff"/>
-                  </a:solidFill>
-                </a:uFill>
-                <a:latin typeface="Calibri"/>
-              </a:rPr>
-              <a:t>
-</a:t>
-            </a:r>
-            <a:r>
-              <a:rPr b="1" lang="en-US" sz="2800" spc="-1" strike="noStrike">
-                <a:solidFill>
-                  <a:srgbClr val="c00000"/>
-                </a:solidFill>
-                <a:uFill>
-                  <a:solidFill>
-                    <a:srgbClr val="ffffff"/>
-                  </a:solidFill>
-                </a:uFill>
-                <a:latin typeface="Calibri"/>
-              </a:rPr>
-              <a:t>Project 3 - </a:t>
-            </a:r>
-            <a:r>
-              <a:rPr b="1" lang="en-US" sz="2400" spc="-1" strike="noStrike">
-                <a:solidFill>
-                  <a:srgbClr val="c00000"/>
-                </a:solidFill>
-                <a:uFill>
-                  <a:solidFill>
-                    <a:srgbClr val="ffffff"/>
-                  </a:solidFill>
-                </a:uFill>
-                <a:latin typeface="Calibri"/>
-              </a:rPr>
-              <a:t>Most Valued Data Science Skills </a:t>
-            </a:r>
-            <a:r>
-              <a:rPr b="1" lang="en-US" sz="2800" spc="-1" strike="noStrike">
-                <a:solidFill>
-                  <a:srgbClr val="000000"/>
-                </a:solidFill>
-                <a:uFill>
-                  <a:solidFill>
-                    <a:srgbClr val="ffffff"/>
-                  </a:solidFill>
-                </a:uFill>
-                <a:latin typeface="Calibri"/>
-              </a:rPr>
-              <a:t>
-</a:t>
-            </a:r>
-            <a:endParaRPr b="0" lang="en-US" sz="1800" spc="-1" strike="noStrike">
-              <a:solidFill>
-                <a:srgbClr val="000000"/>
-              </a:solidFill>
-              <a:uFill>
-                <a:solidFill>
-                  <a:srgbClr val="ffffff"/>
-                </a:solidFill>
-              </a:uFill>
-              <a:latin typeface="Calibri"/>
+            <a:endParaRPr b="0" lang="en-US" sz="1800" spc="-1" strike="noStrike">
+              <a:solidFill>
+                <a:srgbClr val="000000"/>
+              </a:solidFill>
+              <a:uFill>
+                <a:solidFill>
+                  <a:srgbClr val="ffffff"/>
+                </a:solidFill>
+              </a:uFill>
+              <a:latin typeface="Arial"/>
             </a:endParaRPr>
           </a:p>
         </p:txBody>
       </p:sp>
       <p:sp>
         <p:nvSpPr>
-          <p:cNvPr id="48" name="TextShape 2"/>
-          <p:cNvSpPr txBox="1"/>
+          <p:cNvPr id="45" name="CustomShape 2"/>
+          <p:cNvSpPr/>
           <p:nvPr/>
         </p:nvSpPr>
         <p:spPr>
           <a:xfrm>
             <a:off x="2438280" y="6019920"/>
-            <a:ext cx="6400440" cy="599040"/>
+            <a:ext cx="6400080" cy="598680"/>
           </a:xfrm>
           <a:prstGeom prst="rect">
             <a:avLst/>
@@ -4460,8 +3922,14 @@
             <a:noFill/>
           </a:ln>
         </p:spPr>
+        <p:style>
+          <a:lnRef idx="0"/>
+          <a:fillRef idx="0"/>
+          <a:effectRef idx="0"/>
+          <a:fontRef idx="minor"/>
+        </p:style>
         <p:txBody>
-          <a:bodyPr/>
+          <a:bodyPr lIns="90000" rIns="90000" tIns="45000" bIns="45000"/>
           <a:p>
             <a:pPr algn="r">
               <a:lnSpc>
@@ -4482,7 +3950,7 @@
               </a:rPr>
               <a:t>Group 7</a:t>
             </a:r>
-            <a:endParaRPr b="0" lang="en-US" sz="3200" spc="-1" strike="noStrike">
+            <a:endParaRPr b="0" lang="en-US" sz="1800" spc="-1" strike="noStrike">
               <a:solidFill>
                 <a:srgbClr val="000000"/>
               </a:solidFill>
@@ -4514,7 +3982,7 @@
               </a:rPr>
               <a:t>Albina Gallyavova, John Grando, Mehdi Khan, Olga Fornicheva, Yijian Lu,</a:t>
             </a:r>
-            <a:endParaRPr b="0" lang="en-US" sz="3200" spc="-1" strike="noStrike">
+            <a:endParaRPr b="0" lang="en-US" sz="1800" spc="-1" strike="noStrike">
               <a:solidFill>
                 <a:srgbClr val="000000"/>
               </a:solidFill>
@@ -4532,7 +4000,7 @@
                 <a:spcPct val="100000"/>
               </a:lnSpc>
             </a:pPr>
-            <a:endParaRPr b="0" lang="en-US" sz="3200" spc="-1" strike="noStrike">
+            <a:endParaRPr b="0" lang="en-US" sz="1800" spc="-1" strike="noStrike">
               <a:solidFill>
                 <a:srgbClr val="000000"/>
               </a:solidFill>
@@ -4548,13 +4016,13 @@
       </p:sp>
       <p:sp>
         <p:nvSpPr>
-          <p:cNvPr id="49" name="Line 3"/>
+          <p:cNvPr id="46" name="Line 3"/>
           <p:cNvSpPr/>
           <p:nvPr/>
         </p:nvSpPr>
         <p:spPr>
           <a:xfrm>
-            <a:off x="685800" y="914400"/>
+            <a:off x="685800" y="1141920"/>
             <a:ext cx="8001000" cy="360"/>
           </a:xfrm>
           <a:prstGeom prst="line">
@@ -4582,14 +4050,14 @@
       </p:sp>
       <p:sp>
         <p:nvSpPr>
-          <p:cNvPr id="50" name="CustomShape 4"/>
+          <p:cNvPr id="47" name="CustomShape 4"/>
           <p:cNvSpPr/>
           <p:nvPr/>
         </p:nvSpPr>
         <p:spPr>
           <a:xfrm>
             <a:off x="609480" y="1143000"/>
-            <a:ext cx="7238520" cy="4563000"/>
+            <a:ext cx="7238160" cy="4562640"/>
           </a:xfrm>
           <a:prstGeom prst="rect">
             <a:avLst/>
@@ -4624,6 +4092,7 @@
                   </a:solidFill>
                 </a:uFill>
                 <a:latin typeface="Calibri"/>
+                <a:ea typeface="DejaVu Sans"/>
               </a:rPr>
               <a:t>Tidy operations and visualization in R: </a:t>
             </a:r>
@@ -4674,6 +4143,7 @@
                   </a:solidFill>
                 </a:uFill>
                 <a:latin typeface="Calibri"/>
+                <a:ea typeface="DejaVu Sans"/>
               </a:rPr>
               <a:t>Soft Skills:</a:t>
             </a:r>
@@ -4690,7 +4160,7 @@
             </a:endParaRPr>
           </a:p>
           <a:p>
-            <a:pPr marL="285840" indent="-285480">
+            <a:pPr marL="285840" indent="-285120">
               <a:lnSpc>
                 <a:spcPct val="100000"/>
               </a:lnSpc>
@@ -4711,6 +4181,7 @@
                   </a:solidFill>
                 </a:uFill>
                 <a:latin typeface="Calibri"/>
+                <a:ea typeface="DejaVu Sans"/>
               </a:rPr>
               <a:t>CSV  containing data for soft skills  was brought into R for tidy operations and analysis.</a:t>
             </a:r>
@@ -4745,7 +4216,7 @@
             </a:endParaRPr>
           </a:p>
           <a:p>
-            <a:pPr marL="285840" indent="-285480">
+            <a:pPr marL="285840" indent="-285120">
               <a:lnSpc>
                 <a:spcPct val="100000"/>
               </a:lnSpc>
@@ -4766,6 +4237,7 @@
                   </a:solidFill>
                 </a:uFill>
                 <a:latin typeface="Calibri"/>
+                <a:ea typeface="DejaVu Sans"/>
               </a:rPr>
               <a:t>A soft skill lexicon was created with the words that are typically used to construct and describe soft skill sets, which was compared with the dataset and only the rows with matching combination of words were selected.</a:t>
             </a:r>
@@ -4800,7 +4272,7 @@
             </a:endParaRPr>
           </a:p>
           <a:p>
-            <a:pPr marL="285840" indent="-285480">
+            <a:pPr marL="285840" indent="-285120">
               <a:lnSpc>
                 <a:spcPct val="100000"/>
               </a:lnSpc>
@@ -4821,6 +4293,7 @@
                   </a:solidFill>
                 </a:uFill>
                 <a:latin typeface="Calibri"/>
+                <a:ea typeface="DejaVu Sans"/>
               </a:rPr>
               <a:t>since soft skills are a bit descriptive in nature, they are better expressed through combination of words. Therefore trigrams were used to find soft skills.</a:t>
             </a:r>
@@ -4855,7 +4328,7 @@
             </a:endParaRPr>
           </a:p>
           <a:p>
-            <a:pPr marL="285840" indent="-285480">
+            <a:pPr marL="285840" indent="-285120">
               <a:lnSpc>
                 <a:spcPct val="100000"/>
               </a:lnSpc>
@@ -4876,6 +4349,7 @@
                   </a:solidFill>
                 </a:uFill>
                 <a:latin typeface="Calibri"/>
+                <a:ea typeface="DejaVu Sans"/>
               </a:rPr>
               <a:t>Since same soft skills can be expressed through different words, rows belong to specific soft skills are combined under  specific categories</a:t>
             </a:r>
@@ -4928,16 +4402,6 @@
 <file path=ppt/slides/slide4.xml><?xml version="1.0" encoding="utf-8"?>
 <p:sld xmlns:a="http://schemas.openxmlformats.org/drawingml/2006/main" xmlns:p="http://schemas.openxmlformats.org/presentationml/2006/main" xmlns:r="http://schemas.openxmlformats.org/officeDocument/2006/relationships" xmlns:p14="http://schemas.microsoft.com/office/powerpoint/2010/main" xmlns:p15="http://schemas.microsoft.com/office/powerpoint/2012/main" xmlns:mc="http://schemas.openxmlformats.org/markup-compatibility/2006">
   <p:cSld>
-    <p:bg>
-      <p:bgPr>
-        <a:blipFill>
-          <a:blip r:embed="rId1"/>
-          <a:stretch>
-            <a:fillRect/>
-          </a:stretch>
-        </a:blipFill>
-      </p:bgPr>
-    </p:bg>
     <p:spTree>
       <p:nvGrpSpPr>
         <p:cNvPr id="1" name=""/>
@@ -4954,14 +4418,14 @@
       </p:grpSpPr>
       <p:sp>
         <p:nvSpPr>
-          <p:cNvPr id="51" name="TextShape 1"/>
-          <p:cNvSpPr txBox="1"/>
+          <p:cNvPr id="48" name="CustomShape 1"/>
+          <p:cNvSpPr/>
           <p:nvPr/>
         </p:nvSpPr>
         <p:spPr>
           <a:xfrm>
             <a:off x="609480" y="380880"/>
-            <a:ext cx="7772040" cy="761760"/>
+            <a:ext cx="7771680" cy="761400"/>
           </a:xfrm>
           <a:prstGeom prst="rect">
             <a:avLst/>
@@ -4971,110 +4435,112 @@
             <a:noFill/>
           </a:ln>
         </p:spPr>
+        <p:style>
+          <a:lnRef idx="0"/>
+          <a:fillRef idx="0"/>
+          <a:effectRef idx="0"/>
+          <a:fontRef idx="minor"/>
+        </p:style>
         <p:txBody>
-          <a:bodyPr anchor="ctr"/>
+          <a:bodyPr lIns="90000" rIns="90000" tIns="45000" bIns="45000" anchor="ctr"/>
+          <a:p>
+            <a:r>
+              <a:rPr b="0" lang="en-US" sz="2200" spc="-1" strike="noStrike">
+                <a:solidFill>
+                  <a:srgbClr val="000000"/>
+                </a:solidFill>
+                <a:uFill>
+                  <a:solidFill>
+                    <a:srgbClr val="ffffff"/>
+                  </a:solidFill>
+                </a:uFill>
+                <a:latin typeface="Calibri"/>
+              </a:rPr>
+              <a:t>Data 607, Fall 2017</a:t>
+            </a:r>
+            <a:endParaRPr b="0" lang="en-US" sz="1800" spc="-1" strike="noStrike">
+              <a:solidFill>
+                <a:srgbClr val="000000"/>
+              </a:solidFill>
+              <a:uFill>
+                <a:solidFill>
+                  <a:srgbClr val="ffffff"/>
+                </a:solidFill>
+              </a:uFill>
+              <a:latin typeface="Arial"/>
+            </a:endParaRPr>
+          </a:p>
+          <a:p>
+            <a:r>
+              <a:rPr b="1" lang="en-US" sz="2800" spc="-1" strike="noStrike">
+                <a:solidFill>
+                  <a:srgbClr val="c00000"/>
+                </a:solidFill>
+                <a:uFill>
+                  <a:solidFill>
+                    <a:srgbClr val="ffffff"/>
+                  </a:solidFill>
+                </a:uFill>
+                <a:latin typeface="Calibri"/>
+              </a:rPr>
+              <a:t>Project 3 - </a:t>
+            </a:r>
+            <a:r>
+              <a:rPr b="1" lang="en-US" sz="2400" spc="-1" strike="noStrike">
+                <a:solidFill>
+                  <a:srgbClr val="c00000"/>
+                </a:solidFill>
+                <a:uFill>
+                  <a:solidFill>
+                    <a:srgbClr val="ffffff"/>
+                  </a:solidFill>
+                </a:uFill>
+                <a:latin typeface="Calibri"/>
+              </a:rPr>
+              <a:t>Most Valued Data Science Skills </a:t>
+            </a:r>
+            <a:endParaRPr b="0" lang="en-US" sz="1800" spc="-1" strike="noStrike">
+              <a:solidFill>
+                <a:srgbClr val="000000"/>
+              </a:solidFill>
+              <a:uFill>
+                <a:solidFill>
+                  <a:srgbClr val="ffffff"/>
+                </a:solidFill>
+              </a:uFill>
+              <a:latin typeface="Arial"/>
+            </a:endParaRPr>
+          </a:p>
           <a:p>
             <a:pPr>
               <a:lnSpc>
                 <a:spcPct val="100000"/>
               </a:lnSpc>
             </a:pPr>
-            <a:r>
-              <a:rPr b="0" lang="en-US" sz="2200" spc="-1" strike="noStrike">
-                <a:solidFill>
-                  <a:srgbClr val="000000"/>
-                </a:solidFill>
-                <a:uFill>
-                  <a:solidFill>
-                    <a:srgbClr val="ffffff"/>
-                  </a:solidFill>
-                </a:uFill>
-                <a:latin typeface="Calibri"/>
-              </a:rPr>
-              <a:t>Data 607, Fall 2017</a:t>
-            </a:r>
-            <a:r>
-              <a:rPr b="0" lang="en-US" sz="2200" spc="-1" strike="noStrike">
-                <a:solidFill>
-                  <a:srgbClr val="000000"/>
-                </a:solidFill>
-                <a:uFill>
-                  <a:solidFill>
-                    <a:srgbClr val="ffffff"/>
-                  </a:solidFill>
-                </a:uFill>
-                <a:latin typeface="Calibri"/>
-              </a:rPr>
-              <a:t>
-</a:t>
-            </a:r>
-            <a:r>
-              <a:rPr b="1" lang="en-US" sz="2800" spc="-1" strike="noStrike">
-                <a:solidFill>
-                  <a:srgbClr val="c00000"/>
-                </a:solidFill>
-                <a:uFill>
-                  <a:solidFill>
-                    <a:srgbClr val="ffffff"/>
-                  </a:solidFill>
-                </a:uFill>
-                <a:latin typeface="Calibri"/>
-              </a:rPr>
-              <a:t>Project 3 - </a:t>
-            </a:r>
-            <a:r>
-              <a:rPr b="1" lang="en-US" sz="2400" spc="-1" strike="noStrike">
-                <a:solidFill>
-                  <a:srgbClr val="c00000"/>
-                </a:solidFill>
-                <a:uFill>
-                  <a:solidFill>
-                    <a:srgbClr val="ffffff"/>
-                  </a:solidFill>
-                </a:uFill>
-                <a:latin typeface="Calibri"/>
-              </a:rPr>
-              <a:t>Most Valued Data Science Skills </a:t>
-            </a:r>
-            <a:r>
-              <a:rPr b="1" lang="en-US" sz="2800" spc="-1" strike="noStrike">
-                <a:solidFill>
-                  <a:srgbClr val="000000"/>
-                </a:solidFill>
-                <a:uFill>
-                  <a:solidFill>
-                    <a:srgbClr val="ffffff"/>
-                  </a:solidFill>
-                </a:uFill>
-                <a:latin typeface="Calibri"/>
-              </a:rPr>
-              <a:t>
-</a:t>
-            </a:r>
-            <a:endParaRPr b="0" lang="en-US" sz="1800" spc="-1" strike="noStrike">
-              <a:solidFill>
-                <a:srgbClr val="000000"/>
-              </a:solidFill>
-              <a:uFill>
-                <a:solidFill>
-                  <a:srgbClr val="ffffff"/>
-                </a:solidFill>
-              </a:uFill>
-              <a:latin typeface="Calibri"/>
+            <a:endParaRPr b="0" lang="en-US" sz="1800" spc="-1" strike="noStrike">
+              <a:solidFill>
+                <a:srgbClr val="000000"/>
+              </a:solidFill>
+              <a:uFill>
+                <a:solidFill>
+                  <a:srgbClr val="ffffff"/>
+                </a:solidFill>
+              </a:uFill>
+              <a:latin typeface="Arial"/>
             </a:endParaRPr>
           </a:p>
         </p:txBody>
       </p:sp>
       <p:sp>
         <p:nvSpPr>
-          <p:cNvPr id="52" name="TextShape 2"/>
-          <p:cNvSpPr txBox="1"/>
+          <p:cNvPr id="49" name="CustomShape 2"/>
+          <p:cNvSpPr/>
           <p:nvPr/>
         </p:nvSpPr>
         <p:spPr>
           <a:xfrm>
             <a:off x="2438280" y="6019920"/>
-            <a:ext cx="6400440" cy="599040"/>
+            <a:ext cx="6400080" cy="598680"/>
           </a:xfrm>
           <a:prstGeom prst="rect">
             <a:avLst/>
@@ -5084,8 +4550,14 @@
             <a:noFill/>
           </a:ln>
         </p:spPr>
+        <p:style>
+          <a:lnRef idx="0"/>
+          <a:fillRef idx="0"/>
+          <a:effectRef idx="0"/>
+          <a:fontRef idx="minor"/>
+        </p:style>
         <p:txBody>
-          <a:bodyPr/>
+          <a:bodyPr lIns="90000" rIns="90000" tIns="45000" bIns="45000"/>
           <a:p>
             <a:pPr algn="r">
               <a:lnSpc>
@@ -5106,7 +4578,7 @@
               </a:rPr>
               <a:t>Group 7</a:t>
             </a:r>
-            <a:endParaRPr b="0" lang="en-US" sz="3200" spc="-1" strike="noStrike">
+            <a:endParaRPr b="0" lang="en-US" sz="1800" spc="-1" strike="noStrike">
               <a:solidFill>
                 <a:srgbClr val="000000"/>
               </a:solidFill>
@@ -5138,7 +4610,7 @@
               </a:rPr>
               <a:t>Albina Gallyavova, John Grando, Mehdi Khan, Olga Fornicheva, Yijian Lu,</a:t>
             </a:r>
-            <a:endParaRPr b="0" lang="en-US" sz="3200" spc="-1" strike="noStrike">
+            <a:endParaRPr b="0" lang="en-US" sz="1800" spc="-1" strike="noStrike">
               <a:solidFill>
                 <a:srgbClr val="000000"/>
               </a:solidFill>
@@ -5156,7 +4628,7 @@
                 <a:spcPct val="100000"/>
               </a:lnSpc>
             </a:pPr>
-            <a:endParaRPr b="0" lang="en-US" sz="3200" spc="-1" strike="noStrike">
+            <a:endParaRPr b="0" lang="en-US" sz="1800" spc="-1" strike="noStrike">
               <a:solidFill>
                 <a:srgbClr val="000000"/>
               </a:solidFill>
@@ -5172,13 +4644,13 @@
       </p:sp>
       <p:sp>
         <p:nvSpPr>
-          <p:cNvPr id="53" name="Line 3"/>
+          <p:cNvPr id="50" name="Line 3"/>
           <p:cNvSpPr/>
           <p:nvPr/>
         </p:nvSpPr>
         <p:spPr>
           <a:xfrm>
-            <a:off x="685800" y="914400"/>
+            <a:off x="685800" y="1143000"/>
             <a:ext cx="8001000" cy="360"/>
           </a:xfrm>
           <a:prstGeom prst="line">
@@ -5206,14 +4678,14 @@
       </p:sp>
       <p:sp>
         <p:nvSpPr>
-          <p:cNvPr id="54" name="CustomShape 4"/>
+          <p:cNvPr id="51" name="CustomShape 4"/>
           <p:cNvSpPr/>
           <p:nvPr/>
         </p:nvSpPr>
         <p:spPr>
           <a:xfrm>
             <a:off x="609480" y="1143000"/>
-            <a:ext cx="7238520" cy="639000"/>
+            <a:ext cx="7238160" cy="638640"/>
           </a:xfrm>
           <a:prstGeom prst="rect">
             <a:avLst/>
@@ -5248,6 +4720,7 @@
                   </a:solidFill>
                 </a:uFill>
                 <a:latin typeface="Calibri"/>
+                <a:ea typeface="DejaVu Sans"/>
               </a:rPr>
               <a:t>Data frame used for soft skill: </a:t>
             </a:r>
@@ -5285,18 +4758,18 @@
       </p:sp>
       <p:pic>
         <p:nvPicPr>
-          <p:cNvPr id="55" name="Picture 2" descr=""/>
+          <p:cNvPr id="52" name="Picture 2" descr=""/>
           <p:cNvPicPr/>
           <p:nvPr/>
         </p:nvPicPr>
         <p:blipFill>
-          <a:blip r:embed="rId2"/>
+          <a:blip r:embed="rId1"/>
           <a:stretch/>
         </p:blipFill>
         <p:spPr>
           <a:xfrm>
             <a:off x="2705040" y="1523880"/>
-            <a:ext cx="3357360" cy="4647960"/>
+            <a:ext cx="3357000" cy="4647600"/>
           </a:xfrm>
           <a:prstGeom prst="rect">
             <a:avLst/>
@@ -5341,16 +4814,6 @@
 <file path=ppt/slides/slide5.xml><?xml version="1.0" encoding="utf-8"?>
 <p:sld xmlns:a="http://schemas.openxmlformats.org/drawingml/2006/main" xmlns:p="http://schemas.openxmlformats.org/presentationml/2006/main" xmlns:r="http://schemas.openxmlformats.org/officeDocument/2006/relationships" xmlns:p14="http://schemas.microsoft.com/office/powerpoint/2010/main" xmlns:p15="http://schemas.microsoft.com/office/powerpoint/2012/main" xmlns:mc="http://schemas.openxmlformats.org/markup-compatibility/2006">
   <p:cSld>
-    <p:bg>
-      <p:bgPr>
-        <a:blipFill>
-          <a:blip r:embed="rId1"/>
-          <a:stretch>
-            <a:fillRect/>
-          </a:stretch>
-        </a:blipFill>
-      </p:bgPr>
-    </p:bg>
     <p:spTree>
       <p:nvGrpSpPr>
         <p:cNvPr id="1" name=""/>
@@ -5367,14 +4830,14 @@
       </p:grpSpPr>
       <p:sp>
         <p:nvSpPr>
-          <p:cNvPr id="56" name="TextShape 1"/>
-          <p:cNvSpPr txBox="1"/>
+          <p:cNvPr id="53" name="CustomShape 1"/>
+          <p:cNvSpPr/>
           <p:nvPr/>
         </p:nvSpPr>
         <p:spPr>
           <a:xfrm>
             <a:off x="609480" y="380880"/>
-            <a:ext cx="7772040" cy="761760"/>
+            <a:ext cx="7771680" cy="761400"/>
           </a:xfrm>
           <a:prstGeom prst="rect">
             <a:avLst/>
@@ -5384,110 +4847,112 @@
             <a:noFill/>
           </a:ln>
         </p:spPr>
+        <p:style>
+          <a:lnRef idx="0"/>
+          <a:fillRef idx="0"/>
+          <a:effectRef idx="0"/>
+          <a:fontRef idx="minor"/>
+        </p:style>
         <p:txBody>
-          <a:bodyPr anchor="ctr"/>
+          <a:bodyPr lIns="90000" rIns="90000" tIns="45000" bIns="45000" anchor="ctr"/>
+          <a:p>
+            <a:r>
+              <a:rPr b="0" lang="en-US" sz="2200" spc="-1" strike="noStrike">
+                <a:solidFill>
+                  <a:srgbClr val="000000"/>
+                </a:solidFill>
+                <a:uFill>
+                  <a:solidFill>
+                    <a:srgbClr val="ffffff"/>
+                  </a:solidFill>
+                </a:uFill>
+                <a:latin typeface="Calibri"/>
+              </a:rPr>
+              <a:t>Data 607, Fall 2017</a:t>
+            </a:r>
+            <a:endParaRPr b="0" lang="en-US" sz="1800" spc="-1" strike="noStrike">
+              <a:solidFill>
+                <a:srgbClr val="000000"/>
+              </a:solidFill>
+              <a:uFill>
+                <a:solidFill>
+                  <a:srgbClr val="ffffff"/>
+                </a:solidFill>
+              </a:uFill>
+              <a:latin typeface="Arial"/>
+            </a:endParaRPr>
+          </a:p>
+          <a:p>
+            <a:r>
+              <a:rPr b="1" lang="en-US" sz="2800" spc="-1" strike="noStrike">
+                <a:solidFill>
+                  <a:srgbClr val="c00000"/>
+                </a:solidFill>
+                <a:uFill>
+                  <a:solidFill>
+                    <a:srgbClr val="ffffff"/>
+                  </a:solidFill>
+                </a:uFill>
+                <a:latin typeface="Calibri"/>
+              </a:rPr>
+              <a:t>Project 3 - </a:t>
+            </a:r>
+            <a:r>
+              <a:rPr b="1" lang="en-US" sz="2400" spc="-1" strike="noStrike">
+                <a:solidFill>
+                  <a:srgbClr val="c00000"/>
+                </a:solidFill>
+                <a:uFill>
+                  <a:solidFill>
+                    <a:srgbClr val="ffffff"/>
+                  </a:solidFill>
+                </a:uFill>
+                <a:latin typeface="Calibri"/>
+              </a:rPr>
+              <a:t>Most Valued Data Science Skills </a:t>
+            </a:r>
+            <a:endParaRPr b="0" lang="en-US" sz="1800" spc="-1" strike="noStrike">
+              <a:solidFill>
+                <a:srgbClr val="000000"/>
+              </a:solidFill>
+              <a:uFill>
+                <a:solidFill>
+                  <a:srgbClr val="ffffff"/>
+                </a:solidFill>
+              </a:uFill>
+              <a:latin typeface="Arial"/>
+            </a:endParaRPr>
+          </a:p>
           <a:p>
             <a:pPr>
               <a:lnSpc>
                 <a:spcPct val="100000"/>
               </a:lnSpc>
             </a:pPr>
-            <a:r>
-              <a:rPr b="0" lang="en-US" sz="2200" spc="-1" strike="noStrike">
-                <a:solidFill>
-                  <a:srgbClr val="000000"/>
-                </a:solidFill>
-                <a:uFill>
-                  <a:solidFill>
-                    <a:srgbClr val="ffffff"/>
-                  </a:solidFill>
-                </a:uFill>
-                <a:latin typeface="Calibri"/>
-              </a:rPr>
-              <a:t>Data 607, Fall 2017</a:t>
-            </a:r>
-            <a:r>
-              <a:rPr b="0" lang="en-US" sz="2200" spc="-1" strike="noStrike">
-                <a:solidFill>
-                  <a:srgbClr val="000000"/>
-                </a:solidFill>
-                <a:uFill>
-                  <a:solidFill>
-                    <a:srgbClr val="ffffff"/>
-                  </a:solidFill>
-                </a:uFill>
-                <a:latin typeface="Calibri"/>
-              </a:rPr>
-              <a:t>
-</a:t>
-            </a:r>
-            <a:r>
-              <a:rPr b="1" lang="en-US" sz="2800" spc="-1" strike="noStrike">
-                <a:solidFill>
-                  <a:srgbClr val="c00000"/>
-                </a:solidFill>
-                <a:uFill>
-                  <a:solidFill>
-                    <a:srgbClr val="ffffff"/>
-                  </a:solidFill>
-                </a:uFill>
-                <a:latin typeface="Calibri"/>
-              </a:rPr>
-              <a:t>Project 3 - </a:t>
-            </a:r>
-            <a:r>
-              <a:rPr b="1" lang="en-US" sz="2400" spc="-1" strike="noStrike">
-                <a:solidFill>
-                  <a:srgbClr val="c00000"/>
-                </a:solidFill>
-                <a:uFill>
-                  <a:solidFill>
-                    <a:srgbClr val="ffffff"/>
-                  </a:solidFill>
-                </a:uFill>
-                <a:latin typeface="Calibri"/>
-              </a:rPr>
-              <a:t>Most Valued Data Science Skills </a:t>
-            </a:r>
-            <a:r>
-              <a:rPr b="1" lang="en-US" sz="2800" spc="-1" strike="noStrike">
-                <a:solidFill>
-                  <a:srgbClr val="000000"/>
-                </a:solidFill>
-                <a:uFill>
-                  <a:solidFill>
-                    <a:srgbClr val="ffffff"/>
-                  </a:solidFill>
-                </a:uFill>
-                <a:latin typeface="Calibri"/>
-              </a:rPr>
-              <a:t>
-</a:t>
-            </a:r>
-            <a:endParaRPr b="0" lang="en-US" sz="1800" spc="-1" strike="noStrike">
-              <a:solidFill>
-                <a:srgbClr val="000000"/>
-              </a:solidFill>
-              <a:uFill>
-                <a:solidFill>
-                  <a:srgbClr val="ffffff"/>
-                </a:solidFill>
-              </a:uFill>
-              <a:latin typeface="Calibri"/>
+            <a:endParaRPr b="0" lang="en-US" sz="1800" spc="-1" strike="noStrike">
+              <a:solidFill>
+                <a:srgbClr val="000000"/>
+              </a:solidFill>
+              <a:uFill>
+                <a:solidFill>
+                  <a:srgbClr val="ffffff"/>
+                </a:solidFill>
+              </a:uFill>
+              <a:latin typeface="Arial"/>
             </a:endParaRPr>
           </a:p>
         </p:txBody>
       </p:sp>
       <p:sp>
         <p:nvSpPr>
-          <p:cNvPr id="57" name="TextShape 2"/>
-          <p:cNvSpPr txBox="1"/>
+          <p:cNvPr id="54" name="CustomShape 2"/>
+          <p:cNvSpPr/>
           <p:nvPr/>
         </p:nvSpPr>
         <p:spPr>
           <a:xfrm>
             <a:off x="2438280" y="6019920"/>
-            <a:ext cx="6400440" cy="599040"/>
+            <a:ext cx="6400080" cy="598680"/>
           </a:xfrm>
           <a:prstGeom prst="rect">
             <a:avLst/>
@@ -5497,8 +4962,14 @@
             <a:noFill/>
           </a:ln>
         </p:spPr>
+        <p:style>
+          <a:lnRef idx="0"/>
+          <a:fillRef idx="0"/>
+          <a:effectRef idx="0"/>
+          <a:fontRef idx="minor"/>
+        </p:style>
         <p:txBody>
-          <a:bodyPr/>
+          <a:bodyPr lIns="90000" rIns="90000" tIns="45000" bIns="45000"/>
           <a:p>
             <a:pPr algn="r">
               <a:lnSpc>
@@ -5519,7 +4990,7 @@
               </a:rPr>
               <a:t>Group 7</a:t>
             </a:r>
-            <a:endParaRPr b="0" lang="en-US" sz="3200" spc="-1" strike="noStrike">
+            <a:endParaRPr b="0" lang="en-US" sz="1800" spc="-1" strike="noStrike">
               <a:solidFill>
                 <a:srgbClr val="000000"/>
               </a:solidFill>
@@ -5551,7 +5022,7 @@
               </a:rPr>
               <a:t>Albina Gallyavova, John Grando, Mehdi Khan, Olga Fornicheva, Yijian Lu,</a:t>
             </a:r>
-            <a:endParaRPr b="0" lang="en-US" sz="3200" spc="-1" strike="noStrike">
+            <a:endParaRPr b="0" lang="en-US" sz="1800" spc="-1" strike="noStrike">
               <a:solidFill>
                 <a:srgbClr val="000000"/>
               </a:solidFill>
@@ -5569,7 +5040,7 @@
                 <a:spcPct val="100000"/>
               </a:lnSpc>
             </a:pPr>
-            <a:endParaRPr b="0" lang="en-US" sz="3200" spc="-1" strike="noStrike">
+            <a:endParaRPr b="0" lang="en-US" sz="1800" spc="-1" strike="noStrike">
               <a:solidFill>
                 <a:srgbClr val="000000"/>
               </a:solidFill>
@@ -5585,13 +5056,13 @@
       </p:sp>
       <p:sp>
         <p:nvSpPr>
-          <p:cNvPr id="58" name="Line 3"/>
+          <p:cNvPr id="55" name="Line 3"/>
           <p:cNvSpPr/>
           <p:nvPr/>
         </p:nvSpPr>
         <p:spPr>
           <a:xfrm>
-            <a:off x="685800" y="914400"/>
+            <a:off x="685800" y="1143000"/>
             <a:ext cx="8001000" cy="360"/>
           </a:xfrm>
           <a:prstGeom prst="line">
@@ -5619,14 +5090,14 @@
       </p:sp>
       <p:sp>
         <p:nvSpPr>
-          <p:cNvPr id="59" name="CustomShape 4"/>
+          <p:cNvPr id="56" name="CustomShape 4"/>
           <p:cNvSpPr/>
           <p:nvPr/>
         </p:nvSpPr>
         <p:spPr>
           <a:xfrm>
             <a:off x="609480" y="1143000"/>
-            <a:ext cx="7238520" cy="3651480"/>
+            <a:ext cx="7238160" cy="3651120"/>
           </a:xfrm>
           <a:prstGeom prst="rect">
             <a:avLst/>
@@ -5661,6 +5132,7 @@
                   </a:solidFill>
                 </a:uFill>
                 <a:latin typeface="Calibri"/>
+                <a:ea typeface="DejaVu Sans"/>
               </a:rPr>
               <a:t>Tidy operations and visualization in R: </a:t>
             </a:r>
@@ -5747,6 +5219,7 @@
                   </a:solidFill>
                 </a:uFill>
                 <a:latin typeface="Calibri"/>
+                <a:ea typeface="DejaVu Sans"/>
               </a:rPr>
               <a:t>Technical Skills:</a:t>
             </a:r>
@@ -5763,7 +5236,7 @@
             </a:endParaRPr>
           </a:p>
           <a:p>
-            <a:pPr marL="285840" indent="-285480">
+            <a:pPr marL="285840" indent="-285120">
               <a:lnSpc>
                 <a:spcPct val="100000"/>
               </a:lnSpc>
@@ -5784,6 +5257,7 @@
                   </a:solidFill>
                 </a:uFill>
                 <a:latin typeface="Calibri"/>
+                <a:ea typeface="DejaVu Sans"/>
               </a:rPr>
               <a:t>CSV  containing data for technical skills was brought into R for tidy operations and analysis.</a:t>
             </a:r>
@@ -5818,7 +5292,7 @@
             </a:endParaRPr>
           </a:p>
           <a:p>
-            <a:pPr marL="285840" indent="-285480">
+            <a:pPr marL="285840" indent="-285120">
               <a:lnSpc>
                 <a:spcPct val="100000"/>
               </a:lnSpc>
@@ -5839,6 +5313,7 @@
                   </a:solidFill>
                 </a:uFill>
                 <a:latin typeface="Calibri"/>
+                <a:ea typeface="DejaVu Sans"/>
               </a:rPr>
               <a:t>since  technical skills  can clearly be identified by a single word  (such ‘python’ refers to programming skill in python) unigrams were used to find technical skills.</a:t>
             </a:r>
@@ -5873,7 +5348,7 @@
             </a:endParaRPr>
           </a:p>
           <a:p>
-            <a:pPr marL="285840" indent="-285480">
+            <a:pPr marL="285840" indent="-285120">
               <a:lnSpc>
                 <a:spcPct val="100000"/>
               </a:lnSpc>
@@ -5894,6 +5369,7 @@
                   </a:solidFill>
                 </a:uFill>
                 <a:latin typeface="Calibri"/>
+                <a:ea typeface="DejaVu Sans"/>
               </a:rPr>
               <a:t>A data frame was created with columns for all technical skill types and various ngrams </a:t>
             </a:r>
@@ -5946,16 +5422,6 @@
 <file path=ppt/slides/slide6.xml><?xml version="1.0" encoding="utf-8"?>
 <p:sld xmlns:a="http://schemas.openxmlformats.org/drawingml/2006/main" xmlns:p="http://schemas.openxmlformats.org/presentationml/2006/main" xmlns:r="http://schemas.openxmlformats.org/officeDocument/2006/relationships" xmlns:p14="http://schemas.microsoft.com/office/powerpoint/2010/main" xmlns:p15="http://schemas.microsoft.com/office/powerpoint/2012/main" xmlns:mc="http://schemas.openxmlformats.org/markup-compatibility/2006">
   <p:cSld>
-    <p:bg>
-      <p:bgPr>
-        <a:blipFill>
-          <a:blip r:embed="rId1"/>
-          <a:stretch>
-            <a:fillRect/>
-          </a:stretch>
-        </a:blipFill>
-      </p:bgPr>
-    </p:bg>
     <p:spTree>
       <p:nvGrpSpPr>
         <p:cNvPr id="1" name=""/>
@@ -5972,14 +5438,14 @@
       </p:grpSpPr>
       <p:sp>
         <p:nvSpPr>
-          <p:cNvPr id="60" name="TextShape 1"/>
-          <p:cNvSpPr txBox="1"/>
+          <p:cNvPr id="57" name="CustomShape 1"/>
+          <p:cNvSpPr/>
           <p:nvPr/>
         </p:nvSpPr>
         <p:spPr>
           <a:xfrm>
             <a:off x="609480" y="380880"/>
-            <a:ext cx="7772040" cy="761760"/>
+            <a:ext cx="7771680" cy="761400"/>
           </a:xfrm>
           <a:prstGeom prst="rect">
             <a:avLst/>
@@ -5989,110 +5455,112 @@
             <a:noFill/>
           </a:ln>
         </p:spPr>
+        <p:style>
+          <a:lnRef idx="0"/>
+          <a:fillRef idx="0"/>
+          <a:effectRef idx="0"/>
+          <a:fontRef idx="minor"/>
+        </p:style>
         <p:txBody>
-          <a:bodyPr anchor="ctr"/>
+          <a:bodyPr lIns="90000" rIns="90000" tIns="45000" bIns="45000" anchor="ctr"/>
+          <a:p>
+            <a:r>
+              <a:rPr b="0" lang="en-US" sz="2200" spc="-1" strike="noStrike">
+                <a:solidFill>
+                  <a:srgbClr val="000000"/>
+                </a:solidFill>
+                <a:uFill>
+                  <a:solidFill>
+                    <a:srgbClr val="ffffff"/>
+                  </a:solidFill>
+                </a:uFill>
+                <a:latin typeface="Calibri"/>
+              </a:rPr>
+              <a:t>Data 607, Fall 2017</a:t>
+            </a:r>
+            <a:endParaRPr b="0" lang="en-US" sz="1800" spc="-1" strike="noStrike">
+              <a:solidFill>
+                <a:srgbClr val="000000"/>
+              </a:solidFill>
+              <a:uFill>
+                <a:solidFill>
+                  <a:srgbClr val="ffffff"/>
+                </a:solidFill>
+              </a:uFill>
+              <a:latin typeface="Arial"/>
+            </a:endParaRPr>
+          </a:p>
+          <a:p>
+            <a:r>
+              <a:rPr b="1" lang="en-US" sz="2800" spc="-1" strike="noStrike">
+                <a:solidFill>
+                  <a:srgbClr val="c00000"/>
+                </a:solidFill>
+                <a:uFill>
+                  <a:solidFill>
+                    <a:srgbClr val="ffffff"/>
+                  </a:solidFill>
+                </a:uFill>
+                <a:latin typeface="Calibri"/>
+              </a:rPr>
+              <a:t>Project 3 - </a:t>
+            </a:r>
+            <a:r>
+              <a:rPr b="1" lang="en-US" sz="2400" spc="-1" strike="noStrike">
+                <a:solidFill>
+                  <a:srgbClr val="c00000"/>
+                </a:solidFill>
+                <a:uFill>
+                  <a:solidFill>
+                    <a:srgbClr val="ffffff"/>
+                  </a:solidFill>
+                </a:uFill>
+                <a:latin typeface="Calibri"/>
+              </a:rPr>
+              <a:t>Most Valued Data Science Skills </a:t>
+            </a:r>
+            <a:endParaRPr b="0" lang="en-US" sz="1800" spc="-1" strike="noStrike">
+              <a:solidFill>
+                <a:srgbClr val="000000"/>
+              </a:solidFill>
+              <a:uFill>
+                <a:solidFill>
+                  <a:srgbClr val="ffffff"/>
+                </a:solidFill>
+              </a:uFill>
+              <a:latin typeface="Arial"/>
+            </a:endParaRPr>
+          </a:p>
           <a:p>
             <a:pPr>
               <a:lnSpc>
                 <a:spcPct val="100000"/>
               </a:lnSpc>
             </a:pPr>
-            <a:r>
-              <a:rPr b="0" lang="en-US" sz="2200" spc="-1" strike="noStrike">
-                <a:solidFill>
-                  <a:srgbClr val="000000"/>
-                </a:solidFill>
-                <a:uFill>
-                  <a:solidFill>
-                    <a:srgbClr val="ffffff"/>
-                  </a:solidFill>
-                </a:uFill>
-                <a:latin typeface="Calibri"/>
-              </a:rPr>
-              <a:t>Data 607, Fall 2017</a:t>
-            </a:r>
-            <a:r>
-              <a:rPr b="0" lang="en-US" sz="2200" spc="-1" strike="noStrike">
-                <a:solidFill>
-                  <a:srgbClr val="000000"/>
-                </a:solidFill>
-                <a:uFill>
-                  <a:solidFill>
-                    <a:srgbClr val="ffffff"/>
-                  </a:solidFill>
-                </a:uFill>
-                <a:latin typeface="Calibri"/>
-              </a:rPr>
-              <a:t>
-</a:t>
-            </a:r>
-            <a:r>
-              <a:rPr b="1" lang="en-US" sz="2800" spc="-1" strike="noStrike">
-                <a:solidFill>
-                  <a:srgbClr val="c00000"/>
-                </a:solidFill>
-                <a:uFill>
-                  <a:solidFill>
-                    <a:srgbClr val="ffffff"/>
-                  </a:solidFill>
-                </a:uFill>
-                <a:latin typeface="Calibri"/>
-              </a:rPr>
-              <a:t>Project 3 - </a:t>
-            </a:r>
-            <a:r>
-              <a:rPr b="1" lang="en-US" sz="2400" spc="-1" strike="noStrike">
-                <a:solidFill>
-                  <a:srgbClr val="c00000"/>
-                </a:solidFill>
-                <a:uFill>
-                  <a:solidFill>
-                    <a:srgbClr val="ffffff"/>
-                  </a:solidFill>
-                </a:uFill>
-                <a:latin typeface="Calibri"/>
-              </a:rPr>
-              <a:t>Most Valued Data Science Skills </a:t>
-            </a:r>
-            <a:r>
-              <a:rPr b="1" lang="en-US" sz="2800" spc="-1" strike="noStrike">
-                <a:solidFill>
-                  <a:srgbClr val="000000"/>
-                </a:solidFill>
-                <a:uFill>
-                  <a:solidFill>
-                    <a:srgbClr val="ffffff"/>
-                  </a:solidFill>
-                </a:uFill>
-                <a:latin typeface="Calibri"/>
-              </a:rPr>
-              <a:t>
-</a:t>
-            </a:r>
-            <a:endParaRPr b="0" lang="en-US" sz="1800" spc="-1" strike="noStrike">
-              <a:solidFill>
-                <a:srgbClr val="000000"/>
-              </a:solidFill>
-              <a:uFill>
-                <a:solidFill>
-                  <a:srgbClr val="ffffff"/>
-                </a:solidFill>
-              </a:uFill>
-              <a:latin typeface="Calibri"/>
+            <a:endParaRPr b="0" lang="en-US" sz="1800" spc="-1" strike="noStrike">
+              <a:solidFill>
+                <a:srgbClr val="000000"/>
+              </a:solidFill>
+              <a:uFill>
+                <a:solidFill>
+                  <a:srgbClr val="ffffff"/>
+                </a:solidFill>
+              </a:uFill>
+              <a:latin typeface="Arial"/>
             </a:endParaRPr>
           </a:p>
         </p:txBody>
       </p:sp>
       <p:sp>
         <p:nvSpPr>
-          <p:cNvPr id="61" name="TextShape 2"/>
-          <p:cNvSpPr txBox="1"/>
+          <p:cNvPr id="58" name="CustomShape 2"/>
+          <p:cNvSpPr/>
           <p:nvPr/>
         </p:nvSpPr>
         <p:spPr>
           <a:xfrm>
             <a:off x="2438280" y="6019920"/>
-            <a:ext cx="6400440" cy="599040"/>
+            <a:ext cx="6400080" cy="598680"/>
           </a:xfrm>
           <a:prstGeom prst="rect">
             <a:avLst/>
@@ -6102,8 +5570,14 @@
             <a:noFill/>
           </a:ln>
         </p:spPr>
+        <p:style>
+          <a:lnRef idx="0"/>
+          <a:fillRef idx="0"/>
+          <a:effectRef idx="0"/>
+          <a:fontRef idx="minor"/>
+        </p:style>
         <p:txBody>
-          <a:bodyPr/>
+          <a:bodyPr lIns="90000" rIns="90000" tIns="45000" bIns="45000"/>
           <a:p>
             <a:pPr algn="r">
               <a:lnSpc>
@@ -6124,7 +5598,7 @@
               </a:rPr>
               <a:t>Group 7</a:t>
             </a:r>
-            <a:endParaRPr b="0" lang="en-US" sz="3200" spc="-1" strike="noStrike">
+            <a:endParaRPr b="0" lang="en-US" sz="1800" spc="-1" strike="noStrike">
               <a:solidFill>
                 <a:srgbClr val="000000"/>
               </a:solidFill>
@@ -6156,7 +5630,7 @@
               </a:rPr>
               <a:t>Albina Gallyavova, John Grando, Mehdi Khan, Olga Fornicheva, Yijian Lu,</a:t>
             </a:r>
-            <a:endParaRPr b="0" lang="en-US" sz="3200" spc="-1" strike="noStrike">
+            <a:endParaRPr b="0" lang="en-US" sz="1800" spc="-1" strike="noStrike">
               <a:solidFill>
                 <a:srgbClr val="000000"/>
               </a:solidFill>
@@ -6174,7 +5648,7 @@
                 <a:spcPct val="100000"/>
               </a:lnSpc>
             </a:pPr>
-            <a:endParaRPr b="0" lang="en-US" sz="3200" spc="-1" strike="noStrike">
+            <a:endParaRPr b="0" lang="en-US" sz="1800" spc="-1" strike="noStrike">
               <a:solidFill>
                 <a:srgbClr val="000000"/>
               </a:solidFill>
@@ -6190,13 +5664,13 @@
       </p:sp>
       <p:sp>
         <p:nvSpPr>
-          <p:cNvPr id="62" name="Line 3"/>
+          <p:cNvPr id="59" name="Line 3"/>
           <p:cNvSpPr/>
           <p:nvPr/>
         </p:nvSpPr>
         <p:spPr>
           <a:xfrm>
-            <a:off x="685800" y="914400"/>
+            <a:off x="685800" y="1143000"/>
             <a:ext cx="8001000" cy="360"/>
           </a:xfrm>
           <a:prstGeom prst="line">
@@ -6224,14 +5698,14 @@
       </p:sp>
       <p:sp>
         <p:nvSpPr>
-          <p:cNvPr id="63" name="CustomShape 4"/>
+          <p:cNvPr id="60" name="CustomShape 4"/>
           <p:cNvSpPr/>
           <p:nvPr/>
         </p:nvSpPr>
         <p:spPr>
           <a:xfrm>
             <a:off x="609480" y="1143000"/>
-            <a:ext cx="7238520" cy="639000"/>
+            <a:ext cx="7238160" cy="638640"/>
           </a:xfrm>
           <a:prstGeom prst="rect">
             <a:avLst/>
@@ -6266,6 +5740,7 @@
                   </a:solidFill>
                 </a:uFill>
                 <a:latin typeface="Calibri"/>
+                <a:ea typeface="DejaVu Sans"/>
               </a:rPr>
               <a:t>Data frame used for technical skill: </a:t>
             </a:r>
@@ -6303,18 +5778,18 @@
       </p:sp>
       <p:pic>
         <p:nvPicPr>
-          <p:cNvPr id="64" name="Picture 2" descr=""/>
+          <p:cNvPr id="61" name="Picture 2" descr=""/>
           <p:cNvPicPr/>
           <p:nvPr/>
         </p:nvPicPr>
         <p:blipFill>
-          <a:blip r:embed="rId2"/>
+          <a:blip r:embed="rId1"/>
           <a:stretch/>
         </p:blipFill>
         <p:spPr>
           <a:xfrm>
             <a:off x="621000" y="1676520"/>
-            <a:ext cx="7731720" cy="3857400"/>
+            <a:ext cx="7731360" cy="3857040"/>
           </a:xfrm>
           <a:prstGeom prst="rect">
             <a:avLst/>
@@ -6359,16 +5834,6 @@
 <file path=ppt/slides/slide7.xml><?xml version="1.0" encoding="utf-8"?>
 <p:sld xmlns:a="http://schemas.openxmlformats.org/drawingml/2006/main" xmlns:p="http://schemas.openxmlformats.org/presentationml/2006/main" xmlns:r="http://schemas.openxmlformats.org/officeDocument/2006/relationships" xmlns:p14="http://schemas.microsoft.com/office/powerpoint/2010/main" xmlns:p15="http://schemas.microsoft.com/office/powerpoint/2012/main" xmlns:mc="http://schemas.openxmlformats.org/markup-compatibility/2006">
   <p:cSld>
-    <p:bg>
-      <p:bgPr>
-        <a:blipFill>
-          <a:blip r:embed="rId1"/>
-          <a:stretch>
-            <a:fillRect/>
-          </a:stretch>
-        </a:blipFill>
-      </p:bgPr>
-    </p:bg>
     <p:spTree>
       <p:nvGrpSpPr>
         <p:cNvPr id="1" name=""/>
@@ -6385,14 +5850,14 @@
       </p:grpSpPr>
       <p:sp>
         <p:nvSpPr>
-          <p:cNvPr id="65" name="TextShape 1"/>
-          <p:cNvSpPr txBox="1"/>
+          <p:cNvPr id="62" name="CustomShape 1"/>
+          <p:cNvSpPr/>
           <p:nvPr/>
         </p:nvSpPr>
         <p:spPr>
           <a:xfrm>
             <a:off x="609480" y="380880"/>
-            <a:ext cx="7772040" cy="761760"/>
+            <a:ext cx="7771680" cy="761400"/>
           </a:xfrm>
           <a:prstGeom prst="rect">
             <a:avLst/>
@@ -6402,110 +5867,112 @@
             <a:noFill/>
           </a:ln>
         </p:spPr>
+        <p:style>
+          <a:lnRef idx="0"/>
+          <a:fillRef idx="0"/>
+          <a:effectRef idx="0"/>
+          <a:fontRef idx="minor"/>
+        </p:style>
         <p:txBody>
-          <a:bodyPr anchor="ctr"/>
+          <a:bodyPr lIns="90000" rIns="90000" tIns="45000" bIns="45000" anchor="ctr"/>
+          <a:p>
+            <a:r>
+              <a:rPr b="0" lang="en-US" sz="2200" spc="-1" strike="noStrike">
+                <a:solidFill>
+                  <a:srgbClr val="000000"/>
+                </a:solidFill>
+                <a:uFill>
+                  <a:solidFill>
+                    <a:srgbClr val="ffffff"/>
+                  </a:solidFill>
+                </a:uFill>
+                <a:latin typeface="Calibri"/>
+              </a:rPr>
+              <a:t>Data 607, Fall 2017</a:t>
+            </a:r>
+            <a:endParaRPr b="0" lang="en-US" sz="1800" spc="-1" strike="noStrike">
+              <a:solidFill>
+                <a:srgbClr val="000000"/>
+              </a:solidFill>
+              <a:uFill>
+                <a:solidFill>
+                  <a:srgbClr val="ffffff"/>
+                </a:solidFill>
+              </a:uFill>
+              <a:latin typeface="Arial"/>
+            </a:endParaRPr>
+          </a:p>
+          <a:p>
+            <a:r>
+              <a:rPr b="1" lang="en-US" sz="2800" spc="-1" strike="noStrike">
+                <a:solidFill>
+                  <a:srgbClr val="c00000"/>
+                </a:solidFill>
+                <a:uFill>
+                  <a:solidFill>
+                    <a:srgbClr val="ffffff"/>
+                  </a:solidFill>
+                </a:uFill>
+                <a:latin typeface="Calibri"/>
+              </a:rPr>
+              <a:t>Project 3 - </a:t>
+            </a:r>
+            <a:r>
+              <a:rPr b="1" lang="en-US" sz="2400" spc="-1" strike="noStrike">
+                <a:solidFill>
+                  <a:srgbClr val="c00000"/>
+                </a:solidFill>
+                <a:uFill>
+                  <a:solidFill>
+                    <a:srgbClr val="ffffff"/>
+                  </a:solidFill>
+                </a:uFill>
+                <a:latin typeface="Calibri"/>
+              </a:rPr>
+              <a:t>Most Valued Data Science Skills </a:t>
+            </a:r>
+            <a:endParaRPr b="0" lang="en-US" sz="1800" spc="-1" strike="noStrike">
+              <a:solidFill>
+                <a:srgbClr val="000000"/>
+              </a:solidFill>
+              <a:uFill>
+                <a:solidFill>
+                  <a:srgbClr val="ffffff"/>
+                </a:solidFill>
+              </a:uFill>
+              <a:latin typeface="Arial"/>
+            </a:endParaRPr>
+          </a:p>
           <a:p>
             <a:pPr>
               <a:lnSpc>
                 <a:spcPct val="100000"/>
               </a:lnSpc>
             </a:pPr>
-            <a:r>
-              <a:rPr b="0" lang="en-US" sz="2200" spc="-1" strike="noStrike">
-                <a:solidFill>
-                  <a:srgbClr val="000000"/>
-                </a:solidFill>
-                <a:uFill>
-                  <a:solidFill>
-                    <a:srgbClr val="ffffff"/>
-                  </a:solidFill>
-                </a:uFill>
-                <a:latin typeface="Calibri"/>
-              </a:rPr>
-              <a:t>Data 607, Fall 2017</a:t>
-            </a:r>
-            <a:r>
-              <a:rPr b="0" lang="en-US" sz="2200" spc="-1" strike="noStrike">
-                <a:solidFill>
-                  <a:srgbClr val="000000"/>
-                </a:solidFill>
-                <a:uFill>
-                  <a:solidFill>
-                    <a:srgbClr val="ffffff"/>
-                  </a:solidFill>
-                </a:uFill>
-                <a:latin typeface="Calibri"/>
-              </a:rPr>
-              <a:t>
-</a:t>
-            </a:r>
-            <a:r>
-              <a:rPr b="1" lang="en-US" sz="2800" spc="-1" strike="noStrike">
-                <a:solidFill>
-                  <a:srgbClr val="c00000"/>
-                </a:solidFill>
-                <a:uFill>
-                  <a:solidFill>
-                    <a:srgbClr val="ffffff"/>
-                  </a:solidFill>
-                </a:uFill>
-                <a:latin typeface="Calibri"/>
-              </a:rPr>
-              <a:t>Project 3 - </a:t>
-            </a:r>
-            <a:r>
-              <a:rPr b="1" lang="en-US" sz="2400" spc="-1" strike="noStrike">
-                <a:solidFill>
-                  <a:srgbClr val="c00000"/>
-                </a:solidFill>
-                <a:uFill>
-                  <a:solidFill>
-                    <a:srgbClr val="ffffff"/>
-                  </a:solidFill>
-                </a:uFill>
-                <a:latin typeface="Calibri"/>
-              </a:rPr>
-              <a:t>Most Valued Data Science Skills </a:t>
-            </a:r>
-            <a:r>
-              <a:rPr b="1" lang="en-US" sz="2800" spc="-1" strike="noStrike">
-                <a:solidFill>
-                  <a:srgbClr val="000000"/>
-                </a:solidFill>
-                <a:uFill>
-                  <a:solidFill>
-                    <a:srgbClr val="ffffff"/>
-                  </a:solidFill>
-                </a:uFill>
-                <a:latin typeface="Calibri"/>
-              </a:rPr>
-              <a:t>
-</a:t>
-            </a:r>
-            <a:endParaRPr b="0" lang="en-US" sz="1800" spc="-1" strike="noStrike">
-              <a:solidFill>
-                <a:srgbClr val="000000"/>
-              </a:solidFill>
-              <a:uFill>
-                <a:solidFill>
-                  <a:srgbClr val="ffffff"/>
-                </a:solidFill>
-              </a:uFill>
-              <a:latin typeface="Calibri"/>
+            <a:endParaRPr b="0" lang="en-US" sz="1800" spc="-1" strike="noStrike">
+              <a:solidFill>
+                <a:srgbClr val="000000"/>
+              </a:solidFill>
+              <a:uFill>
+                <a:solidFill>
+                  <a:srgbClr val="ffffff"/>
+                </a:solidFill>
+              </a:uFill>
+              <a:latin typeface="Arial"/>
             </a:endParaRPr>
           </a:p>
         </p:txBody>
       </p:sp>
       <p:sp>
         <p:nvSpPr>
-          <p:cNvPr id="66" name="TextShape 2"/>
-          <p:cNvSpPr txBox="1"/>
+          <p:cNvPr id="63" name="CustomShape 2"/>
+          <p:cNvSpPr/>
           <p:nvPr/>
         </p:nvSpPr>
         <p:spPr>
           <a:xfrm>
             <a:off x="2438280" y="6019920"/>
-            <a:ext cx="6400440" cy="599040"/>
+            <a:ext cx="6400080" cy="598680"/>
           </a:xfrm>
           <a:prstGeom prst="rect">
             <a:avLst/>
@@ -6515,8 +5982,14 @@
             <a:noFill/>
           </a:ln>
         </p:spPr>
+        <p:style>
+          <a:lnRef idx="0"/>
+          <a:fillRef idx="0"/>
+          <a:effectRef idx="0"/>
+          <a:fontRef idx="minor"/>
+        </p:style>
         <p:txBody>
-          <a:bodyPr/>
+          <a:bodyPr lIns="90000" rIns="90000" tIns="45000" bIns="45000"/>
           <a:p>
             <a:pPr algn="r">
               <a:lnSpc>
@@ -6537,7 +6010,7 @@
               </a:rPr>
               <a:t>Group 7</a:t>
             </a:r>
-            <a:endParaRPr b="0" lang="en-US" sz="3200" spc="-1" strike="noStrike">
+            <a:endParaRPr b="0" lang="en-US" sz="1800" spc="-1" strike="noStrike">
               <a:solidFill>
                 <a:srgbClr val="000000"/>
               </a:solidFill>
@@ -6569,7 +6042,7 @@
               </a:rPr>
               <a:t>Albina Gallyavova, John Grando, Mehdi Khan, Olga Fornicheva, Yijian Lu,</a:t>
             </a:r>
-            <a:endParaRPr b="0" lang="en-US" sz="3200" spc="-1" strike="noStrike">
+            <a:endParaRPr b="0" lang="en-US" sz="1800" spc="-1" strike="noStrike">
               <a:solidFill>
                 <a:srgbClr val="000000"/>
               </a:solidFill>
@@ -6587,7 +6060,7 @@
                 <a:spcPct val="100000"/>
               </a:lnSpc>
             </a:pPr>
-            <a:endParaRPr b="0" lang="en-US" sz="3200" spc="-1" strike="noStrike">
+            <a:endParaRPr b="0" lang="en-US" sz="1800" spc="-1" strike="noStrike">
               <a:solidFill>
                 <a:srgbClr val="000000"/>
               </a:solidFill>
@@ -6603,13 +6076,13 @@
       </p:sp>
       <p:sp>
         <p:nvSpPr>
-          <p:cNvPr id="67" name="Line 3"/>
+          <p:cNvPr id="64" name="Line 3"/>
           <p:cNvSpPr/>
           <p:nvPr/>
         </p:nvSpPr>
         <p:spPr>
           <a:xfrm>
-            <a:off x="685800" y="914400"/>
+            <a:off x="685800" y="1188360"/>
             <a:ext cx="8001000" cy="360"/>
           </a:xfrm>
           <a:prstGeom prst="line">
@@ -6637,14 +6110,14 @@
       </p:sp>
       <p:sp>
         <p:nvSpPr>
-          <p:cNvPr id="68" name="CustomShape 4"/>
+          <p:cNvPr id="65" name="CustomShape 4"/>
           <p:cNvSpPr/>
           <p:nvPr/>
         </p:nvSpPr>
         <p:spPr>
           <a:xfrm>
             <a:off x="609480" y="990720"/>
-            <a:ext cx="7238520" cy="790920"/>
+            <a:ext cx="7238160" cy="790560"/>
           </a:xfrm>
           <a:prstGeom prst="rect">
             <a:avLst/>
@@ -6668,6 +6141,24 @@
                 <a:spcPct val="100000"/>
               </a:lnSpc>
             </a:pPr>
+            <a:endParaRPr b="0" lang="en-US" sz="1800" spc="-1" strike="noStrike">
+              <a:solidFill>
+                <a:srgbClr val="000000"/>
+              </a:solidFill>
+              <a:uFill>
+                <a:solidFill>
+                  <a:srgbClr val="ffffff"/>
+                </a:solidFill>
+              </a:uFill>
+              <a:latin typeface="Arial"/>
+            </a:endParaRPr>
+          </a:p>
+          <a:p>
+            <a:pPr>
+              <a:lnSpc>
+                <a:spcPct val="100000"/>
+              </a:lnSpc>
+            </a:pPr>
             <a:r>
               <a:rPr b="1" lang="en-US" sz="1800" spc="-1" strike="noStrike">
                 <a:solidFill>
@@ -6679,6 +6170,7 @@
                   </a:solidFill>
                 </a:uFill>
                 <a:latin typeface="Calibri"/>
+                <a:ea typeface="DejaVu Sans"/>
               </a:rPr>
               <a:t>Visualization:</a:t>
             </a:r>
@@ -6711,6 +6203,7 @@
                   </a:solidFill>
                 </a:uFill>
                 <a:latin typeface="Calibri"/>
+                <a:ea typeface="DejaVu Sans"/>
               </a:rPr>
               <a:t>Figure depicts  management and communication are the two most sought after soft skills for data scientist job in general.</a:t>
             </a:r>
@@ -6730,14 +6223,14 @@
       </p:sp>
       <p:sp>
         <p:nvSpPr>
-          <p:cNvPr id="69" name="CustomShape 5"/>
+          <p:cNvPr id="66" name="CustomShape 5"/>
           <p:cNvSpPr/>
           <p:nvPr/>
         </p:nvSpPr>
         <p:spPr>
           <a:xfrm>
             <a:off x="155520" y="-3070080"/>
-            <a:ext cx="6400440" cy="6400440"/>
+            <a:ext cx="6400080" cy="6400080"/>
           </a:xfrm>
           <a:prstGeom prst="rect">
             <a:avLst/>
@@ -6756,14 +6249,14 @@
       </p:sp>
       <p:sp>
         <p:nvSpPr>
-          <p:cNvPr id="70" name="CustomShape 6"/>
+          <p:cNvPr id="67" name="CustomShape 6"/>
           <p:cNvSpPr/>
           <p:nvPr/>
         </p:nvSpPr>
         <p:spPr>
           <a:xfrm>
             <a:off x="307800" y="-2917800"/>
-            <a:ext cx="6400440" cy="6400440"/>
+            <a:ext cx="6400080" cy="6400080"/>
           </a:xfrm>
           <a:prstGeom prst="rect">
             <a:avLst/>
@@ -6782,14 +6275,14 @@
       </p:sp>
       <p:sp>
         <p:nvSpPr>
-          <p:cNvPr id="71" name="CustomShape 7"/>
+          <p:cNvPr id="68" name="CustomShape 7"/>
           <p:cNvSpPr/>
           <p:nvPr/>
         </p:nvSpPr>
         <p:spPr>
           <a:xfrm>
             <a:off x="460440" y="-2765520"/>
-            <a:ext cx="6400440" cy="6400440"/>
+            <a:ext cx="6400080" cy="6400080"/>
           </a:xfrm>
           <a:prstGeom prst="rect">
             <a:avLst/>
@@ -6808,18 +6301,18 @@
       </p:sp>
       <p:pic>
         <p:nvPicPr>
-          <p:cNvPr id="72" name="Picture 7" descr=""/>
+          <p:cNvPr id="69" name="Picture 7" descr=""/>
           <p:cNvPicPr/>
           <p:nvPr/>
         </p:nvPicPr>
         <p:blipFill>
-          <a:blip r:embed="rId2"/>
+          <a:blip r:embed="rId1"/>
           <a:stretch/>
         </p:blipFill>
         <p:spPr>
           <a:xfrm>
-            <a:off x="1523880" y="1950480"/>
-            <a:ext cx="6033600" cy="4064040"/>
+            <a:off x="1464840" y="2062800"/>
+            <a:ext cx="6033240" cy="4063680"/>
           </a:xfrm>
           <a:prstGeom prst="rect">
             <a:avLst/>
@@ -6831,22 +6324,39 @@
       </p:pic>
     </p:spTree>
   </p:cSld>
+  <p:timing>
+    <p:tnLst>
+      <p:par>
+        <p:cTn id="13" dur="indefinite" restart="never" nodeType="tmRoot">
+          <p:childTnLst>
+            <p:seq>
+              <p:cTn id="14" nodeType="mainSeq"/>
+              <p:prevCondLst>
+                <p:cond delay="0" evt="onPrev">
+                  <p:tgtEl>
+                    <p:sldTgt/>
+                  </p:tgtEl>
+                </p:cond>
+              </p:prevCondLst>
+              <p:nextCondLst>
+                <p:cond delay="0" evt="onNext">
+                  <p:tgtEl>
+                    <p:sldTgt/>
+                  </p:tgtEl>
+                </p:cond>
+              </p:nextCondLst>
+            </p:seq>
+          </p:childTnLst>
+        </p:cTn>
+      </p:par>
+    </p:tnLst>
+  </p:timing>
 </p:sld>
 </file>
 
 <file path=ppt/slides/slide8.xml><?xml version="1.0" encoding="utf-8"?>
 <p:sld xmlns:a="http://schemas.openxmlformats.org/drawingml/2006/main" xmlns:p="http://schemas.openxmlformats.org/presentationml/2006/main" xmlns:r="http://schemas.openxmlformats.org/officeDocument/2006/relationships" xmlns:p14="http://schemas.microsoft.com/office/powerpoint/2010/main" xmlns:p15="http://schemas.microsoft.com/office/powerpoint/2012/main" xmlns:mc="http://schemas.openxmlformats.org/markup-compatibility/2006">
   <p:cSld>
-    <p:bg>
-      <p:bgPr>
-        <a:blipFill>
-          <a:blip r:embed="rId1"/>
-          <a:stretch>
-            <a:fillRect/>
-          </a:stretch>
-        </a:blipFill>
-      </p:bgPr>
-    </p:bg>
     <p:spTree>
       <p:nvGrpSpPr>
         <p:cNvPr id="1" name=""/>
@@ -6863,14 +6373,14 @@
       </p:grpSpPr>
       <p:sp>
         <p:nvSpPr>
-          <p:cNvPr id="73" name="TextShape 1"/>
-          <p:cNvSpPr txBox="1"/>
+          <p:cNvPr id="70" name="CustomShape 1"/>
+          <p:cNvSpPr/>
           <p:nvPr/>
         </p:nvSpPr>
         <p:spPr>
           <a:xfrm>
             <a:off x="609480" y="380880"/>
-            <a:ext cx="7772040" cy="761760"/>
+            <a:ext cx="7771680" cy="761400"/>
           </a:xfrm>
           <a:prstGeom prst="rect">
             <a:avLst/>
@@ -6880,110 +6390,112 @@
             <a:noFill/>
           </a:ln>
         </p:spPr>
+        <p:style>
+          <a:lnRef idx="0"/>
+          <a:fillRef idx="0"/>
+          <a:effectRef idx="0"/>
+          <a:fontRef idx="minor"/>
+        </p:style>
         <p:txBody>
-          <a:bodyPr anchor="ctr"/>
+          <a:bodyPr lIns="90000" rIns="90000" tIns="45000" bIns="45000" anchor="ctr"/>
+          <a:p>
+            <a:r>
+              <a:rPr b="0" lang="en-US" sz="2200" spc="-1" strike="noStrike">
+                <a:solidFill>
+                  <a:srgbClr val="000000"/>
+                </a:solidFill>
+                <a:uFill>
+                  <a:solidFill>
+                    <a:srgbClr val="ffffff"/>
+                  </a:solidFill>
+                </a:uFill>
+                <a:latin typeface="Calibri"/>
+              </a:rPr>
+              <a:t>Data 607, Fall 2017</a:t>
+            </a:r>
+            <a:endParaRPr b="0" lang="en-US" sz="1800" spc="-1" strike="noStrike">
+              <a:solidFill>
+                <a:srgbClr val="000000"/>
+              </a:solidFill>
+              <a:uFill>
+                <a:solidFill>
+                  <a:srgbClr val="ffffff"/>
+                </a:solidFill>
+              </a:uFill>
+              <a:latin typeface="Arial"/>
+            </a:endParaRPr>
+          </a:p>
+          <a:p>
+            <a:r>
+              <a:rPr b="1" lang="en-US" sz="2800" spc="-1" strike="noStrike">
+                <a:solidFill>
+                  <a:srgbClr val="c00000"/>
+                </a:solidFill>
+                <a:uFill>
+                  <a:solidFill>
+                    <a:srgbClr val="ffffff"/>
+                  </a:solidFill>
+                </a:uFill>
+                <a:latin typeface="Calibri"/>
+              </a:rPr>
+              <a:t>Project 3 - </a:t>
+            </a:r>
+            <a:r>
+              <a:rPr b="1" lang="en-US" sz="2400" spc="-1" strike="noStrike">
+                <a:solidFill>
+                  <a:srgbClr val="c00000"/>
+                </a:solidFill>
+                <a:uFill>
+                  <a:solidFill>
+                    <a:srgbClr val="ffffff"/>
+                  </a:solidFill>
+                </a:uFill>
+                <a:latin typeface="Calibri"/>
+              </a:rPr>
+              <a:t>Most Valued Data Science Skills </a:t>
+            </a:r>
+            <a:endParaRPr b="0" lang="en-US" sz="1800" spc="-1" strike="noStrike">
+              <a:solidFill>
+                <a:srgbClr val="000000"/>
+              </a:solidFill>
+              <a:uFill>
+                <a:solidFill>
+                  <a:srgbClr val="ffffff"/>
+                </a:solidFill>
+              </a:uFill>
+              <a:latin typeface="Arial"/>
+            </a:endParaRPr>
+          </a:p>
           <a:p>
             <a:pPr>
               <a:lnSpc>
                 <a:spcPct val="100000"/>
               </a:lnSpc>
             </a:pPr>
-            <a:r>
-              <a:rPr b="0" lang="en-US" sz="2200" spc="-1" strike="noStrike">
-                <a:solidFill>
-                  <a:srgbClr val="000000"/>
-                </a:solidFill>
-                <a:uFill>
-                  <a:solidFill>
-                    <a:srgbClr val="ffffff"/>
-                  </a:solidFill>
-                </a:uFill>
-                <a:latin typeface="Calibri"/>
-              </a:rPr>
-              <a:t>Data 607, Fall 2017</a:t>
-            </a:r>
-            <a:r>
-              <a:rPr b="0" lang="en-US" sz="2200" spc="-1" strike="noStrike">
-                <a:solidFill>
-                  <a:srgbClr val="000000"/>
-                </a:solidFill>
-                <a:uFill>
-                  <a:solidFill>
-                    <a:srgbClr val="ffffff"/>
-                  </a:solidFill>
-                </a:uFill>
-                <a:latin typeface="Calibri"/>
-              </a:rPr>
-              <a:t>
-</a:t>
-            </a:r>
-            <a:r>
-              <a:rPr b="1" lang="en-US" sz="2800" spc="-1" strike="noStrike">
-                <a:solidFill>
-                  <a:srgbClr val="c00000"/>
-                </a:solidFill>
-                <a:uFill>
-                  <a:solidFill>
-                    <a:srgbClr val="ffffff"/>
-                  </a:solidFill>
-                </a:uFill>
-                <a:latin typeface="Calibri"/>
-              </a:rPr>
-              <a:t>Project 3 - </a:t>
-            </a:r>
-            <a:r>
-              <a:rPr b="1" lang="en-US" sz="2400" spc="-1" strike="noStrike">
-                <a:solidFill>
-                  <a:srgbClr val="c00000"/>
-                </a:solidFill>
-                <a:uFill>
-                  <a:solidFill>
-                    <a:srgbClr val="ffffff"/>
-                  </a:solidFill>
-                </a:uFill>
-                <a:latin typeface="Calibri"/>
-              </a:rPr>
-              <a:t>Most Valued Data Science Skills </a:t>
-            </a:r>
-            <a:r>
-              <a:rPr b="1" lang="en-US" sz="2800" spc="-1" strike="noStrike">
-                <a:solidFill>
-                  <a:srgbClr val="000000"/>
-                </a:solidFill>
-                <a:uFill>
-                  <a:solidFill>
-                    <a:srgbClr val="ffffff"/>
-                  </a:solidFill>
-                </a:uFill>
-                <a:latin typeface="Calibri"/>
-              </a:rPr>
-              <a:t>
-</a:t>
-            </a:r>
-            <a:endParaRPr b="0" lang="en-US" sz="1800" spc="-1" strike="noStrike">
-              <a:solidFill>
-                <a:srgbClr val="000000"/>
-              </a:solidFill>
-              <a:uFill>
-                <a:solidFill>
-                  <a:srgbClr val="ffffff"/>
-                </a:solidFill>
-              </a:uFill>
-              <a:latin typeface="Calibri"/>
+            <a:endParaRPr b="0" lang="en-US" sz="1800" spc="-1" strike="noStrike">
+              <a:solidFill>
+                <a:srgbClr val="000000"/>
+              </a:solidFill>
+              <a:uFill>
+                <a:solidFill>
+                  <a:srgbClr val="ffffff"/>
+                </a:solidFill>
+              </a:uFill>
+              <a:latin typeface="Arial"/>
             </a:endParaRPr>
           </a:p>
         </p:txBody>
       </p:sp>
       <p:sp>
         <p:nvSpPr>
-          <p:cNvPr id="74" name="TextShape 2"/>
-          <p:cNvSpPr txBox="1"/>
+          <p:cNvPr id="71" name="CustomShape 2"/>
+          <p:cNvSpPr/>
           <p:nvPr/>
         </p:nvSpPr>
         <p:spPr>
           <a:xfrm>
             <a:off x="2438280" y="6019920"/>
-            <a:ext cx="6400440" cy="599040"/>
+            <a:ext cx="6400080" cy="598680"/>
           </a:xfrm>
           <a:prstGeom prst="rect">
             <a:avLst/>
@@ -6993,8 +6505,14 @@
             <a:noFill/>
           </a:ln>
         </p:spPr>
+        <p:style>
+          <a:lnRef idx="0"/>
+          <a:fillRef idx="0"/>
+          <a:effectRef idx="0"/>
+          <a:fontRef idx="minor"/>
+        </p:style>
         <p:txBody>
-          <a:bodyPr/>
+          <a:bodyPr lIns="90000" rIns="90000" tIns="45000" bIns="45000"/>
           <a:p>
             <a:pPr algn="r">
               <a:lnSpc>
@@ -7015,7 +6533,7 @@
               </a:rPr>
               <a:t>Group 7</a:t>
             </a:r>
-            <a:endParaRPr b="0" lang="en-US" sz="3200" spc="-1" strike="noStrike">
+            <a:endParaRPr b="0" lang="en-US" sz="1800" spc="-1" strike="noStrike">
               <a:solidFill>
                 <a:srgbClr val="000000"/>
               </a:solidFill>
@@ -7047,7 +6565,7 @@
               </a:rPr>
               <a:t>Albina Gallyavova, John Grando, Mehdi Khan, Olga Fornicheva, Yijian Lu,</a:t>
             </a:r>
-            <a:endParaRPr b="0" lang="en-US" sz="3200" spc="-1" strike="noStrike">
+            <a:endParaRPr b="0" lang="en-US" sz="1800" spc="-1" strike="noStrike">
               <a:solidFill>
                 <a:srgbClr val="000000"/>
               </a:solidFill>
@@ -7065,7 +6583,7 @@
                 <a:spcPct val="100000"/>
               </a:lnSpc>
             </a:pPr>
-            <a:endParaRPr b="0" lang="en-US" sz="3200" spc="-1" strike="noStrike">
+            <a:endParaRPr b="0" lang="en-US" sz="1800" spc="-1" strike="noStrike">
               <a:solidFill>
                 <a:srgbClr val="000000"/>
               </a:solidFill>
@@ -7081,13 +6599,13 @@
       </p:sp>
       <p:sp>
         <p:nvSpPr>
-          <p:cNvPr id="75" name="Line 3"/>
+          <p:cNvPr id="72" name="Line 3"/>
           <p:cNvSpPr/>
           <p:nvPr/>
         </p:nvSpPr>
         <p:spPr>
           <a:xfrm>
-            <a:off x="685800" y="914400"/>
+            <a:off x="685800" y="1188720"/>
             <a:ext cx="8001000" cy="360"/>
           </a:xfrm>
           <a:prstGeom prst="line">
@@ -7115,14 +6633,14 @@
       </p:sp>
       <p:sp>
         <p:nvSpPr>
-          <p:cNvPr id="76" name="CustomShape 4"/>
+          <p:cNvPr id="73" name="CustomShape 4"/>
           <p:cNvSpPr/>
           <p:nvPr/>
         </p:nvSpPr>
         <p:spPr>
           <a:xfrm>
             <a:off x="609480" y="990720"/>
-            <a:ext cx="7238520" cy="1004040"/>
+            <a:ext cx="7238160" cy="1003680"/>
           </a:xfrm>
           <a:prstGeom prst="rect">
             <a:avLst/>
@@ -7146,6 +6664,24 @@
                 <a:spcPct val="100000"/>
               </a:lnSpc>
             </a:pPr>
+            <a:endParaRPr b="0" lang="en-US" sz="1800" spc="-1" strike="noStrike">
+              <a:solidFill>
+                <a:srgbClr val="000000"/>
+              </a:solidFill>
+              <a:uFill>
+                <a:solidFill>
+                  <a:srgbClr val="ffffff"/>
+                </a:solidFill>
+              </a:uFill>
+              <a:latin typeface="Arial"/>
+            </a:endParaRPr>
+          </a:p>
+          <a:p>
+            <a:pPr>
+              <a:lnSpc>
+                <a:spcPct val="100000"/>
+              </a:lnSpc>
+            </a:pPr>
             <a:r>
               <a:rPr b="1" lang="en-US" sz="1800" spc="-1" strike="noStrike">
                 <a:solidFill>
@@ -7157,6 +6693,7 @@
                   </a:solidFill>
                 </a:uFill>
                 <a:latin typeface="Calibri"/>
+                <a:ea typeface="DejaVu Sans"/>
               </a:rPr>
               <a:t>Visualization:</a:t>
             </a:r>
@@ -7189,6 +6726,7 @@
                   </a:solidFill>
                 </a:uFill>
                 <a:latin typeface="Calibri"/>
+                <a:ea typeface="DejaVu Sans"/>
               </a:rPr>
               <a:t>Figure shows different desired soft skills for data scientist in the cities of interest. It is interesting to find that San Diego had a huge emphasis on management skill while San Jose is the only city that focused on social skill. </a:t>
             </a:r>
@@ -7208,14 +6746,14 @@
       </p:sp>
       <p:sp>
         <p:nvSpPr>
-          <p:cNvPr id="77" name="CustomShape 5"/>
+          <p:cNvPr id="74" name="CustomShape 5"/>
           <p:cNvSpPr/>
           <p:nvPr/>
         </p:nvSpPr>
         <p:spPr>
           <a:xfrm>
             <a:off x="155520" y="-3070080"/>
-            <a:ext cx="6400440" cy="6400440"/>
+            <a:ext cx="6400080" cy="6400080"/>
           </a:xfrm>
           <a:prstGeom prst="rect">
             <a:avLst/>
@@ -7234,14 +6772,14 @@
       </p:sp>
       <p:sp>
         <p:nvSpPr>
-          <p:cNvPr id="78" name="CustomShape 6"/>
+          <p:cNvPr id="75" name="CustomShape 6"/>
           <p:cNvSpPr/>
           <p:nvPr/>
         </p:nvSpPr>
         <p:spPr>
           <a:xfrm>
             <a:off x="307800" y="-2917800"/>
-            <a:ext cx="6400440" cy="6400440"/>
+            <a:ext cx="6400080" cy="6400080"/>
           </a:xfrm>
           <a:prstGeom prst="rect">
             <a:avLst/>
@@ -7260,14 +6798,14 @@
       </p:sp>
       <p:sp>
         <p:nvSpPr>
-          <p:cNvPr id="79" name="CustomShape 7"/>
+          <p:cNvPr id="76" name="CustomShape 7"/>
           <p:cNvSpPr/>
           <p:nvPr/>
         </p:nvSpPr>
         <p:spPr>
           <a:xfrm>
             <a:off x="460440" y="-2765520"/>
-            <a:ext cx="6400440" cy="6400440"/>
+            <a:ext cx="6400080" cy="6400080"/>
           </a:xfrm>
           <a:prstGeom prst="rect">
             <a:avLst/>
@@ -7286,18 +6824,19 @@
       </p:sp>
       <p:pic>
         <p:nvPicPr>
-          <p:cNvPr id="80" name="Picture 2" descr=""/>
+          <p:cNvPr id="77" name="Picture 2" descr=""/>
           <p:cNvPicPr/>
           <p:nvPr/>
         </p:nvPicPr>
         <p:blipFill>
-          <a:blip r:embed="rId2"/>
+          <a:blip r:embed="rId1"/>
+          <a:srcRect l="0" t="0" r="10941" b="0"/>
           <a:stretch/>
         </p:blipFill>
         <p:spPr>
           <a:xfrm>
-            <a:off x="743760" y="1996200"/>
-            <a:ext cx="6865560" cy="4256640"/>
+            <a:off x="1371600" y="2286000"/>
+            <a:ext cx="5610600" cy="3906000"/>
           </a:xfrm>
           <a:prstGeom prst="rect">
             <a:avLst/>
@@ -7309,22 +6848,39 @@
       </p:pic>
     </p:spTree>
   </p:cSld>
+  <p:timing>
+    <p:tnLst>
+      <p:par>
+        <p:cTn id="15" dur="indefinite" restart="never" nodeType="tmRoot">
+          <p:childTnLst>
+            <p:seq>
+              <p:cTn id="16" nodeType="mainSeq"/>
+              <p:prevCondLst>
+                <p:cond delay="0" evt="onPrev">
+                  <p:tgtEl>
+                    <p:sldTgt/>
+                  </p:tgtEl>
+                </p:cond>
+              </p:prevCondLst>
+              <p:nextCondLst>
+                <p:cond delay="0" evt="onNext">
+                  <p:tgtEl>
+                    <p:sldTgt/>
+                  </p:tgtEl>
+                </p:cond>
+              </p:nextCondLst>
+            </p:seq>
+          </p:childTnLst>
+        </p:cTn>
+      </p:par>
+    </p:tnLst>
+  </p:timing>
 </p:sld>
 </file>
 
 <file path=ppt/slides/slide9.xml><?xml version="1.0" encoding="utf-8"?>
 <p:sld xmlns:a="http://schemas.openxmlformats.org/drawingml/2006/main" xmlns:p="http://schemas.openxmlformats.org/presentationml/2006/main" xmlns:r="http://schemas.openxmlformats.org/officeDocument/2006/relationships" xmlns:p14="http://schemas.microsoft.com/office/powerpoint/2010/main" xmlns:p15="http://schemas.microsoft.com/office/powerpoint/2012/main" xmlns:mc="http://schemas.openxmlformats.org/markup-compatibility/2006">
   <p:cSld>
-    <p:bg>
-      <p:bgPr>
-        <a:blipFill>
-          <a:blip r:embed="rId1"/>
-          <a:stretch>
-            <a:fillRect/>
-          </a:stretch>
-        </a:blipFill>
-      </p:bgPr>
-    </p:bg>
     <p:spTree>
       <p:nvGrpSpPr>
         <p:cNvPr id="1" name=""/>
@@ -7341,14 +6897,14 @@
       </p:grpSpPr>
       <p:sp>
         <p:nvSpPr>
-          <p:cNvPr id="81" name="TextShape 1"/>
-          <p:cNvSpPr txBox="1"/>
+          <p:cNvPr id="78" name="CustomShape 1"/>
+          <p:cNvSpPr/>
           <p:nvPr/>
         </p:nvSpPr>
         <p:spPr>
           <a:xfrm>
             <a:off x="609480" y="380880"/>
-            <a:ext cx="7772040" cy="761760"/>
+            <a:ext cx="7771680" cy="761400"/>
           </a:xfrm>
           <a:prstGeom prst="rect">
             <a:avLst/>
@@ -7358,110 +6914,112 @@
             <a:noFill/>
           </a:ln>
         </p:spPr>
+        <p:style>
+          <a:lnRef idx="0"/>
+          <a:fillRef idx="0"/>
+          <a:effectRef idx="0"/>
+          <a:fontRef idx="minor"/>
+        </p:style>
         <p:txBody>
-          <a:bodyPr anchor="ctr"/>
+          <a:bodyPr lIns="90000" rIns="90000" tIns="45000" bIns="45000" anchor="ctr"/>
+          <a:p>
+            <a:r>
+              <a:rPr b="0" lang="en-US" sz="2200" spc="-1" strike="noStrike">
+                <a:solidFill>
+                  <a:srgbClr val="000000"/>
+                </a:solidFill>
+                <a:uFill>
+                  <a:solidFill>
+                    <a:srgbClr val="ffffff"/>
+                  </a:solidFill>
+                </a:uFill>
+                <a:latin typeface="Calibri"/>
+              </a:rPr>
+              <a:t>Data 607, Fall 2017</a:t>
+            </a:r>
+            <a:endParaRPr b="0" lang="en-US" sz="1800" spc="-1" strike="noStrike">
+              <a:solidFill>
+                <a:srgbClr val="000000"/>
+              </a:solidFill>
+              <a:uFill>
+                <a:solidFill>
+                  <a:srgbClr val="ffffff"/>
+                </a:solidFill>
+              </a:uFill>
+              <a:latin typeface="Arial"/>
+            </a:endParaRPr>
+          </a:p>
+          <a:p>
+            <a:r>
+              <a:rPr b="1" lang="en-US" sz="2800" spc="-1" strike="noStrike">
+                <a:solidFill>
+                  <a:srgbClr val="c00000"/>
+                </a:solidFill>
+                <a:uFill>
+                  <a:solidFill>
+                    <a:srgbClr val="ffffff"/>
+                  </a:solidFill>
+                </a:uFill>
+                <a:latin typeface="Calibri"/>
+              </a:rPr>
+              <a:t>Project 3 - </a:t>
+            </a:r>
+            <a:r>
+              <a:rPr b="1" lang="en-US" sz="2400" spc="-1" strike="noStrike">
+                <a:solidFill>
+                  <a:srgbClr val="c00000"/>
+                </a:solidFill>
+                <a:uFill>
+                  <a:solidFill>
+                    <a:srgbClr val="ffffff"/>
+                  </a:solidFill>
+                </a:uFill>
+                <a:latin typeface="Calibri"/>
+              </a:rPr>
+              <a:t>Most Valued Data Science Skills </a:t>
+            </a:r>
+            <a:endParaRPr b="0" lang="en-US" sz="1800" spc="-1" strike="noStrike">
+              <a:solidFill>
+                <a:srgbClr val="000000"/>
+              </a:solidFill>
+              <a:uFill>
+                <a:solidFill>
+                  <a:srgbClr val="ffffff"/>
+                </a:solidFill>
+              </a:uFill>
+              <a:latin typeface="Arial"/>
+            </a:endParaRPr>
+          </a:p>
           <a:p>
             <a:pPr>
               <a:lnSpc>
                 <a:spcPct val="100000"/>
               </a:lnSpc>
             </a:pPr>
-            <a:r>
-              <a:rPr b="0" lang="en-US" sz="2200" spc="-1" strike="noStrike">
-                <a:solidFill>
-                  <a:srgbClr val="000000"/>
-                </a:solidFill>
-                <a:uFill>
-                  <a:solidFill>
-                    <a:srgbClr val="ffffff"/>
-                  </a:solidFill>
-                </a:uFill>
-                <a:latin typeface="Calibri"/>
-              </a:rPr>
-              <a:t>Data 607, Fall 2017</a:t>
-            </a:r>
-            <a:r>
-              <a:rPr b="0" lang="en-US" sz="2200" spc="-1" strike="noStrike">
-                <a:solidFill>
-                  <a:srgbClr val="000000"/>
-                </a:solidFill>
-                <a:uFill>
-                  <a:solidFill>
-                    <a:srgbClr val="ffffff"/>
-                  </a:solidFill>
-                </a:uFill>
-                <a:latin typeface="Calibri"/>
-              </a:rPr>
-              <a:t>
-</a:t>
-            </a:r>
-            <a:r>
-              <a:rPr b="1" lang="en-US" sz="2800" spc="-1" strike="noStrike">
-                <a:solidFill>
-                  <a:srgbClr val="c00000"/>
-                </a:solidFill>
-                <a:uFill>
-                  <a:solidFill>
-                    <a:srgbClr val="ffffff"/>
-                  </a:solidFill>
-                </a:uFill>
-                <a:latin typeface="Calibri"/>
-              </a:rPr>
-              <a:t>Project 3 - </a:t>
-            </a:r>
-            <a:r>
-              <a:rPr b="1" lang="en-US" sz="2400" spc="-1" strike="noStrike">
-                <a:solidFill>
-                  <a:srgbClr val="c00000"/>
-                </a:solidFill>
-                <a:uFill>
-                  <a:solidFill>
-                    <a:srgbClr val="ffffff"/>
-                  </a:solidFill>
-                </a:uFill>
-                <a:latin typeface="Calibri"/>
-              </a:rPr>
-              <a:t>Most Valued Data Science Skills </a:t>
-            </a:r>
-            <a:r>
-              <a:rPr b="1" lang="en-US" sz="2800" spc="-1" strike="noStrike">
-                <a:solidFill>
-                  <a:srgbClr val="000000"/>
-                </a:solidFill>
-                <a:uFill>
-                  <a:solidFill>
-                    <a:srgbClr val="ffffff"/>
-                  </a:solidFill>
-                </a:uFill>
-                <a:latin typeface="Calibri"/>
-              </a:rPr>
-              <a:t>
-</a:t>
-            </a:r>
-            <a:endParaRPr b="0" lang="en-US" sz="1800" spc="-1" strike="noStrike">
-              <a:solidFill>
-                <a:srgbClr val="000000"/>
-              </a:solidFill>
-              <a:uFill>
-                <a:solidFill>
-                  <a:srgbClr val="ffffff"/>
-                </a:solidFill>
-              </a:uFill>
-              <a:latin typeface="Calibri"/>
+            <a:endParaRPr b="0" lang="en-US" sz="1800" spc="-1" strike="noStrike">
+              <a:solidFill>
+                <a:srgbClr val="000000"/>
+              </a:solidFill>
+              <a:uFill>
+                <a:solidFill>
+                  <a:srgbClr val="ffffff"/>
+                </a:solidFill>
+              </a:uFill>
+              <a:latin typeface="Arial"/>
             </a:endParaRPr>
           </a:p>
         </p:txBody>
       </p:sp>
       <p:sp>
         <p:nvSpPr>
-          <p:cNvPr id="82" name="TextShape 2"/>
-          <p:cNvSpPr txBox="1"/>
+          <p:cNvPr id="79" name="CustomShape 2"/>
+          <p:cNvSpPr/>
           <p:nvPr/>
         </p:nvSpPr>
         <p:spPr>
           <a:xfrm>
             <a:off x="2438280" y="6019920"/>
-            <a:ext cx="6400440" cy="599040"/>
+            <a:ext cx="6400080" cy="598680"/>
           </a:xfrm>
           <a:prstGeom prst="rect">
             <a:avLst/>
@@ -7471,8 +7029,14 @@
             <a:noFill/>
           </a:ln>
         </p:spPr>
+        <p:style>
+          <a:lnRef idx="0"/>
+          <a:fillRef idx="0"/>
+          <a:effectRef idx="0"/>
+          <a:fontRef idx="minor"/>
+        </p:style>
         <p:txBody>
-          <a:bodyPr/>
+          <a:bodyPr lIns="90000" rIns="90000" tIns="45000" bIns="45000"/>
           <a:p>
             <a:pPr algn="r">
               <a:lnSpc>
@@ -7493,7 +7057,7 @@
               </a:rPr>
               <a:t>Group 7</a:t>
             </a:r>
-            <a:endParaRPr b="0" lang="en-US" sz="3200" spc="-1" strike="noStrike">
+            <a:endParaRPr b="0" lang="en-US" sz="1800" spc="-1" strike="noStrike">
               <a:solidFill>
                 <a:srgbClr val="000000"/>
               </a:solidFill>
@@ -7525,7 +7089,7 @@
               </a:rPr>
               <a:t>Albina Gallyavova, John Grando, Mehdi Khan, Olga Fornicheva, Yijian Lu,</a:t>
             </a:r>
-            <a:endParaRPr b="0" lang="en-US" sz="3200" spc="-1" strike="noStrike">
+            <a:endParaRPr b="0" lang="en-US" sz="1800" spc="-1" strike="noStrike">
               <a:solidFill>
                 <a:srgbClr val="000000"/>
               </a:solidFill>
@@ -7543,7 +7107,7 @@
                 <a:spcPct val="100000"/>
               </a:lnSpc>
             </a:pPr>
-            <a:endParaRPr b="0" lang="en-US" sz="3200" spc="-1" strike="noStrike">
+            <a:endParaRPr b="0" lang="en-US" sz="1800" spc="-1" strike="noStrike">
               <a:solidFill>
                 <a:srgbClr val="000000"/>
               </a:solidFill>
@@ -7559,13 +7123,13 @@
       </p:sp>
       <p:sp>
         <p:nvSpPr>
-          <p:cNvPr id="83" name="Line 3"/>
+          <p:cNvPr id="80" name="Line 3"/>
           <p:cNvSpPr/>
           <p:nvPr/>
         </p:nvSpPr>
         <p:spPr>
           <a:xfrm>
-            <a:off x="685800" y="914400"/>
+            <a:off x="685800" y="1188720"/>
             <a:ext cx="8001000" cy="360"/>
           </a:xfrm>
           <a:prstGeom prst="line">
@@ -7593,14 +7157,14 @@
       </p:sp>
       <p:sp>
         <p:nvSpPr>
-          <p:cNvPr id="84" name="CustomShape 4"/>
+          <p:cNvPr id="81" name="CustomShape 4"/>
           <p:cNvSpPr/>
           <p:nvPr/>
         </p:nvSpPr>
         <p:spPr>
           <a:xfrm>
             <a:off x="609480" y="990720"/>
-            <a:ext cx="7238520" cy="790920"/>
+            <a:ext cx="7238160" cy="790560"/>
           </a:xfrm>
           <a:prstGeom prst="rect">
             <a:avLst/>
@@ -7624,6 +7188,24 @@
                 <a:spcPct val="100000"/>
               </a:lnSpc>
             </a:pPr>
+            <a:endParaRPr b="0" lang="en-US" sz="1800" spc="-1" strike="noStrike">
+              <a:solidFill>
+                <a:srgbClr val="000000"/>
+              </a:solidFill>
+              <a:uFill>
+                <a:solidFill>
+                  <a:srgbClr val="ffffff"/>
+                </a:solidFill>
+              </a:uFill>
+              <a:latin typeface="Arial"/>
+            </a:endParaRPr>
+          </a:p>
+          <a:p>
+            <a:pPr>
+              <a:lnSpc>
+                <a:spcPct val="100000"/>
+              </a:lnSpc>
+            </a:pPr>
             <a:r>
               <a:rPr b="1" lang="en-US" sz="1800" spc="-1" strike="noStrike">
                 <a:solidFill>
@@ -7635,6 +7217,7 @@
                   </a:solidFill>
                 </a:uFill>
                 <a:latin typeface="Calibri"/>
+                <a:ea typeface="DejaVu Sans"/>
               </a:rPr>
               <a:t>Visualization:</a:t>
             </a:r>
@@ -7667,6 +7250,7 @@
                   </a:solidFill>
                 </a:uFill>
                 <a:latin typeface="Calibri"/>
+                <a:ea typeface="DejaVu Sans"/>
               </a:rPr>
               <a:t>'machine learning', 'r' and 'python' are the winners for most sought after technical skills for data scientist as depicted in the figure. </a:t>
             </a:r>
@@ -7686,14 +7270,14 @@
       </p:sp>
       <p:sp>
         <p:nvSpPr>
-          <p:cNvPr id="85" name="CustomShape 5"/>
+          <p:cNvPr id="82" name="CustomShape 5"/>
           <p:cNvSpPr/>
           <p:nvPr/>
         </p:nvSpPr>
         <p:spPr>
           <a:xfrm>
             <a:off x="155520" y="-3070080"/>
-            <a:ext cx="6400440" cy="6400440"/>
+            <a:ext cx="6400080" cy="6400080"/>
           </a:xfrm>
           <a:prstGeom prst="rect">
             <a:avLst/>
@@ -7712,14 +7296,14 @@
       </p:sp>
       <p:sp>
         <p:nvSpPr>
-          <p:cNvPr id="86" name="CustomShape 6"/>
+          <p:cNvPr id="83" name="CustomShape 6"/>
           <p:cNvSpPr/>
           <p:nvPr/>
         </p:nvSpPr>
         <p:spPr>
           <a:xfrm>
             <a:off x="307800" y="-2917800"/>
-            <a:ext cx="6400440" cy="6400440"/>
+            <a:ext cx="6400080" cy="6400080"/>
           </a:xfrm>
           <a:prstGeom prst="rect">
             <a:avLst/>
@@ -7738,14 +7322,14 @@
       </p:sp>
       <p:sp>
         <p:nvSpPr>
-          <p:cNvPr id="87" name="CustomShape 7"/>
+          <p:cNvPr id="84" name="CustomShape 7"/>
           <p:cNvSpPr/>
           <p:nvPr/>
         </p:nvSpPr>
         <p:spPr>
           <a:xfrm>
             <a:off x="460440" y="-2765520"/>
-            <a:ext cx="6400440" cy="6400440"/>
+            <a:ext cx="6400080" cy="6400080"/>
           </a:xfrm>
           <a:prstGeom prst="rect">
             <a:avLst/>
@@ -7764,18 +7348,18 @@
       </p:sp>
       <p:pic>
         <p:nvPicPr>
-          <p:cNvPr id="88" name="Picture 2" descr=""/>
+          <p:cNvPr id="85" name="Picture 2" descr=""/>
           <p:cNvPicPr/>
           <p:nvPr/>
         </p:nvPicPr>
         <p:blipFill>
-          <a:blip r:embed="rId2"/>
+          <a:blip r:embed="rId1"/>
           <a:stretch/>
         </p:blipFill>
         <p:spPr>
           <a:xfrm>
-            <a:off x="1143000" y="1923840"/>
-            <a:ext cx="6114240" cy="4288680"/>
+            <a:off x="1234440" y="2081160"/>
+            <a:ext cx="5897880" cy="4136760"/>
           </a:xfrm>
           <a:prstGeom prst="rect">
             <a:avLst/>
@@ -7787,6 +7371,33 @@
       </p:pic>
     </p:spTree>
   </p:cSld>
+  <p:timing>
+    <p:tnLst>
+      <p:par>
+        <p:cTn id="17" dur="indefinite" restart="never" nodeType="tmRoot">
+          <p:childTnLst>
+            <p:seq>
+              <p:cTn id="18" nodeType="mainSeq"/>
+              <p:prevCondLst>
+                <p:cond delay="0" evt="onPrev">
+                  <p:tgtEl>
+                    <p:sldTgt/>
+                  </p:tgtEl>
+                </p:cond>
+              </p:prevCondLst>
+              <p:nextCondLst>
+                <p:cond delay="0" evt="onNext">
+                  <p:tgtEl>
+                    <p:sldTgt/>
+                  </p:tgtEl>
+                </p:cond>
+              </p:nextCondLst>
+            </p:seq>
+          </p:childTnLst>
+        </p:cTn>
+      </p:par>
+    </p:tnLst>
+  </p:timing>
 </p:sld>
 </file>
 

--- a/project3.pptx
+++ b/project3.pptx
@@ -73,7 +73,7 @@
         <p:spPr>
           <a:xfrm>
             <a:off x="685800" y="2130480"/>
-            <a:ext cx="7771680" cy="1469160"/>
+            <a:ext cx="7771320" cy="1468800"/>
           </a:xfrm>
           <a:prstGeom prst="rect">
             <a:avLst/>
@@ -110,7 +110,7 @@
         <p:spPr>
           <a:xfrm>
             <a:off x="457200" y="1604520"/>
-            <a:ext cx="8229240" cy="1896840"/>
+            <a:ext cx="8228880" cy="1896840"/>
           </a:xfrm>
           <a:prstGeom prst="rect">
             <a:avLst/>
@@ -146,7 +146,7 @@
         <p:spPr>
           <a:xfrm>
             <a:off x="457200" y="3682080"/>
-            <a:ext cx="8229240" cy="1896840"/>
+            <a:ext cx="8228880" cy="1896840"/>
           </a:xfrm>
           <a:prstGeom prst="rect">
             <a:avLst/>
@@ -204,7 +204,7 @@
         <p:spPr>
           <a:xfrm>
             <a:off x="685800" y="2130480"/>
-            <a:ext cx="7771680" cy="1469160"/>
+            <a:ext cx="7771320" cy="1468800"/>
           </a:xfrm>
           <a:prstGeom prst="rect">
             <a:avLst/>
@@ -241,7 +241,7 @@
         <p:spPr>
           <a:xfrm>
             <a:off x="457200" y="1604520"/>
-            <a:ext cx="4015800" cy="1896840"/>
+            <a:ext cx="4015440" cy="1896840"/>
           </a:xfrm>
           <a:prstGeom prst="rect">
             <a:avLst/>
@@ -276,8 +276,8 @@
         </p:nvSpPr>
         <p:spPr>
           <a:xfrm>
-            <a:off x="4674240" y="1604520"/>
-            <a:ext cx="4015800" cy="1896840"/>
+            <a:off x="4673880" y="1604520"/>
+            <a:ext cx="4015440" cy="1896840"/>
           </a:xfrm>
           <a:prstGeom prst="rect">
             <a:avLst/>
@@ -312,8 +312,8 @@
         </p:nvSpPr>
         <p:spPr>
           <a:xfrm>
-            <a:off x="4674240" y="3682080"/>
-            <a:ext cx="4015800" cy="1896840"/>
+            <a:off x="4673880" y="3682080"/>
+            <a:ext cx="4015440" cy="1896840"/>
           </a:xfrm>
           <a:prstGeom prst="rect">
             <a:avLst/>
@@ -349,7 +349,7 @@
         <p:spPr>
           <a:xfrm>
             <a:off x="457200" y="3682080"/>
-            <a:ext cx="4015800" cy="1896840"/>
+            <a:ext cx="4015440" cy="1896840"/>
           </a:xfrm>
           <a:prstGeom prst="rect">
             <a:avLst/>
@@ -407,7 +407,7 @@
         <p:spPr>
           <a:xfrm>
             <a:off x="685800" y="2130480"/>
-            <a:ext cx="7771680" cy="1469160"/>
+            <a:ext cx="7771320" cy="1468800"/>
           </a:xfrm>
           <a:prstGeom prst="rect">
             <a:avLst/>
@@ -444,7 +444,7 @@
         <p:spPr>
           <a:xfrm>
             <a:off x="457200" y="1604520"/>
-            <a:ext cx="8229240" cy="3977280"/>
+            <a:ext cx="8228880" cy="3976920"/>
           </a:xfrm>
           <a:prstGeom prst="rect">
             <a:avLst/>
@@ -480,7 +480,7 @@
         <p:spPr>
           <a:xfrm>
             <a:off x="457200" y="1604520"/>
-            <a:ext cx="8229240" cy="3977280"/>
+            <a:ext cx="8228880" cy="3976920"/>
           </a:xfrm>
           <a:prstGeom prst="rect">
             <a:avLst/>
@@ -515,8 +515,8 @@
         </p:blipFill>
         <p:spPr>
           <a:xfrm>
-            <a:off x="2079000" y="1604520"/>
-            <a:ext cx="4984920" cy="3977280"/>
+            <a:off x="2079360" y="1604160"/>
+            <a:ext cx="4984200" cy="3976920"/>
           </a:xfrm>
           <a:prstGeom prst="rect">
             <a:avLst/>
@@ -538,8 +538,8 @@
         </p:blipFill>
         <p:spPr>
           <a:xfrm>
-            <a:off x="2079000" y="1604520"/>
-            <a:ext cx="4984920" cy="3977280"/>
+            <a:off x="2079360" y="1604160"/>
+            <a:ext cx="4984200" cy="3976920"/>
           </a:xfrm>
           <a:prstGeom prst="rect">
             <a:avLst/>
@@ -584,7 +584,7 @@
         <p:spPr>
           <a:xfrm>
             <a:off x="685800" y="2130480"/>
-            <a:ext cx="7771680" cy="1469160"/>
+            <a:ext cx="7771320" cy="1468800"/>
           </a:xfrm>
           <a:prstGeom prst="rect">
             <a:avLst/>
@@ -621,7 +621,7 @@
         <p:spPr>
           <a:xfrm>
             <a:off x="457200" y="1604520"/>
-            <a:ext cx="8229240" cy="3977280"/>
+            <a:ext cx="8228880" cy="3976920"/>
           </a:xfrm>
           <a:prstGeom prst="rect">
             <a:avLst/>
@@ -680,7 +680,7 @@
         <p:spPr>
           <a:xfrm>
             <a:off x="685800" y="2130480"/>
-            <a:ext cx="7771680" cy="1469160"/>
+            <a:ext cx="7771320" cy="1468800"/>
           </a:xfrm>
           <a:prstGeom prst="rect">
             <a:avLst/>
@@ -717,7 +717,7 @@
         <p:spPr>
           <a:xfrm>
             <a:off x="457200" y="1604520"/>
-            <a:ext cx="8229240" cy="3977280"/>
+            <a:ext cx="8228880" cy="3976920"/>
           </a:xfrm>
           <a:prstGeom prst="rect">
             <a:avLst/>
@@ -775,7 +775,7 @@
         <p:spPr>
           <a:xfrm>
             <a:off x="685800" y="2130480"/>
-            <a:ext cx="7771680" cy="1469160"/>
+            <a:ext cx="7771320" cy="1468800"/>
           </a:xfrm>
           <a:prstGeom prst="rect">
             <a:avLst/>
@@ -812,7 +812,7 @@
         <p:spPr>
           <a:xfrm>
             <a:off x="457200" y="1604520"/>
-            <a:ext cx="4015800" cy="3977280"/>
+            <a:ext cx="4015440" cy="3976920"/>
           </a:xfrm>
           <a:prstGeom prst="rect">
             <a:avLst/>
@@ -847,8 +847,8 @@
         </p:nvSpPr>
         <p:spPr>
           <a:xfrm>
-            <a:off x="4674240" y="1604520"/>
-            <a:ext cx="4015800" cy="3977280"/>
+            <a:off x="4673880" y="1604520"/>
+            <a:ext cx="4015440" cy="3976920"/>
           </a:xfrm>
           <a:prstGeom prst="rect">
             <a:avLst/>
@@ -906,7 +906,7 @@
         <p:spPr>
           <a:xfrm>
             <a:off x="685800" y="2130480"/>
-            <a:ext cx="7771680" cy="1469160"/>
+            <a:ext cx="7771320" cy="1468800"/>
           </a:xfrm>
           <a:prstGeom prst="rect">
             <a:avLst/>
@@ -965,7 +965,7 @@
         <p:spPr>
           <a:xfrm>
             <a:off x="685800" y="2130480"/>
-            <a:ext cx="7771680" cy="6811560"/>
+            <a:ext cx="7771320" cy="6809760"/>
           </a:xfrm>
           <a:prstGeom prst="rect">
             <a:avLst/>
@@ -1024,7 +1024,7 @@
         <p:spPr>
           <a:xfrm>
             <a:off x="685800" y="2130480"/>
-            <a:ext cx="7771680" cy="1469160"/>
+            <a:ext cx="7771320" cy="1468800"/>
           </a:xfrm>
           <a:prstGeom prst="rect">
             <a:avLst/>
@@ -1061,7 +1061,7 @@
         <p:spPr>
           <a:xfrm>
             <a:off x="457200" y="1604520"/>
-            <a:ext cx="4015800" cy="1896840"/>
+            <a:ext cx="4015440" cy="1896840"/>
           </a:xfrm>
           <a:prstGeom prst="rect">
             <a:avLst/>
@@ -1097,7 +1097,7 @@
         <p:spPr>
           <a:xfrm>
             <a:off x="457200" y="3682080"/>
-            <a:ext cx="4015800" cy="1896840"/>
+            <a:ext cx="4015440" cy="1896840"/>
           </a:xfrm>
           <a:prstGeom prst="rect">
             <a:avLst/>
@@ -1132,8 +1132,8 @@
         </p:nvSpPr>
         <p:spPr>
           <a:xfrm>
-            <a:off x="4674240" y="1604520"/>
-            <a:ext cx="4015800" cy="3977280"/>
+            <a:off x="4673880" y="1604520"/>
+            <a:ext cx="4015440" cy="3976920"/>
           </a:xfrm>
           <a:prstGeom prst="rect">
             <a:avLst/>
@@ -1191,7 +1191,7 @@
         <p:spPr>
           <a:xfrm>
             <a:off x="685800" y="2130480"/>
-            <a:ext cx="7771680" cy="1469160"/>
+            <a:ext cx="7771320" cy="1468800"/>
           </a:xfrm>
           <a:prstGeom prst="rect">
             <a:avLst/>
@@ -1228,7 +1228,7 @@
         <p:spPr>
           <a:xfrm>
             <a:off x="457200" y="1604520"/>
-            <a:ext cx="4015800" cy="3977280"/>
+            <a:ext cx="4015440" cy="3976920"/>
           </a:xfrm>
           <a:prstGeom prst="rect">
             <a:avLst/>
@@ -1263,8 +1263,8 @@
         </p:nvSpPr>
         <p:spPr>
           <a:xfrm>
-            <a:off x="4674240" y="1604520"/>
-            <a:ext cx="4015800" cy="1896840"/>
+            <a:off x="4673880" y="1604520"/>
+            <a:ext cx="4015440" cy="1896840"/>
           </a:xfrm>
           <a:prstGeom prst="rect">
             <a:avLst/>
@@ -1299,8 +1299,8 @@
         </p:nvSpPr>
         <p:spPr>
           <a:xfrm>
-            <a:off x="4674240" y="3682080"/>
-            <a:ext cx="4015800" cy="1896840"/>
+            <a:off x="4673880" y="3682080"/>
+            <a:ext cx="4015440" cy="1896840"/>
           </a:xfrm>
           <a:prstGeom prst="rect">
             <a:avLst/>
@@ -1358,7 +1358,7 @@
         <p:spPr>
           <a:xfrm>
             <a:off x="685800" y="2130480"/>
-            <a:ext cx="7771680" cy="1469160"/>
+            <a:ext cx="7771320" cy="1468800"/>
           </a:xfrm>
           <a:prstGeom prst="rect">
             <a:avLst/>
@@ -1395,7 +1395,7 @@
         <p:spPr>
           <a:xfrm>
             <a:off x="457200" y="1604520"/>
-            <a:ext cx="4015800" cy="1896840"/>
+            <a:ext cx="4015440" cy="1896840"/>
           </a:xfrm>
           <a:prstGeom prst="rect">
             <a:avLst/>
@@ -1430,8 +1430,8 @@
         </p:nvSpPr>
         <p:spPr>
           <a:xfrm>
-            <a:off x="4674240" y="1604520"/>
-            <a:ext cx="4015800" cy="1896840"/>
+            <a:off x="4673880" y="1604520"/>
+            <a:ext cx="4015440" cy="1896840"/>
           </a:xfrm>
           <a:prstGeom prst="rect">
             <a:avLst/>
@@ -1467,7 +1467,7 @@
         <p:spPr>
           <a:xfrm>
             <a:off x="457200" y="3682080"/>
-            <a:ext cx="8229240" cy="1896840"/>
+            <a:ext cx="8228880" cy="1896840"/>
           </a:xfrm>
           <a:prstGeom prst="rect">
             <a:avLst/>
@@ -1535,7 +1535,7 @@
         <p:spPr>
           <a:xfrm>
             <a:off x="685800" y="2130480"/>
-            <a:ext cx="7771680" cy="1469160"/>
+            <a:ext cx="7771320" cy="1468800"/>
           </a:xfrm>
           <a:prstGeom prst="rect">
             <a:avLst/>
@@ -1572,7 +1572,7 @@
         <p:spPr>
           <a:xfrm>
             <a:off x="457200" y="1604520"/>
-            <a:ext cx="8229240" cy="3977280"/>
+            <a:ext cx="8228880" cy="3976920"/>
           </a:xfrm>
           <a:prstGeom prst="rect">
             <a:avLst/>
@@ -1590,7 +1590,7 @@
               <a:buChar char=""/>
             </a:pPr>
             <a:r>
-              <a:rPr b="0" lang="en-US" sz="3200" spc="-1" strike="noStrike">
+              <a:rPr b="0" lang="en-US" sz="1800" spc="-1" strike="noStrike">
                 <a:solidFill>
                   <a:srgbClr val="000000"/>
                 </a:solidFill>
@@ -1603,7 +1603,7 @@
               </a:rPr>
               <a:t>Click to edit the outline text format</a:t>
             </a:r>
-            <a:endParaRPr b="0" lang="en-US" sz="3200" spc="-1" strike="noStrike">
+            <a:endParaRPr b="0" lang="en-US" sz="1800" spc="-1" strike="noStrike">
               <a:solidFill>
                 <a:srgbClr val="000000"/>
               </a:solidFill>
@@ -1625,7 +1625,7 @@
               <a:buChar char=""/>
             </a:pPr>
             <a:r>
-              <a:rPr b="0" lang="en-US" sz="2800" spc="-1" strike="noStrike">
+              <a:rPr b="0" lang="en-US" sz="1800" spc="-1" strike="noStrike">
                 <a:solidFill>
                   <a:srgbClr val="000000"/>
                 </a:solidFill>
@@ -1638,7 +1638,7 @@
               </a:rPr>
               <a:t>Second Outline Level</a:t>
             </a:r>
-            <a:endParaRPr b="0" lang="en-US" sz="2800" spc="-1" strike="noStrike">
+            <a:endParaRPr b="0" lang="en-US" sz="1800" spc="-1" strike="noStrike">
               <a:solidFill>
                 <a:srgbClr val="000000"/>
               </a:solidFill>
@@ -1660,7 +1660,7 @@
               <a:buChar char=""/>
             </a:pPr>
             <a:r>
-              <a:rPr b="0" lang="en-US" sz="2400" spc="-1" strike="noStrike">
+              <a:rPr b="0" lang="en-US" sz="1800" spc="-1" strike="noStrike">
                 <a:solidFill>
                   <a:srgbClr val="000000"/>
                 </a:solidFill>
@@ -1673,7 +1673,7 @@
               </a:rPr>
               <a:t>Third Outline Level</a:t>
             </a:r>
-            <a:endParaRPr b="0" lang="en-US" sz="2400" spc="-1" strike="noStrike">
+            <a:endParaRPr b="0" lang="en-US" sz="1800" spc="-1" strike="noStrike">
               <a:solidFill>
                 <a:srgbClr val="000000"/>
               </a:solidFill>
@@ -1695,7 +1695,7 @@
               <a:buChar char=""/>
             </a:pPr>
             <a:r>
-              <a:rPr b="0" lang="en-US" sz="2000" spc="-1" strike="noStrike">
+              <a:rPr b="0" lang="en-US" sz="1800" spc="-1" strike="noStrike">
                 <a:solidFill>
                   <a:srgbClr val="000000"/>
                 </a:solidFill>
@@ -1708,7 +1708,7 @@
               </a:rPr>
               <a:t>Fourth Outline Level</a:t>
             </a:r>
-            <a:endParaRPr b="0" lang="en-US" sz="2000" spc="-1" strike="noStrike">
+            <a:endParaRPr b="0" lang="en-US" sz="1800" spc="-1" strike="noStrike">
               <a:solidFill>
                 <a:srgbClr val="000000"/>
               </a:solidFill>
@@ -1730,7 +1730,7 @@
               <a:buChar char=""/>
             </a:pPr>
             <a:r>
-              <a:rPr b="0" lang="en-US" sz="2000" spc="-1" strike="noStrike">
+              <a:rPr b="0" lang="en-US" sz="1800" spc="-1" strike="noStrike">
                 <a:solidFill>
                   <a:srgbClr val="000000"/>
                 </a:solidFill>
@@ -1743,7 +1743,7 @@
               </a:rPr>
               <a:t>Fifth Outline Level</a:t>
             </a:r>
-            <a:endParaRPr b="0" lang="en-US" sz="2000" spc="-1" strike="noStrike">
+            <a:endParaRPr b="0" lang="en-US" sz="1800" spc="-1" strike="noStrike">
               <a:solidFill>
                 <a:srgbClr val="000000"/>
               </a:solidFill>
@@ -1765,7 +1765,7 @@
               <a:buChar char=""/>
             </a:pPr>
             <a:r>
-              <a:rPr b="0" lang="en-US" sz="2000" spc="-1" strike="noStrike">
+              <a:rPr b="0" lang="en-US" sz="1800" spc="-1" strike="noStrike">
                 <a:solidFill>
                   <a:srgbClr val="000000"/>
                 </a:solidFill>
@@ -1778,7 +1778,7 @@
               </a:rPr>
               <a:t>Sixth Outline Level</a:t>
             </a:r>
-            <a:endParaRPr b="0" lang="en-US" sz="2000" spc="-1" strike="noStrike">
+            <a:endParaRPr b="0" lang="en-US" sz="1800" spc="-1" strike="noStrike">
               <a:solidFill>
                 <a:srgbClr val="000000"/>
               </a:solidFill>
@@ -1800,7 +1800,7 @@
               <a:buChar char=""/>
             </a:pPr>
             <a:r>
-              <a:rPr b="0" lang="en-US" sz="2000" spc="-1" strike="noStrike">
+              <a:rPr b="0" lang="en-US" sz="1800" spc="-1" strike="noStrike">
                 <a:solidFill>
                   <a:srgbClr val="000000"/>
                 </a:solidFill>
@@ -1813,7 +1813,7 @@
               </a:rPr>
               <a:t>Seventh Outline Level</a:t>
             </a:r>
-            <a:endParaRPr b="0" lang="en-US" sz="2000" spc="-1" strike="noStrike">
+            <a:endParaRPr b="0" lang="en-US" sz="1800" spc="-1" strike="noStrike">
               <a:solidFill>
                 <a:srgbClr val="000000"/>
               </a:solidFill>
@@ -1873,7 +1873,7 @@
         <p:spPr>
           <a:xfrm>
             <a:off x="685800" y="609480"/>
-            <a:ext cx="7771680" cy="1065960"/>
+            <a:ext cx="7771320" cy="1065600"/>
           </a:xfrm>
           <a:prstGeom prst="rect">
             <a:avLst/>
@@ -1903,6 +1903,7 @@
                   </a:solidFill>
                 </a:uFill>
                 <a:latin typeface="Calibri"/>
+                <a:ea typeface="DejaVu Sans"/>
               </a:rPr>
               <a:t>Data 607, Fall 2017</a:t>
             </a:r>
@@ -1930,6 +1931,7 @@
                   </a:solidFill>
                 </a:uFill>
                 <a:latin typeface="Calibri"/>
+                <a:ea typeface="DejaVu Sans"/>
               </a:rPr>
               <a:t>Project 3 - </a:t>
             </a:r>
@@ -1944,6 +1946,7 @@
                   </a:solidFill>
                 </a:uFill>
                 <a:latin typeface="Calibri"/>
+                <a:ea typeface="DejaVu Sans"/>
               </a:rPr>
               <a:t>Most Valued Data Science Skills </a:t>
             </a:r>
@@ -1988,7 +1991,7 @@
         <p:spPr>
           <a:xfrm>
             <a:off x="1371600" y="2514600"/>
-            <a:ext cx="6400080" cy="1751760"/>
+            <a:ext cx="6399720" cy="1751400"/>
           </a:xfrm>
           <a:prstGeom prst="rect">
             <a:avLst/>
@@ -2023,6 +2026,7 @@
                   </a:solidFill>
                 </a:uFill>
                 <a:latin typeface="Calibri"/>
+                <a:ea typeface="DejaVu Sans"/>
               </a:rPr>
               <a:t>Group 7</a:t>
             </a:r>
@@ -2349,7 +2353,7 @@
         <p:spPr>
           <a:xfrm>
             <a:off x="609480" y="380880"/>
-            <a:ext cx="7771680" cy="761400"/>
+            <a:ext cx="7771320" cy="761040"/>
           </a:xfrm>
           <a:prstGeom prst="rect">
             <a:avLst/>
@@ -2379,6 +2383,7 @@
                   </a:solidFill>
                 </a:uFill>
                 <a:latin typeface="Calibri"/>
+                <a:ea typeface="DejaVu Sans"/>
               </a:rPr>
               <a:t>Data 607, Fall 2017</a:t>
             </a:r>
@@ -2406,6 +2411,7 @@
                   </a:solidFill>
                 </a:uFill>
                 <a:latin typeface="Calibri"/>
+                <a:ea typeface="DejaVu Sans"/>
               </a:rPr>
               <a:t>Project 3 - </a:t>
             </a:r>
@@ -2420,6 +2426,7 @@
                   </a:solidFill>
                 </a:uFill>
                 <a:latin typeface="Calibri"/>
+                <a:ea typeface="DejaVu Sans"/>
               </a:rPr>
               <a:t>Most Valued Data Science Skills </a:t>
             </a:r>
@@ -2464,7 +2471,7 @@
         <p:spPr>
           <a:xfrm>
             <a:off x="2438280" y="6019920"/>
-            <a:ext cx="6400080" cy="598680"/>
+            <a:ext cx="6399720" cy="598320"/>
           </a:xfrm>
           <a:prstGeom prst="rect">
             <a:avLst/>
@@ -2499,6 +2506,7 @@
                   </a:solidFill>
                 </a:uFill>
                 <a:latin typeface="Calibri"/>
+                <a:ea typeface="DejaVu Sans"/>
               </a:rPr>
               <a:t>Group 7</a:t>
             </a:r>
@@ -2531,6 +2539,7 @@
                   </a:solidFill>
                 </a:uFill>
                 <a:latin typeface="Calibri"/>
+                <a:ea typeface="DejaVu Sans"/>
               </a:rPr>
               <a:t>Albina Gallyavova, John Grando, Mehdi Khan, Olga Fornicheva, Yijian Lu,</a:t>
             </a:r>
@@ -2609,7 +2618,7 @@
         <p:spPr>
           <a:xfrm>
             <a:off x="609480" y="990720"/>
-            <a:ext cx="7238160" cy="1216080"/>
+            <a:ext cx="7237800" cy="1215720"/>
           </a:xfrm>
           <a:prstGeom prst="rect">
             <a:avLst/>
@@ -2722,7 +2731,7 @@
         <p:spPr>
           <a:xfrm>
             <a:off x="155520" y="-3070080"/>
-            <a:ext cx="6400080" cy="6400080"/>
+            <a:ext cx="6399720" cy="6399720"/>
           </a:xfrm>
           <a:prstGeom prst="rect">
             <a:avLst/>
@@ -2748,7 +2757,7 @@
         <p:spPr>
           <a:xfrm>
             <a:off x="307800" y="-2917800"/>
-            <a:ext cx="6400080" cy="6400080"/>
+            <a:ext cx="6399720" cy="6399720"/>
           </a:xfrm>
           <a:prstGeom prst="rect">
             <a:avLst/>
@@ -2774,7 +2783,7 @@
         <p:spPr>
           <a:xfrm>
             <a:off x="460440" y="-2765520"/>
-            <a:ext cx="6400080" cy="6400080"/>
+            <a:ext cx="6399720" cy="6399720"/>
           </a:xfrm>
           <a:prstGeom prst="rect">
             <a:avLst/>
@@ -2804,7 +2813,7 @@
         <p:spPr>
           <a:xfrm>
             <a:off x="1554480" y="2483640"/>
-            <a:ext cx="5349240" cy="3734280"/>
+            <a:ext cx="5348880" cy="3733920"/>
           </a:xfrm>
           <a:prstGeom prst="rect">
             <a:avLst/>
@@ -2872,7 +2881,7 @@
         <p:spPr>
           <a:xfrm>
             <a:off x="609480" y="380880"/>
-            <a:ext cx="7771680" cy="761400"/>
+            <a:ext cx="7771320" cy="761040"/>
           </a:xfrm>
           <a:prstGeom prst="rect">
             <a:avLst/>
@@ -2902,6 +2911,7 @@
                   </a:solidFill>
                 </a:uFill>
                 <a:latin typeface="Calibri"/>
+                <a:ea typeface="DejaVu Sans"/>
               </a:rPr>
               <a:t>Data 607, Fall 2017</a:t>
             </a:r>
@@ -2929,6 +2939,7 @@
                   </a:solidFill>
                 </a:uFill>
                 <a:latin typeface="Calibri"/>
+                <a:ea typeface="DejaVu Sans"/>
               </a:rPr>
               <a:t>Project 3 - </a:t>
             </a:r>
@@ -2943,6 +2954,7 @@
                   </a:solidFill>
                 </a:uFill>
                 <a:latin typeface="Calibri"/>
+                <a:ea typeface="DejaVu Sans"/>
               </a:rPr>
               <a:t>Most Valued Data Science Skills </a:t>
             </a:r>
@@ -2987,7 +2999,7 @@
         <p:spPr>
           <a:xfrm>
             <a:off x="2438280" y="6019920"/>
-            <a:ext cx="6400080" cy="598680"/>
+            <a:ext cx="6399720" cy="598320"/>
           </a:xfrm>
           <a:prstGeom prst="rect">
             <a:avLst/>
@@ -3022,6 +3034,7 @@
                   </a:solidFill>
                 </a:uFill>
                 <a:latin typeface="Calibri"/>
+                <a:ea typeface="DejaVu Sans"/>
               </a:rPr>
               <a:t>Group 7</a:t>
             </a:r>
@@ -3054,6 +3067,7 @@
                   </a:solidFill>
                 </a:uFill>
                 <a:latin typeface="Calibri"/>
+                <a:ea typeface="DejaVu Sans"/>
               </a:rPr>
               <a:t>Albina Gallyavova, John Grando, Mehdi Khan, Olga Fornicheva, Yijian Lu,</a:t>
             </a:r>
@@ -3098,7 +3112,7 @@
         <p:spPr>
           <a:xfrm>
             <a:off x="665640" y="1173240"/>
-            <a:ext cx="4342680" cy="364320"/>
+            <a:ext cx="4342320" cy="363960"/>
           </a:xfrm>
           <a:prstGeom prst="rect">
             <a:avLst/>
@@ -3194,7 +3208,7 @@
         <p:spPr>
           <a:xfrm>
             <a:off x="668520" y="1447920"/>
-            <a:ext cx="7238160" cy="5386320"/>
+            <a:ext cx="7237800" cy="5385960"/>
           </a:xfrm>
           <a:prstGeom prst="rect">
             <a:avLst/>
@@ -3297,7 +3311,7 @@
             </a:endParaRPr>
           </a:p>
           <a:p>
-            <a:pPr marL="285840" indent="-285120">
+            <a:pPr marL="285840" indent="-284760">
               <a:lnSpc>
                 <a:spcPct val="100000"/>
               </a:lnSpc>
@@ -3335,7 +3349,7 @@
             </a:endParaRPr>
           </a:p>
           <a:p>
-            <a:pPr lvl="2" marL="648000" indent="-215640">
+            <a:pPr lvl="2" marL="648000" indent="-215280">
               <a:lnSpc>
                 <a:spcPct val="100000"/>
               </a:lnSpc>
@@ -3374,7 +3388,7 @@
             </a:endParaRPr>
           </a:p>
           <a:p>
-            <a:pPr lvl="2" marL="648000" indent="-215640">
+            <a:pPr lvl="2" marL="648000" indent="-215280">
               <a:lnSpc>
                 <a:spcPct val="100000"/>
               </a:lnSpc>
@@ -3413,7 +3427,7 @@
             </a:endParaRPr>
           </a:p>
           <a:p>
-            <a:pPr marL="285840" indent="-285120">
+            <a:pPr marL="285840" indent="-284760">
               <a:lnSpc>
                 <a:spcPct val="100000"/>
               </a:lnSpc>
@@ -3451,7 +3465,7 @@
             </a:endParaRPr>
           </a:p>
           <a:p>
-            <a:pPr marL="285840" indent="-285120">
+            <a:pPr marL="285840" indent="-284760">
               <a:lnSpc>
                 <a:spcPct val="100000"/>
               </a:lnSpc>
@@ -3489,7 +3503,7 @@
             </a:endParaRPr>
           </a:p>
           <a:p>
-            <a:pPr marL="285840" indent="-285120">
+            <a:pPr marL="285840" indent="-284760">
               <a:lnSpc>
                 <a:spcPct val="100000"/>
               </a:lnSpc>
@@ -3527,7 +3541,7 @@
             </a:endParaRPr>
           </a:p>
           <a:p>
-            <a:pPr marL="285840" indent="-285120">
+            <a:pPr marL="285840" indent="-284760">
               <a:lnSpc>
                 <a:spcPct val="100000"/>
               </a:lnSpc>
@@ -3565,7 +3579,7 @@
             </a:endParaRPr>
           </a:p>
           <a:p>
-            <a:pPr marL="285840" indent="-285120">
+            <a:pPr marL="285840" indent="-284760">
               <a:lnSpc>
                 <a:spcPct val="100000"/>
               </a:lnSpc>
@@ -3603,7 +3617,7 @@
             </a:endParaRPr>
           </a:p>
           <a:p>
-            <a:pPr lvl="2" marL="648000" indent="-215640">
+            <a:pPr lvl="2" marL="648000" indent="-215280">
               <a:lnSpc>
                 <a:spcPct val="100000"/>
               </a:lnSpc>
@@ -3642,7 +3656,7 @@
             </a:endParaRPr>
           </a:p>
           <a:p>
-            <a:pPr lvl="2" marL="648000" indent="-215640">
+            <a:pPr lvl="2" marL="648000" indent="-215280">
               <a:lnSpc>
                 <a:spcPct val="100000"/>
               </a:lnSpc>
@@ -3681,7 +3695,7 @@
             </a:endParaRPr>
           </a:p>
           <a:p>
-            <a:pPr lvl="3" marL="864000" indent="-215640">
+            <a:pPr lvl="2" marL="648000" indent="-215280">
               <a:lnSpc>
                 <a:spcPct val="100000"/>
               </a:lnSpc>
@@ -3797,7 +3811,7 @@
         <p:spPr>
           <a:xfrm>
             <a:off x="609480" y="380880"/>
-            <a:ext cx="7771680" cy="761400"/>
+            <a:ext cx="7771320" cy="761040"/>
           </a:xfrm>
           <a:prstGeom prst="rect">
             <a:avLst/>
@@ -3827,6 +3841,7 @@
                   </a:solidFill>
                 </a:uFill>
                 <a:latin typeface="Calibri"/>
+                <a:ea typeface="DejaVu Sans"/>
               </a:rPr>
               <a:t>Data 607, Fall 2017</a:t>
             </a:r>
@@ -3854,6 +3869,7 @@
                   </a:solidFill>
                 </a:uFill>
                 <a:latin typeface="Calibri"/>
+                <a:ea typeface="DejaVu Sans"/>
               </a:rPr>
               <a:t>Project 3 - </a:t>
             </a:r>
@@ -3868,6 +3884,7 @@
                   </a:solidFill>
                 </a:uFill>
                 <a:latin typeface="Calibri"/>
+                <a:ea typeface="DejaVu Sans"/>
               </a:rPr>
               <a:t>Most Valued Data Science Skills </a:t>
             </a:r>
@@ -3912,7 +3929,7 @@
         <p:spPr>
           <a:xfrm>
             <a:off x="2438280" y="6019920"/>
-            <a:ext cx="6400080" cy="598680"/>
+            <a:ext cx="6399720" cy="598320"/>
           </a:xfrm>
           <a:prstGeom prst="rect">
             <a:avLst/>
@@ -3947,6 +3964,7 @@
                   </a:solidFill>
                 </a:uFill>
                 <a:latin typeface="Calibri"/>
+                <a:ea typeface="DejaVu Sans"/>
               </a:rPr>
               <a:t>Group 7</a:t>
             </a:r>
@@ -3979,6 +3997,7 @@
                   </a:solidFill>
                 </a:uFill>
                 <a:latin typeface="Calibri"/>
+                <a:ea typeface="DejaVu Sans"/>
               </a:rPr>
               <a:t>Albina Gallyavova, John Grando, Mehdi Khan, Olga Fornicheva, Yijian Lu,</a:t>
             </a:r>
@@ -4057,7 +4076,7 @@
         <p:spPr>
           <a:xfrm>
             <a:off x="609480" y="1143000"/>
-            <a:ext cx="7238160" cy="4562640"/>
+            <a:ext cx="7237800" cy="4562280"/>
           </a:xfrm>
           <a:prstGeom prst="rect">
             <a:avLst/>
@@ -4160,7 +4179,7 @@
             </a:endParaRPr>
           </a:p>
           <a:p>
-            <a:pPr marL="285840" indent="-285120">
+            <a:pPr marL="285840" indent="-284760">
               <a:lnSpc>
                 <a:spcPct val="100000"/>
               </a:lnSpc>
@@ -4216,7 +4235,7 @@
             </a:endParaRPr>
           </a:p>
           <a:p>
-            <a:pPr marL="285840" indent="-285120">
+            <a:pPr marL="285840" indent="-284760">
               <a:lnSpc>
                 <a:spcPct val="100000"/>
               </a:lnSpc>
@@ -4272,7 +4291,7 @@
             </a:endParaRPr>
           </a:p>
           <a:p>
-            <a:pPr marL="285840" indent="-285120">
+            <a:pPr marL="285840" indent="-284760">
               <a:lnSpc>
                 <a:spcPct val="100000"/>
               </a:lnSpc>
@@ -4328,7 +4347,7 @@
             </a:endParaRPr>
           </a:p>
           <a:p>
-            <a:pPr marL="285840" indent="-285120">
+            <a:pPr marL="285840" indent="-284760">
               <a:lnSpc>
                 <a:spcPct val="100000"/>
               </a:lnSpc>
@@ -4425,7 +4444,7 @@
         <p:spPr>
           <a:xfrm>
             <a:off x="609480" y="380880"/>
-            <a:ext cx="7771680" cy="761400"/>
+            <a:ext cx="7771320" cy="761040"/>
           </a:xfrm>
           <a:prstGeom prst="rect">
             <a:avLst/>
@@ -4455,6 +4474,7 @@
                   </a:solidFill>
                 </a:uFill>
                 <a:latin typeface="Calibri"/>
+                <a:ea typeface="DejaVu Sans"/>
               </a:rPr>
               <a:t>Data 607, Fall 2017</a:t>
             </a:r>
@@ -4482,6 +4502,7 @@
                   </a:solidFill>
                 </a:uFill>
                 <a:latin typeface="Calibri"/>
+                <a:ea typeface="DejaVu Sans"/>
               </a:rPr>
               <a:t>Project 3 - </a:t>
             </a:r>
@@ -4496,6 +4517,7 @@
                   </a:solidFill>
                 </a:uFill>
                 <a:latin typeface="Calibri"/>
+                <a:ea typeface="DejaVu Sans"/>
               </a:rPr>
               <a:t>Most Valued Data Science Skills </a:t>
             </a:r>
@@ -4540,7 +4562,7 @@
         <p:spPr>
           <a:xfrm>
             <a:off x="2438280" y="6019920"/>
-            <a:ext cx="6400080" cy="598680"/>
+            <a:ext cx="6399720" cy="598320"/>
           </a:xfrm>
           <a:prstGeom prst="rect">
             <a:avLst/>
@@ -4575,6 +4597,7 @@
                   </a:solidFill>
                 </a:uFill>
                 <a:latin typeface="Calibri"/>
+                <a:ea typeface="DejaVu Sans"/>
               </a:rPr>
               <a:t>Group 7</a:t>
             </a:r>
@@ -4607,6 +4630,7 @@
                   </a:solidFill>
                 </a:uFill>
                 <a:latin typeface="Calibri"/>
+                <a:ea typeface="DejaVu Sans"/>
               </a:rPr>
               <a:t>Albina Gallyavova, John Grando, Mehdi Khan, Olga Fornicheva, Yijian Lu,</a:t>
             </a:r>
@@ -4685,7 +4709,7 @@
         <p:spPr>
           <a:xfrm>
             <a:off x="609480" y="1143000"/>
-            <a:ext cx="7238160" cy="638640"/>
+            <a:ext cx="7237800" cy="638280"/>
           </a:xfrm>
           <a:prstGeom prst="rect">
             <a:avLst/>
@@ -4769,7 +4793,7 @@
         <p:spPr>
           <a:xfrm>
             <a:off x="2705040" y="1523880"/>
-            <a:ext cx="3357000" cy="4647600"/>
+            <a:ext cx="3356640" cy="4647240"/>
           </a:xfrm>
           <a:prstGeom prst="rect">
             <a:avLst/>
@@ -4837,7 +4861,7 @@
         <p:spPr>
           <a:xfrm>
             <a:off x="609480" y="380880"/>
-            <a:ext cx="7771680" cy="761400"/>
+            <a:ext cx="7771320" cy="761040"/>
           </a:xfrm>
           <a:prstGeom prst="rect">
             <a:avLst/>
@@ -4867,6 +4891,7 @@
                   </a:solidFill>
                 </a:uFill>
                 <a:latin typeface="Calibri"/>
+                <a:ea typeface="DejaVu Sans"/>
               </a:rPr>
               <a:t>Data 607, Fall 2017</a:t>
             </a:r>
@@ -4894,6 +4919,7 @@
                   </a:solidFill>
                 </a:uFill>
                 <a:latin typeface="Calibri"/>
+                <a:ea typeface="DejaVu Sans"/>
               </a:rPr>
               <a:t>Project 3 - </a:t>
             </a:r>
@@ -4908,6 +4934,7 @@
                   </a:solidFill>
                 </a:uFill>
                 <a:latin typeface="Calibri"/>
+                <a:ea typeface="DejaVu Sans"/>
               </a:rPr>
               <a:t>Most Valued Data Science Skills </a:t>
             </a:r>
@@ -4952,7 +4979,7 @@
         <p:spPr>
           <a:xfrm>
             <a:off x="2438280" y="6019920"/>
-            <a:ext cx="6400080" cy="598680"/>
+            <a:ext cx="6399720" cy="598320"/>
           </a:xfrm>
           <a:prstGeom prst="rect">
             <a:avLst/>
@@ -4987,6 +5014,7 @@
                   </a:solidFill>
                 </a:uFill>
                 <a:latin typeface="Calibri"/>
+                <a:ea typeface="DejaVu Sans"/>
               </a:rPr>
               <a:t>Group 7</a:t>
             </a:r>
@@ -5019,6 +5047,7 @@
                   </a:solidFill>
                 </a:uFill>
                 <a:latin typeface="Calibri"/>
+                <a:ea typeface="DejaVu Sans"/>
               </a:rPr>
               <a:t>Albina Gallyavova, John Grando, Mehdi Khan, Olga Fornicheva, Yijian Lu,</a:t>
             </a:r>
@@ -5097,7 +5126,7 @@
         <p:spPr>
           <a:xfrm>
             <a:off x="609480" y="1143000"/>
-            <a:ext cx="7238160" cy="3651120"/>
+            <a:ext cx="7237800" cy="3650760"/>
           </a:xfrm>
           <a:prstGeom prst="rect">
             <a:avLst/>
@@ -5236,7 +5265,7 @@
             </a:endParaRPr>
           </a:p>
           <a:p>
-            <a:pPr marL="285840" indent="-285120">
+            <a:pPr marL="285840" indent="-284760">
               <a:lnSpc>
                 <a:spcPct val="100000"/>
               </a:lnSpc>
@@ -5292,7 +5321,7 @@
             </a:endParaRPr>
           </a:p>
           <a:p>
-            <a:pPr marL="285840" indent="-285120">
+            <a:pPr marL="285840" indent="-284760">
               <a:lnSpc>
                 <a:spcPct val="100000"/>
               </a:lnSpc>
@@ -5348,7 +5377,7 @@
             </a:endParaRPr>
           </a:p>
           <a:p>
-            <a:pPr marL="285840" indent="-285120">
+            <a:pPr marL="285840" indent="-284760">
               <a:lnSpc>
                 <a:spcPct val="100000"/>
               </a:lnSpc>
@@ -5445,7 +5474,7 @@
         <p:spPr>
           <a:xfrm>
             <a:off x="609480" y="380880"/>
-            <a:ext cx="7771680" cy="761400"/>
+            <a:ext cx="7771320" cy="761040"/>
           </a:xfrm>
           <a:prstGeom prst="rect">
             <a:avLst/>
@@ -5475,6 +5504,7 @@
                   </a:solidFill>
                 </a:uFill>
                 <a:latin typeface="Calibri"/>
+                <a:ea typeface="DejaVu Sans"/>
               </a:rPr>
               <a:t>Data 607, Fall 2017</a:t>
             </a:r>
@@ -5502,6 +5532,7 @@
                   </a:solidFill>
                 </a:uFill>
                 <a:latin typeface="Calibri"/>
+                <a:ea typeface="DejaVu Sans"/>
               </a:rPr>
               <a:t>Project 3 - </a:t>
             </a:r>
@@ -5516,6 +5547,7 @@
                   </a:solidFill>
                 </a:uFill>
                 <a:latin typeface="Calibri"/>
+                <a:ea typeface="DejaVu Sans"/>
               </a:rPr>
               <a:t>Most Valued Data Science Skills </a:t>
             </a:r>
@@ -5560,7 +5592,7 @@
         <p:spPr>
           <a:xfrm>
             <a:off x="2438280" y="6019920"/>
-            <a:ext cx="6400080" cy="598680"/>
+            <a:ext cx="6399720" cy="598320"/>
           </a:xfrm>
           <a:prstGeom prst="rect">
             <a:avLst/>
@@ -5595,6 +5627,7 @@
                   </a:solidFill>
                 </a:uFill>
                 <a:latin typeface="Calibri"/>
+                <a:ea typeface="DejaVu Sans"/>
               </a:rPr>
               <a:t>Group 7</a:t>
             </a:r>
@@ -5627,6 +5660,7 @@
                   </a:solidFill>
                 </a:uFill>
                 <a:latin typeface="Calibri"/>
+                <a:ea typeface="DejaVu Sans"/>
               </a:rPr>
               <a:t>Albina Gallyavova, John Grando, Mehdi Khan, Olga Fornicheva, Yijian Lu,</a:t>
             </a:r>
@@ -5705,7 +5739,7 @@
         <p:spPr>
           <a:xfrm>
             <a:off x="609480" y="1143000"/>
-            <a:ext cx="7238160" cy="638640"/>
+            <a:ext cx="7237800" cy="638280"/>
           </a:xfrm>
           <a:prstGeom prst="rect">
             <a:avLst/>
@@ -5789,7 +5823,7 @@
         <p:spPr>
           <a:xfrm>
             <a:off x="621000" y="1676520"/>
-            <a:ext cx="7731360" cy="3857040"/>
+            <a:ext cx="7731000" cy="3856680"/>
           </a:xfrm>
           <a:prstGeom prst="rect">
             <a:avLst/>
@@ -5857,7 +5891,7 @@
         <p:spPr>
           <a:xfrm>
             <a:off x="609480" y="380880"/>
-            <a:ext cx="7771680" cy="761400"/>
+            <a:ext cx="7771320" cy="761040"/>
           </a:xfrm>
           <a:prstGeom prst="rect">
             <a:avLst/>
@@ -5887,6 +5921,7 @@
                   </a:solidFill>
                 </a:uFill>
                 <a:latin typeface="Calibri"/>
+                <a:ea typeface="DejaVu Sans"/>
               </a:rPr>
               <a:t>Data 607, Fall 2017</a:t>
             </a:r>
@@ -5914,6 +5949,7 @@
                   </a:solidFill>
                 </a:uFill>
                 <a:latin typeface="Calibri"/>
+                <a:ea typeface="DejaVu Sans"/>
               </a:rPr>
               <a:t>Project 3 - </a:t>
             </a:r>
@@ -5928,6 +5964,7 @@
                   </a:solidFill>
                 </a:uFill>
                 <a:latin typeface="Calibri"/>
+                <a:ea typeface="DejaVu Sans"/>
               </a:rPr>
               <a:t>Most Valued Data Science Skills </a:t>
             </a:r>
@@ -5972,7 +6009,7 @@
         <p:spPr>
           <a:xfrm>
             <a:off x="2438280" y="6019920"/>
-            <a:ext cx="6400080" cy="598680"/>
+            <a:ext cx="6399720" cy="598320"/>
           </a:xfrm>
           <a:prstGeom prst="rect">
             <a:avLst/>
@@ -6007,6 +6044,7 @@
                   </a:solidFill>
                 </a:uFill>
                 <a:latin typeface="Calibri"/>
+                <a:ea typeface="DejaVu Sans"/>
               </a:rPr>
               <a:t>Group 7</a:t>
             </a:r>
@@ -6039,6 +6077,7 @@
                   </a:solidFill>
                 </a:uFill>
                 <a:latin typeface="Calibri"/>
+                <a:ea typeface="DejaVu Sans"/>
               </a:rPr>
               <a:t>Albina Gallyavova, John Grando, Mehdi Khan, Olga Fornicheva, Yijian Lu,</a:t>
             </a:r>
@@ -6117,7 +6156,7 @@
         <p:spPr>
           <a:xfrm>
             <a:off x="609480" y="990720"/>
-            <a:ext cx="7238160" cy="790560"/>
+            <a:ext cx="7237800" cy="790200"/>
           </a:xfrm>
           <a:prstGeom prst="rect">
             <a:avLst/>
@@ -6230,7 +6269,7 @@
         <p:spPr>
           <a:xfrm>
             <a:off x="155520" y="-3070080"/>
-            <a:ext cx="6400080" cy="6400080"/>
+            <a:ext cx="6399720" cy="6399720"/>
           </a:xfrm>
           <a:prstGeom prst="rect">
             <a:avLst/>
@@ -6256,7 +6295,7 @@
         <p:spPr>
           <a:xfrm>
             <a:off x="307800" y="-2917800"/>
-            <a:ext cx="6400080" cy="6400080"/>
+            <a:ext cx="6399720" cy="6399720"/>
           </a:xfrm>
           <a:prstGeom prst="rect">
             <a:avLst/>
@@ -6282,7 +6321,7 @@
         <p:spPr>
           <a:xfrm>
             <a:off x="460440" y="-2765520"/>
-            <a:ext cx="6400080" cy="6400080"/>
+            <a:ext cx="6399720" cy="6399720"/>
           </a:xfrm>
           <a:prstGeom prst="rect">
             <a:avLst/>
@@ -6312,7 +6351,7 @@
         <p:spPr>
           <a:xfrm>
             <a:off x="1464840" y="2062800"/>
-            <a:ext cx="6033240" cy="4063680"/>
+            <a:ext cx="6032880" cy="4063320"/>
           </a:xfrm>
           <a:prstGeom prst="rect">
             <a:avLst/>
@@ -6380,7 +6419,7 @@
         <p:spPr>
           <a:xfrm>
             <a:off x="609480" y="380880"/>
-            <a:ext cx="7771680" cy="761400"/>
+            <a:ext cx="7771320" cy="761040"/>
           </a:xfrm>
           <a:prstGeom prst="rect">
             <a:avLst/>
@@ -6410,6 +6449,7 @@
                   </a:solidFill>
                 </a:uFill>
                 <a:latin typeface="Calibri"/>
+                <a:ea typeface="DejaVu Sans"/>
               </a:rPr>
               <a:t>Data 607, Fall 2017</a:t>
             </a:r>
@@ -6437,6 +6477,7 @@
                   </a:solidFill>
                 </a:uFill>
                 <a:latin typeface="Calibri"/>
+                <a:ea typeface="DejaVu Sans"/>
               </a:rPr>
               <a:t>Project 3 - </a:t>
             </a:r>
@@ -6451,6 +6492,7 @@
                   </a:solidFill>
                 </a:uFill>
                 <a:latin typeface="Calibri"/>
+                <a:ea typeface="DejaVu Sans"/>
               </a:rPr>
               <a:t>Most Valued Data Science Skills </a:t>
             </a:r>
@@ -6495,7 +6537,7 @@
         <p:spPr>
           <a:xfrm>
             <a:off x="2438280" y="6019920"/>
-            <a:ext cx="6400080" cy="598680"/>
+            <a:ext cx="6399720" cy="598320"/>
           </a:xfrm>
           <a:prstGeom prst="rect">
             <a:avLst/>
@@ -6530,6 +6572,7 @@
                   </a:solidFill>
                 </a:uFill>
                 <a:latin typeface="Calibri"/>
+                <a:ea typeface="DejaVu Sans"/>
               </a:rPr>
               <a:t>Group 7</a:t>
             </a:r>
@@ -6562,6 +6605,7 @@
                   </a:solidFill>
                 </a:uFill>
                 <a:latin typeface="Calibri"/>
+                <a:ea typeface="DejaVu Sans"/>
               </a:rPr>
               <a:t>Albina Gallyavova, John Grando, Mehdi Khan, Olga Fornicheva, Yijian Lu,</a:t>
             </a:r>
@@ -6640,7 +6684,7 @@
         <p:spPr>
           <a:xfrm>
             <a:off x="609480" y="990720"/>
-            <a:ext cx="7238160" cy="1003680"/>
+            <a:ext cx="7237800" cy="1003320"/>
           </a:xfrm>
           <a:prstGeom prst="rect">
             <a:avLst/>
@@ -6753,7 +6797,7 @@
         <p:spPr>
           <a:xfrm>
             <a:off x="155520" y="-3070080"/>
-            <a:ext cx="6400080" cy="6400080"/>
+            <a:ext cx="6399720" cy="6399720"/>
           </a:xfrm>
           <a:prstGeom prst="rect">
             <a:avLst/>
@@ -6779,7 +6823,7 @@
         <p:spPr>
           <a:xfrm>
             <a:off x="307800" y="-2917800"/>
-            <a:ext cx="6400080" cy="6400080"/>
+            <a:ext cx="6399720" cy="6399720"/>
           </a:xfrm>
           <a:prstGeom prst="rect">
             <a:avLst/>
@@ -6805,7 +6849,7 @@
         <p:spPr>
           <a:xfrm>
             <a:off x="460440" y="-2765520"/>
-            <a:ext cx="6400080" cy="6400080"/>
+            <a:ext cx="6399720" cy="6399720"/>
           </a:xfrm>
           <a:prstGeom prst="rect">
             <a:avLst/>
@@ -6836,7 +6880,7 @@
         <p:spPr>
           <a:xfrm>
             <a:off x="1371600" y="2286000"/>
-            <a:ext cx="5610600" cy="3906000"/>
+            <a:ext cx="5610240" cy="3905640"/>
           </a:xfrm>
           <a:prstGeom prst="rect">
             <a:avLst/>
@@ -6904,7 +6948,7 @@
         <p:spPr>
           <a:xfrm>
             <a:off x="609480" y="380880"/>
-            <a:ext cx="7771680" cy="761400"/>
+            <a:ext cx="7771320" cy="761040"/>
           </a:xfrm>
           <a:prstGeom prst="rect">
             <a:avLst/>
@@ -6934,6 +6978,7 @@
                   </a:solidFill>
                 </a:uFill>
                 <a:latin typeface="Calibri"/>
+                <a:ea typeface="DejaVu Sans"/>
               </a:rPr>
               <a:t>Data 607, Fall 2017</a:t>
             </a:r>
@@ -6961,6 +7006,7 @@
                   </a:solidFill>
                 </a:uFill>
                 <a:latin typeface="Calibri"/>
+                <a:ea typeface="DejaVu Sans"/>
               </a:rPr>
               <a:t>Project 3 - </a:t>
             </a:r>
@@ -6975,6 +7021,7 @@
                   </a:solidFill>
                 </a:uFill>
                 <a:latin typeface="Calibri"/>
+                <a:ea typeface="DejaVu Sans"/>
               </a:rPr>
               <a:t>Most Valued Data Science Skills </a:t>
             </a:r>
@@ -7019,7 +7066,7 @@
         <p:spPr>
           <a:xfrm>
             <a:off x="2438280" y="6019920"/>
-            <a:ext cx="6400080" cy="598680"/>
+            <a:ext cx="6399720" cy="598320"/>
           </a:xfrm>
           <a:prstGeom prst="rect">
             <a:avLst/>
@@ -7054,6 +7101,7 @@
                   </a:solidFill>
                 </a:uFill>
                 <a:latin typeface="Calibri"/>
+                <a:ea typeface="DejaVu Sans"/>
               </a:rPr>
               <a:t>Group 7</a:t>
             </a:r>
@@ -7086,6 +7134,7 @@
                   </a:solidFill>
                 </a:uFill>
                 <a:latin typeface="Calibri"/>
+                <a:ea typeface="DejaVu Sans"/>
               </a:rPr>
               <a:t>Albina Gallyavova, John Grando, Mehdi Khan, Olga Fornicheva, Yijian Lu,</a:t>
             </a:r>
@@ -7164,7 +7213,7 @@
         <p:spPr>
           <a:xfrm>
             <a:off x="609480" y="990720"/>
-            <a:ext cx="7238160" cy="790560"/>
+            <a:ext cx="7237800" cy="790200"/>
           </a:xfrm>
           <a:prstGeom prst="rect">
             <a:avLst/>
@@ -7277,7 +7326,7 @@
         <p:spPr>
           <a:xfrm>
             <a:off x="155520" y="-3070080"/>
-            <a:ext cx="6400080" cy="6400080"/>
+            <a:ext cx="6399720" cy="6399720"/>
           </a:xfrm>
           <a:prstGeom prst="rect">
             <a:avLst/>
@@ -7303,7 +7352,7 @@
         <p:spPr>
           <a:xfrm>
             <a:off x="307800" y="-2917800"/>
-            <a:ext cx="6400080" cy="6400080"/>
+            <a:ext cx="6399720" cy="6399720"/>
           </a:xfrm>
           <a:prstGeom prst="rect">
             <a:avLst/>
@@ -7329,7 +7378,7 @@
         <p:spPr>
           <a:xfrm>
             <a:off x="460440" y="-2765520"/>
-            <a:ext cx="6400080" cy="6400080"/>
+            <a:ext cx="6399720" cy="6399720"/>
           </a:xfrm>
           <a:prstGeom prst="rect">
             <a:avLst/>
@@ -7359,7 +7408,7 @@
         <p:spPr>
           <a:xfrm>
             <a:off x="1234440" y="2081160"/>
-            <a:ext cx="5897880" cy="4136760"/>
+            <a:ext cx="5897520" cy="4136400"/>
           </a:xfrm>
           <a:prstGeom prst="rect">
             <a:avLst/>
